--- a/notes/day_1.pptx
+++ b/notes/day_1.pptx
@@ -4445,7 +4445,7 @@
         <p:spPr>
           <a:xfrm>
             <a:off x="385017" y="3372095"/>
-            <a:ext cx="8454183" cy="1754327"/>
+            <a:ext cx="8454183" cy="1754326"/>
           </a:xfrm>
           <a:prstGeom prst="rect">
             <a:avLst/>
@@ -4561,27 +4561,7 @@
                 <a:latin typeface="Courier"/>
                 <a:cs typeface="Courier"/>
               </a:rPr>
-              <a:t>y &lt;- </a:t>
-            </a:r>
-            <a:r>
-              <a:rPr lang="en-US" dirty="0" err="1">
-                <a:solidFill>
-                  <a:schemeClr val="bg1"/>
-                </a:solidFill>
-                <a:latin typeface="Courier"/>
-                <a:cs typeface="Courier"/>
-              </a:rPr>
-              <a:t>cos</a:t>
-            </a:r>
-            <a:r>
-              <a:rPr lang="en-US" dirty="0">
-                <a:solidFill>
-                  <a:schemeClr val="bg1"/>
-                </a:solidFill>
-                <a:latin typeface="Courier"/>
-                <a:cs typeface="Courier"/>
-              </a:rPr>
-              <a:t>(x)</a:t>
+              <a:t>y &lt;- cos(x)</a:t>
             </a:r>
           </a:p>
           <a:p>
@@ -4602,7 +4582,27 @@
                 <a:latin typeface="Courier"/>
                 <a:cs typeface="Courier"/>
               </a:rPr>
-              <a:t>plot(x, y, type=“l”)</a:t>
+              <a:t>plot(x, y, type=</a:t>
+            </a:r>
+            <a:r>
+              <a:rPr lang="en-US" dirty="0">
+                <a:solidFill>
+                  <a:srgbClr val="00B050"/>
+                </a:solidFill>
+                <a:latin typeface="Courier"/>
+                <a:cs typeface="Courier"/>
+              </a:rPr>
+              <a:t>"l"</a:t>
+            </a:r>
+            <a:r>
+              <a:rPr lang="en-US" dirty="0">
+                <a:solidFill>
+                  <a:schemeClr val="bg1"/>
+                </a:solidFill>
+                <a:latin typeface="Courier"/>
+                <a:cs typeface="Courier"/>
+              </a:rPr>
+              <a:t>)</a:t>
             </a:r>
           </a:p>
         </p:txBody>
@@ -4852,7 +4852,7 @@
         </p:nvCxnSpPr>
         <p:spPr>
           <a:xfrm flipH="1" flipV="1">
-            <a:off x="2688816" y="5126422"/>
+            <a:off x="2885587" y="5068547"/>
             <a:ext cx="270232" cy="655846"/>
           </a:xfrm>
           <a:prstGeom prst="straightConnector1">
@@ -4885,7 +4885,7 @@
         </p:nvSpPr>
         <p:spPr>
           <a:xfrm>
-            <a:off x="1289626" y="5727598"/>
+            <a:off x="1486397" y="5669723"/>
             <a:ext cx="3584260" cy="369332"/>
           </a:xfrm>
           <a:prstGeom prst="rect">
@@ -5226,25 +5226,7 @@
                 </a:solidFill>
                 <a:latin typeface="Times New Roman" pitchFamily="18" charset="0"/>
               </a:rPr>
-              <a:t>How to Load </a:t>
-            </a:r>
-            <a:r>
-              <a:rPr lang="en-GB" sz="4000" dirty="0" err="1">
-                <a:solidFill>
-                  <a:srgbClr val="000000"/>
-                </a:solidFill>
-                <a:latin typeface="Times New Roman" pitchFamily="18" charset="0"/>
-              </a:rPr>
-              <a:t>Spreadsheets</a:t>
-            </a:r>
-            <a:r>
-              <a:rPr lang="en-GB" sz="4000" dirty="0">
-                <a:solidFill>
-                  <a:srgbClr val="000000"/>
-                </a:solidFill>
-                <a:latin typeface="Times New Roman" pitchFamily="18" charset="0"/>
-              </a:rPr>
-              <a:t> of Data:</a:t>
+              <a:t>How to Load Spreadsheets of Data:</a:t>
             </a:r>
           </a:p>
         </p:txBody>
@@ -5622,25 +5604,7 @@
                 </a:solidFill>
                 <a:latin typeface="Times New Roman" pitchFamily="18" charset="0"/>
               </a:rPr>
-              <a:t>How to Load </a:t>
-            </a:r>
-            <a:r>
-              <a:rPr lang="en-GB" sz="4000" dirty="0" err="1">
-                <a:solidFill>
-                  <a:srgbClr val="000000"/>
-                </a:solidFill>
-                <a:latin typeface="Times New Roman" pitchFamily="18" charset="0"/>
-              </a:rPr>
-              <a:t>Spreadsheets</a:t>
-            </a:r>
-            <a:r>
-              <a:rPr lang="en-GB" sz="4000" dirty="0">
-                <a:solidFill>
-                  <a:srgbClr val="000000"/>
-                </a:solidFill>
-                <a:latin typeface="Times New Roman" pitchFamily="18" charset="0"/>
-              </a:rPr>
-              <a:t> of Data:</a:t>
+              <a:t>How to Load Spreadsheets of Data:</a:t>
             </a:r>
           </a:p>
         </p:txBody>
@@ -6455,25 +6419,7 @@
                 </a:solidFill>
                 <a:latin typeface="Times New Roman" pitchFamily="18" charset="0"/>
               </a:rPr>
-              <a:t>How to Load </a:t>
-            </a:r>
-            <a:r>
-              <a:rPr lang="en-GB" sz="4000" dirty="0" err="1">
-                <a:solidFill>
-                  <a:srgbClr val="000000"/>
-                </a:solidFill>
-                <a:latin typeface="Times New Roman" pitchFamily="18" charset="0"/>
-              </a:rPr>
-              <a:t>Spreadsheets</a:t>
-            </a:r>
-            <a:r>
-              <a:rPr lang="en-GB" sz="4000" dirty="0">
-                <a:solidFill>
-                  <a:srgbClr val="000000"/>
-                </a:solidFill>
-                <a:latin typeface="Times New Roman" pitchFamily="18" charset="0"/>
-              </a:rPr>
-              <a:t> of Data:</a:t>
+              <a:t>How to Load Spreadsheets of Data:</a:t>
             </a:r>
           </a:p>
         </p:txBody>
@@ -8144,8 +8090,8 @@
         </p:nvSpPr>
         <p:spPr bwMode="auto">
           <a:xfrm>
-            <a:off x="256673" y="2492621"/>
-            <a:ext cx="8686800" cy="2372106"/>
+            <a:off x="256673" y="1937038"/>
+            <a:ext cx="8686800" cy="3271572"/>
           </a:xfrm>
           <a:prstGeom prst="rect">
             <a:avLst/>
@@ -8194,7 +8140,7 @@
                 </a:solidFill>
                 <a:latin typeface="Times New Roman" pitchFamily="18" charset="0"/>
               </a:rPr>
-              <a:t>Matrices: </a:t>
+              <a:t>Spreadsheets are called data frames, arrays or matrices in      : </a:t>
             </a:r>
             <a:r>
               <a:rPr lang="en-GB" sz="2800" b="1" dirty="0">
@@ -8515,35 +8461,11 @@
                 </a:solidFill>
                 <a:latin typeface="Times New Roman" pitchFamily="18" charset="0"/>
               </a:rPr>
-              <a:t>More Handy       Commands:</a:t>
+              <a:t>Slicing and Dicing a Spreadsheet</a:t>
             </a:r>
           </a:p>
         </p:txBody>
       </p:sp>
-      <p:pic>
-        <p:nvPicPr>
-          <p:cNvPr id="6" name="Picture 5" descr="Rlogo.jpg"/>
-          <p:cNvPicPr>
-            <a:picLocks noChangeAspect="1"/>
-          </p:cNvPicPr>
-          <p:nvPr/>
-        </p:nvPicPr>
-        <p:blipFill>
-          <a:blip r:embed="rId2"/>
-          <a:stretch>
-            <a:fillRect/>
-          </a:stretch>
-        </p:blipFill>
-        <p:spPr>
-          <a:xfrm>
-            <a:off x="4251049" y="653333"/>
-            <a:ext cx="698048" cy="530518"/>
-          </a:xfrm>
-          <a:prstGeom prst="rect">
-            <a:avLst/>
-          </a:prstGeom>
-        </p:spPr>
-      </p:pic>
       <p:pic>
         <p:nvPicPr>
           <p:cNvPr id="7" name="Picture 2"/>
@@ -8553,7 +8475,7 @@
           <p:nvPr/>
         </p:nvPicPr>
         <p:blipFill>
-          <a:blip r:embed="rId3" cstate="print"/>
+          <a:blip r:embed="rId2" cstate="print"/>
           <a:srcRect/>
           <a:stretch>
             <a:fillRect/>
@@ -8606,68 +8528,6 @@
           <a:chExt cx="0" cy="0"/>
         </a:xfrm>
       </p:grpSpPr>
-      <p:sp>
-        <p:nvSpPr>
-          <p:cNvPr id="2" name="Rectangle 4"/>
-          <p:cNvSpPr>
-            <a:spLocks noChangeArrowheads="1"/>
-          </p:cNvSpPr>
-          <p:nvPr/>
-        </p:nvSpPr>
-        <p:spPr bwMode="auto">
-          <a:xfrm>
-            <a:off x="231775" y="332601"/>
-            <a:ext cx="8607425" cy="1127125"/>
-          </a:xfrm>
-          <a:prstGeom prst="rect">
-            <a:avLst/>
-          </a:prstGeom>
-          <a:noFill/>
-          <a:ln w="9525">
-            <a:noFill/>
-            <a:round/>
-            <a:headEnd/>
-            <a:tailEnd/>
-          </a:ln>
-        </p:spPr>
-        <p:txBody>
-          <a:bodyPr lIns="0" tIns="0" rIns="0" bIns="0" anchor="ctr"/>
-          <a:lstStyle/>
-          <a:p>
-            <a:pPr algn="ctr">
-              <a:buClr>
-                <a:srgbClr val="000000"/>
-              </a:buClr>
-              <a:buSzPct val="100000"/>
-              <a:buFont typeface="Times New Roman" pitchFamily="18" charset="0"/>
-              <a:buNone/>
-              <a:tabLst>
-                <a:tab pos="0" algn="l"/>
-                <a:tab pos="914400" algn="l"/>
-                <a:tab pos="1828800" algn="l"/>
-                <a:tab pos="2743200" algn="l"/>
-                <a:tab pos="3657600" algn="l"/>
-                <a:tab pos="4572000" algn="l"/>
-                <a:tab pos="5486400" algn="l"/>
-                <a:tab pos="6400800" algn="l"/>
-                <a:tab pos="7315200" algn="l"/>
-                <a:tab pos="8229600" algn="l"/>
-                <a:tab pos="9144000" algn="l"/>
-                <a:tab pos="10058400" algn="l"/>
-              </a:tabLst>
-            </a:pPr>
-            <a:r>
-              <a:rPr lang="en-GB" sz="4000" dirty="0">
-                <a:solidFill>
-                  <a:srgbClr val="000000"/>
-                </a:solidFill>
-                <a:latin typeface="Times New Roman" pitchFamily="18" charset="0"/>
-              </a:rPr>
-              <a:t>More Handy R Commands:</a:t>
-            </a:r>
-          </a:p>
-        </p:txBody>
-      </p:sp>
       <p:pic>
         <p:nvPicPr>
           <p:cNvPr id="3" name="Picture 2"/>
@@ -8938,6 +8798,74 @@
           </a:p>
         </p:txBody>
       </p:sp>
+      <p:sp>
+        <p:nvSpPr>
+          <p:cNvPr id="5" name="Rectangle 4">
+            <a:extLst>
+              <a:ext uri="{FF2B5EF4-FFF2-40B4-BE49-F238E27FC236}">
+                <a16:creationId xmlns:a16="http://schemas.microsoft.com/office/drawing/2014/main" id="{45D7E980-EE7B-F047-A1D7-2B9DA77449B1}"/>
+              </a:ext>
+            </a:extLst>
+          </p:cNvPr>
+          <p:cNvSpPr>
+            <a:spLocks noChangeArrowheads="1"/>
+          </p:cNvSpPr>
+          <p:nvPr/>
+        </p:nvSpPr>
+        <p:spPr bwMode="auto">
+          <a:xfrm>
+            <a:off x="231775" y="332601"/>
+            <a:ext cx="8607425" cy="1127125"/>
+          </a:xfrm>
+          <a:prstGeom prst="rect">
+            <a:avLst/>
+          </a:prstGeom>
+          <a:noFill/>
+          <a:ln w="9525">
+            <a:noFill/>
+            <a:round/>
+            <a:headEnd/>
+            <a:tailEnd/>
+          </a:ln>
+        </p:spPr>
+        <p:txBody>
+          <a:bodyPr lIns="0" tIns="0" rIns="0" bIns="0" anchor="ctr"/>
+          <a:lstStyle/>
+          <a:p>
+            <a:pPr algn="ctr">
+              <a:buClr>
+                <a:srgbClr val="000000"/>
+              </a:buClr>
+              <a:buSzPct val="100000"/>
+              <a:buFont typeface="Times New Roman" pitchFamily="18" charset="0"/>
+              <a:buNone/>
+              <a:tabLst>
+                <a:tab pos="0" algn="l"/>
+                <a:tab pos="914400" algn="l"/>
+                <a:tab pos="1828800" algn="l"/>
+                <a:tab pos="2743200" algn="l"/>
+                <a:tab pos="3657600" algn="l"/>
+                <a:tab pos="4572000" algn="l"/>
+                <a:tab pos="5486400" algn="l"/>
+                <a:tab pos="6400800" algn="l"/>
+                <a:tab pos="7315200" algn="l"/>
+                <a:tab pos="8229600" algn="l"/>
+                <a:tab pos="9144000" algn="l"/>
+                <a:tab pos="10058400" algn="l"/>
+              </a:tabLst>
+            </a:pPr>
+            <a:r>
+              <a:rPr lang="en-GB" sz="4000" dirty="0">
+                <a:solidFill>
+                  <a:srgbClr val="000000"/>
+                </a:solidFill>
+                <a:latin typeface="Times New Roman" pitchFamily="18" charset="0"/>
+              </a:rPr>
+              <a:t>Slicing and Dicing Spreadsheet</a:t>
+            </a:r>
+          </a:p>
+        </p:txBody>
+      </p:sp>
     </p:spTree>
     <p:extLst>
       <p:ext uri="{BB962C8B-B14F-4D97-AF65-F5344CB8AC3E}">
@@ -8968,68 +8896,6 @@
           <a:chExt cx="0" cy="0"/>
         </a:xfrm>
       </p:grpSpPr>
-      <p:sp>
-        <p:nvSpPr>
-          <p:cNvPr id="2" name="Rectangle 4"/>
-          <p:cNvSpPr>
-            <a:spLocks noChangeArrowheads="1"/>
-          </p:cNvSpPr>
-          <p:nvPr/>
-        </p:nvSpPr>
-        <p:spPr bwMode="auto">
-          <a:xfrm>
-            <a:off x="231775" y="332601"/>
-            <a:ext cx="8607425" cy="1127125"/>
-          </a:xfrm>
-          <a:prstGeom prst="rect">
-            <a:avLst/>
-          </a:prstGeom>
-          <a:noFill/>
-          <a:ln w="9525">
-            <a:noFill/>
-            <a:round/>
-            <a:headEnd/>
-            <a:tailEnd/>
-          </a:ln>
-        </p:spPr>
-        <p:txBody>
-          <a:bodyPr lIns="0" tIns="0" rIns="0" bIns="0" anchor="ctr"/>
-          <a:lstStyle/>
-          <a:p>
-            <a:pPr algn="ctr">
-              <a:buClr>
-                <a:srgbClr val="000000"/>
-              </a:buClr>
-              <a:buSzPct val="100000"/>
-              <a:buFont typeface="Times New Roman" pitchFamily="18" charset="0"/>
-              <a:buNone/>
-              <a:tabLst>
-                <a:tab pos="0" algn="l"/>
-                <a:tab pos="914400" algn="l"/>
-                <a:tab pos="1828800" algn="l"/>
-                <a:tab pos="2743200" algn="l"/>
-                <a:tab pos="3657600" algn="l"/>
-                <a:tab pos="4572000" algn="l"/>
-                <a:tab pos="5486400" algn="l"/>
-                <a:tab pos="6400800" algn="l"/>
-                <a:tab pos="7315200" algn="l"/>
-                <a:tab pos="8229600" algn="l"/>
-                <a:tab pos="9144000" algn="l"/>
-                <a:tab pos="10058400" algn="l"/>
-              </a:tabLst>
-            </a:pPr>
-            <a:r>
-              <a:rPr lang="en-GB" sz="4000" dirty="0">
-                <a:solidFill>
-                  <a:srgbClr val="000000"/>
-                </a:solidFill>
-                <a:latin typeface="Times New Roman" pitchFamily="18" charset="0"/>
-              </a:rPr>
-              <a:t>More Handy R Commands:</a:t>
-            </a:r>
-          </a:p>
-        </p:txBody>
-      </p:sp>
       <p:pic>
         <p:nvPicPr>
           <p:cNvPr id="3" name="Picture 2"/>
@@ -9086,6 +8952,74 @@
           </a:prstGeom>
         </p:spPr>
       </p:pic>
+      <p:sp>
+        <p:nvSpPr>
+          <p:cNvPr id="6" name="Rectangle 4">
+            <a:extLst>
+              <a:ext uri="{FF2B5EF4-FFF2-40B4-BE49-F238E27FC236}">
+                <a16:creationId xmlns:a16="http://schemas.microsoft.com/office/drawing/2014/main" id="{0CF9FAD9-C95C-AC4E-A9AB-7D93578F2CD2}"/>
+              </a:ext>
+            </a:extLst>
+          </p:cNvPr>
+          <p:cNvSpPr>
+            <a:spLocks noChangeArrowheads="1"/>
+          </p:cNvSpPr>
+          <p:nvPr/>
+        </p:nvSpPr>
+        <p:spPr bwMode="auto">
+          <a:xfrm>
+            <a:off x="231775" y="332601"/>
+            <a:ext cx="8607425" cy="1127125"/>
+          </a:xfrm>
+          <a:prstGeom prst="rect">
+            <a:avLst/>
+          </a:prstGeom>
+          <a:noFill/>
+          <a:ln w="9525">
+            <a:noFill/>
+            <a:round/>
+            <a:headEnd/>
+            <a:tailEnd/>
+          </a:ln>
+        </p:spPr>
+        <p:txBody>
+          <a:bodyPr lIns="0" tIns="0" rIns="0" bIns="0" anchor="ctr"/>
+          <a:lstStyle/>
+          <a:p>
+            <a:pPr algn="ctr">
+              <a:buClr>
+                <a:srgbClr val="000000"/>
+              </a:buClr>
+              <a:buSzPct val="100000"/>
+              <a:buFont typeface="Times New Roman" pitchFamily="18" charset="0"/>
+              <a:buNone/>
+              <a:tabLst>
+                <a:tab pos="0" algn="l"/>
+                <a:tab pos="914400" algn="l"/>
+                <a:tab pos="1828800" algn="l"/>
+                <a:tab pos="2743200" algn="l"/>
+                <a:tab pos="3657600" algn="l"/>
+                <a:tab pos="4572000" algn="l"/>
+                <a:tab pos="5486400" algn="l"/>
+                <a:tab pos="6400800" algn="l"/>
+                <a:tab pos="7315200" algn="l"/>
+                <a:tab pos="8229600" algn="l"/>
+                <a:tab pos="9144000" algn="l"/>
+                <a:tab pos="10058400" algn="l"/>
+              </a:tabLst>
+            </a:pPr>
+            <a:r>
+              <a:rPr lang="en-GB" sz="4000" dirty="0">
+                <a:solidFill>
+                  <a:srgbClr val="000000"/>
+                </a:solidFill>
+                <a:latin typeface="Times New Roman" pitchFamily="18" charset="0"/>
+              </a:rPr>
+              <a:t>Slicing and Dicing Spreadsheet</a:t>
+            </a:r>
+          </a:p>
+        </p:txBody>
+      </p:sp>
     </p:spTree>
     <p:extLst>
       <p:ext uri="{BB962C8B-B14F-4D97-AF65-F5344CB8AC3E}">
@@ -9680,8 +9614,8 @@
         </p:nvSpPr>
         <p:spPr bwMode="auto">
           <a:xfrm>
-            <a:off x="231775" y="1063712"/>
-            <a:ext cx="8607425" cy="5339762"/>
+            <a:off x="231775" y="1005837"/>
+            <a:ext cx="8607425" cy="5718088"/>
           </a:xfrm>
           <a:prstGeom prst="rect">
             <a:avLst/>
@@ -9961,25 +9895,41 @@
                 <a:latin typeface="Times New Roman"/>
                 <a:cs typeface="Times New Roman"/>
               </a:rPr>
-              <a:t>Loading your data from Excel </a:t>
-            </a:r>
-            <a:r>
-              <a:rPr lang="en-GB" sz="3200" dirty="0" err="1">
+              <a:t>Loading your data from Excel spreadsheets</a:t>
+            </a:r>
+          </a:p>
+          <a:p>
+            <a:pPr marL="1344613" lvl="2" indent="-323850">
+              <a:spcBef>
+                <a:spcPts val="800"/>
+              </a:spcBef>
+              <a:buFont typeface="Times New Roman" charset="0"/>
+              <a:buChar char="•"/>
+              <a:tabLst>
+                <a:tab pos="430213" algn="l"/>
+                <a:tab pos="1344613" algn="l"/>
+                <a:tab pos="2259013" algn="l"/>
+                <a:tab pos="3173413" algn="l"/>
+                <a:tab pos="4087813" algn="l"/>
+                <a:tab pos="5002213" algn="l"/>
+                <a:tab pos="5916613" algn="l"/>
+                <a:tab pos="6831013" algn="l"/>
+                <a:tab pos="7745413" algn="l"/>
+                <a:tab pos="8659813" algn="l"/>
+                <a:tab pos="9574213" algn="l"/>
+                <a:tab pos="10488613" algn="l"/>
+              </a:tabLst>
+            </a:pPr>
+            <a:r>
+              <a:rPr lang="en-GB" sz="3200" dirty="0">
                 <a:solidFill>
                   <a:srgbClr val="000000"/>
                 </a:solidFill>
                 <a:latin typeface="Times New Roman"/>
                 <a:cs typeface="Times New Roman"/>
               </a:rPr>
-              <a:t>spreadsheets</a:t>
-            </a:r>
-            <a:endParaRPr lang="en-GB" sz="3200" dirty="0">
-              <a:solidFill>
-                <a:srgbClr val="000000"/>
-              </a:solidFill>
-              <a:latin typeface="Times New Roman"/>
-              <a:cs typeface="Times New Roman"/>
-            </a:endParaRPr>
+              <a:t>Basic Plotting</a:t>
+            </a:r>
           </a:p>
         </p:txBody>
       </p:sp>
@@ -10031,7 +9981,7 @@
         </p:blipFill>
         <p:spPr>
           <a:xfrm>
-            <a:off x="522306" y="1165787"/>
+            <a:off x="522306" y="1107912"/>
             <a:ext cx="620039" cy="471232"/>
           </a:xfrm>
           <a:prstGeom prst="rect">
@@ -10055,7 +10005,7 @@
         </p:blipFill>
         <p:spPr>
           <a:xfrm>
-            <a:off x="4563130" y="2292070"/>
+            <a:off x="4563130" y="2234195"/>
             <a:ext cx="678018" cy="515296"/>
           </a:xfrm>
           <a:prstGeom prst="rect">
@@ -12171,7 +12121,25 @@
                 </a:solidFill>
                 <a:latin typeface="Times New Roman" pitchFamily="18" charset="0"/>
               </a:rPr>
-              <a:t>More Handy R Commands:</a:t>
+              <a:t>Basic </a:t>
+            </a:r>
+            <a:r>
+              <a:rPr lang="en-GB" sz="4000" dirty="0" err="1">
+                <a:solidFill>
+                  <a:srgbClr val="000000"/>
+                </a:solidFill>
+                <a:latin typeface="Times New Roman" pitchFamily="18" charset="0"/>
+              </a:rPr>
+              <a:t>Ploting</a:t>
+            </a:r>
+            <a:r>
+              <a:rPr lang="en-GB" sz="4000" dirty="0">
+                <a:solidFill>
+                  <a:srgbClr val="000000"/>
+                </a:solidFill>
+                <a:latin typeface="Times New Roman" pitchFamily="18" charset="0"/>
+              </a:rPr>
+              <a:t> Commands:</a:t>
             </a:r>
           </a:p>
         </p:txBody>
@@ -15763,7 +15731,7 @@
                 </a:solidFill>
                 <a:latin typeface="Times New Roman" pitchFamily="18" charset="0"/>
               </a:rPr>
-              <a:t>Get help on an R command:</a:t>
+              <a:t>Get help on an        command:</a:t>
             </a:r>
           </a:p>
           <a:p>
@@ -16156,6 +16124,36 @@
           </a:ln>
         </p:spPr>
       </p:pic>
+      <p:pic>
+        <p:nvPicPr>
+          <p:cNvPr id="8" name="Picture 7" descr="Rlogo.jpg">
+            <a:extLst>
+              <a:ext uri="{FF2B5EF4-FFF2-40B4-BE49-F238E27FC236}">
+                <a16:creationId xmlns:a16="http://schemas.microsoft.com/office/drawing/2014/main" id="{001F7067-7301-C443-BB66-FB3BBE1D8D10}"/>
+              </a:ext>
+            </a:extLst>
+          </p:cNvPr>
+          <p:cNvPicPr>
+            <a:picLocks noChangeAspect="1"/>
+          </p:cNvPicPr>
+          <p:nvPr/>
+        </p:nvPicPr>
+        <p:blipFill>
+          <a:blip r:embed="rId2"/>
+          <a:stretch>
+            <a:fillRect/>
+          </a:stretch>
+        </p:blipFill>
+        <p:spPr>
+          <a:xfrm>
+            <a:off x="3793868" y="1507971"/>
+            <a:ext cx="580388" cy="441096"/>
+          </a:xfrm>
+          <a:prstGeom prst="rect">
+            <a:avLst/>
+          </a:prstGeom>
+        </p:spPr>
+      </p:pic>
     </p:spTree>
   </p:cSld>
   <p:clrMapOvr>
@@ -16274,7 +16272,7 @@
                 </a:solidFill>
                 <a:latin typeface="Times New Roman" pitchFamily="18" charset="0"/>
               </a:rPr>
-              <a:t>R is driven by </a:t>
+              <a:t>     is driven with </a:t>
             </a:r>
             <a:r>
               <a:rPr lang="en-GB" sz="4000" b="1" dirty="0">
@@ -16785,6 +16783,36 @@
             <a:headEnd/>
             <a:tailEnd/>
           </a:ln>
+        </p:spPr>
+      </p:pic>
+      <p:pic>
+        <p:nvPicPr>
+          <p:cNvPr id="20" name="Picture 19" descr="Rlogo.jpg">
+            <a:extLst>
+              <a:ext uri="{FF2B5EF4-FFF2-40B4-BE49-F238E27FC236}">
+                <a16:creationId xmlns:a16="http://schemas.microsoft.com/office/drawing/2014/main" id="{FEE9D69B-1AD0-5C41-A2E7-809BB448E369}"/>
+              </a:ext>
+            </a:extLst>
+          </p:cNvPr>
+          <p:cNvPicPr>
+            <a:picLocks noChangeAspect="1"/>
+          </p:cNvPicPr>
+          <p:nvPr/>
+        </p:nvPicPr>
+        <p:blipFill>
+          <a:blip r:embed="rId2"/>
+          <a:stretch>
+            <a:fillRect/>
+          </a:stretch>
+        </p:blipFill>
+        <p:spPr>
+          <a:xfrm>
+            <a:off x="602420" y="1499815"/>
+            <a:ext cx="571822" cy="434586"/>
+          </a:xfrm>
+          <a:prstGeom prst="rect">
+            <a:avLst/>
+          </a:prstGeom>
         </p:spPr>
       </p:pic>
     </p:spTree>
@@ -17270,7 +17298,7 @@
                 </a:solidFill>
                 <a:latin typeface="Times New Roman" pitchFamily="18" charset="0"/>
               </a:rPr>
-              <a:t>Using R functions: Example</a:t>
+              <a:t>Using         functions: Example</a:t>
             </a:r>
           </a:p>
         </p:txBody>
@@ -17813,6 +17841,36 @@
           </a:p>
         </p:txBody>
       </p:sp>
+      <p:pic>
+        <p:nvPicPr>
+          <p:cNvPr id="14" name="Picture 13" descr="Rlogo.jpg">
+            <a:extLst>
+              <a:ext uri="{FF2B5EF4-FFF2-40B4-BE49-F238E27FC236}">
+                <a16:creationId xmlns:a16="http://schemas.microsoft.com/office/drawing/2014/main" id="{A0BBCA32-B23B-CE40-B5C4-474AD8AD409A}"/>
+              </a:ext>
+            </a:extLst>
+          </p:cNvPr>
+          <p:cNvPicPr>
+            <a:picLocks noChangeAspect="1"/>
+          </p:cNvPicPr>
+          <p:nvPr/>
+        </p:nvPicPr>
+        <p:blipFill>
+          <a:blip r:embed="rId5"/>
+          <a:stretch>
+            <a:fillRect/>
+          </a:stretch>
+        </p:blipFill>
+        <p:spPr>
+          <a:xfrm>
+            <a:off x="2831247" y="639965"/>
+            <a:ext cx="698048" cy="530518"/>
+          </a:xfrm>
+          <a:prstGeom prst="rect">
+            <a:avLst/>
+          </a:prstGeom>
+        </p:spPr>
+      </p:pic>
     </p:spTree>
     <p:extLst>
       <p:ext uri="{BB962C8B-B14F-4D97-AF65-F5344CB8AC3E}">

--- a/notes/day_1.pptx
+++ b/notes/day_1.pptx
@@ -229,7 +229,7 @@
             <a:fld id="{E5C71FD9-B322-2549-9400-AF0C57474107}" type="datetimeFigureOut">
               <a:rPr lang="en-US" smtClean="0"/>
               <a:pPr/>
-              <a:t>6/4/21</a:t>
+              <a:t>6/6/21</a:t>
             </a:fld>
             <a:endParaRPr lang="en-US"/>
           </a:p>
@@ -936,7 +936,7 @@
             <a:fld id="{A3417F39-3343-D34D-887C-91D887A1DE4F}" type="datetimeFigureOut">
               <a:rPr lang="en-US" smtClean="0"/>
               <a:pPr/>
-              <a:t>6/4/21</a:t>
+              <a:t>6/6/21</a:t>
             </a:fld>
             <a:endParaRPr lang="en-US"/>
           </a:p>
@@ -1101,7 +1101,7 @@
             <a:fld id="{A3417F39-3343-D34D-887C-91D887A1DE4F}" type="datetimeFigureOut">
               <a:rPr lang="en-US" smtClean="0"/>
               <a:pPr/>
-              <a:t>6/4/21</a:t>
+              <a:t>6/6/21</a:t>
             </a:fld>
             <a:endParaRPr lang="en-US"/>
           </a:p>
@@ -1276,7 +1276,7 @@
             <a:fld id="{A3417F39-3343-D34D-887C-91D887A1DE4F}" type="datetimeFigureOut">
               <a:rPr lang="en-US" smtClean="0"/>
               <a:pPr/>
-              <a:t>6/4/21</a:t>
+              <a:t>6/6/21</a:t>
             </a:fld>
             <a:endParaRPr lang="en-US"/>
           </a:p>
@@ -1441,7 +1441,7 @@
             <a:fld id="{A3417F39-3343-D34D-887C-91D887A1DE4F}" type="datetimeFigureOut">
               <a:rPr lang="en-US" smtClean="0"/>
               <a:pPr/>
-              <a:t>6/4/21</a:t>
+              <a:t>6/6/21</a:t>
             </a:fld>
             <a:endParaRPr lang="en-US"/>
           </a:p>
@@ -1683,7 +1683,7 @@
             <a:fld id="{A3417F39-3343-D34D-887C-91D887A1DE4F}" type="datetimeFigureOut">
               <a:rPr lang="en-US" smtClean="0"/>
               <a:pPr/>
-              <a:t>6/4/21</a:t>
+              <a:t>6/6/21</a:t>
             </a:fld>
             <a:endParaRPr lang="en-US"/>
           </a:p>
@@ -1965,7 +1965,7 @@
             <a:fld id="{A3417F39-3343-D34D-887C-91D887A1DE4F}" type="datetimeFigureOut">
               <a:rPr lang="en-US" smtClean="0"/>
               <a:pPr/>
-              <a:t>6/4/21</a:t>
+              <a:t>6/6/21</a:t>
             </a:fld>
             <a:endParaRPr lang="en-US"/>
           </a:p>
@@ -2381,7 +2381,7 @@
             <a:fld id="{A3417F39-3343-D34D-887C-91D887A1DE4F}" type="datetimeFigureOut">
               <a:rPr lang="en-US" smtClean="0"/>
               <a:pPr/>
-              <a:t>6/4/21</a:t>
+              <a:t>6/6/21</a:t>
             </a:fld>
             <a:endParaRPr lang="en-US"/>
           </a:p>
@@ -2495,7 +2495,7 @@
             <a:fld id="{A3417F39-3343-D34D-887C-91D887A1DE4F}" type="datetimeFigureOut">
               <a:rPr lang="en-US" smtClean="0"/>
               <a:pPr/>
-              <a:t>6/4/21</a:t>
+              <a:t>6/6/21</a:t>
             </a:fld>
             <a:endParaRPr lang="en-US"/>
           </a:p>
@@ -2587,7 +2587,7 @@
             <a:fld id="{A3417F39-3343-D34D-887C-91D887A1DE4F}" type="datetimeFigureOut">
               <a:rPr lang="en-US" smtClean="0"/>
               <a:pPr/>
-              <a:t>6/4/21</a:t>
+              <a:t>6/6/21</a:t>
             </a:fld>
             <a:endParaRPr lang="en-US"/>
           </a:p>
@@ -2859,7 +2859,7 @@
             <a:fld id="{A3417F39-3343-D34D-887C-91D887A1DE4F}" type="datetimeFigureOut">
               <a:rPr lang="en-US" smtClean="0"/>
               <a:pPr/>
-              <a:t>6/4/21</a:t>
+              <a:t>6/6/21</a:t>
             </a:fld>
             <a:endParaRPr lang="en-US"/>
           </a:p>
@@ -3108,7 +3108,7 @@
             <a:fld id="{A3417F39-3343-D34D-887C-91D887A1DE4F}" type="datetimeFigureOut">
               <a:rPr lang="en-US" smtClean="0"/>
               <a:pPr/>
-              <a:t>6/4/21</a:t>
+              <a:t>6/6/21</a:t>
             </a:fld>
             <a:endParaRPr lang="en-US"/>
           </a:p>
@@ -3316,7 +3316,7 @@
             <a:fld id="{A3417F39-3343-D34D-887C-91D887A1DE4F}" type="datetimeFigureOut">
               <a:rPr lang="en-US" smtClean="0"/>
               <a:pPr/>
-              <a:t>6/4/21</a:t>
+              <a:t>6/6/21</a:t>
             </a:fld>
             <a:endParaRPr lang="en-US"/>
           </a:p>
@@ -7825,25 +7825,7 @@
                 </a:solidFill>
                 <a:latin typeface="Times New Roman" pitchFamily="18" charset="0"/>
               </a:rPr>
-              <a:t>How to Load </a:t>
-            </a:r>
-            <a:r>
-              <a:rPr lang="en-GB" sz="4000" dirty="0" err="1">
-                <a:solidFill>
-                  <a:srgbClr val="000000"/>
-                </a:solidFill>
-                <a:latin typeface="Times New Roman" pitchFamily="18" charset="0"/>
-              </a:rPr>
-              <a:t>Spreadsheets</a:t>
-            </a:r>
-            <a:r>
-              <a:rPr lang="en-GB" sz="4000" dirty="0">
-                <a:solidFill>
-                  <a:srgbClr val="000000"/>
-                </a:solidFill>
-                <a:latin typeface="Times New Roman" pitchFamily="18" charset="0"/>
-              </a:rPr>
-              <a:t> of Data:</a:t>
+              <a:t>How to Load Spreadsheets of Data:</a:t>
             </a:r>
           </a:p>
         </p:txBody>
@@ -8140,7 +8122,7 @@
                 </a:solidFill>
                 <a:latin typeface="Times New Roman" pitchFamily="18" charset="0"/>
               </a:rPr>
-              <a:t>Spreadsheets are called data frames, arrays or matrices in      : </a:t>
+              <a:t>Spreadsheets are called data frames, arrays or matrices in        : </a:t>
             </a:r>
             <a:r>
               <a:rPr lang="en-GB" sz="2800" b="1" dirty="0">
@@ -8461,7 +8443,7 @@
                 </a:solidFill>
                 <a:latin typeface="Times New Roman" pitchFamily="18" charset="0"/>
               </a:rPr>
-              <a:t>Slicing and Dicing a Spreadsheet</a:t>
+              <a:t>Slicing and Dicing a Spreadsheets</a:t>
             </a:r>
           </a:p>
         </p:txBody>
@@ -8496,6 +8478,36 @@
             <a:headEnd/>
             <a:tailEnd/>
           </a:ln>
+        </p:spPr>
+      </p:pic>
+      <p:pic>
+        <p:nvPicPr>
+          <p:cNvPr id="5" name="Picture 4" descr="Rlogo.jpg">
+            <a:extLst>
+              <a:ext uri="{FF2B5EF4-FFF2-40B4-BE49-F238E27FC236}">
+                <a16:creationId xmlns:a16="http://schemas.microsoft.com/office/drawing/2014/main" id="{E5592301-E4E1-CC4C-AF73-505B80D970B3}"/>
+              </a:ext>
+            </a:extLst>
+          </p:cNvPr>
+          <p:cNvPicPr>
+            <a:picLocks noChangeAspect="1"/>
+          </p:cNvPicPr>
+          <p:nvPr/>
+        </p:nvPicPr>
+        <p:blipFill>
+          <a:blip r:embed="rId3"/>
+          <a:stretch>
+            <a:fillRect/>
+          </a:stretch>
+        </p:blipFill>
+        <p:spPr>
+          <a:xfrm>
+            <a:off x="1539771" y="2390529"/>
+            <a:ext cx="496392" cy="377259"/>
+          </a:xfrm>
+          <a:prstGeom prst="rect">
+            <a:avLst/>
+          </a:prstGeom>
         </p:spPr>
       </p:pic>
     </p:spTree>
@@ -8861,7 +8873,7 @@
                 </a:solidFill>
                 <a:latin typeface="Times New Roman" pitchFamily="18" charset="0"/>
               </a:rPr>
-              <a:t>Slicing and Dicing Spreadsheet</a:t>
+              <a:t>Slicing and Dicing Spreadsheets</a:t>
             </a:r>
           </a:p>
         </p:txBody>
@@ -9015,7 +9027,7 @@
                 </a:solidFill>
                 <a:latin typeface="Times New Roman" pitchFamily="18" charset="0"/>
               </a:rPr>
-              <a:t>Slicing and Dicing Spreadsheet</a:t>
+              <a:t>Slicing and Dicing Spreadsheets</a:t>
             </a:r>
           </a:p>
         </p:txBody>
@@ -9981,7 +9993,7 @@
         </p:blipFill>
         <p:spPr>
           <a:xfrm>
-            <a:off x="522306" y="1107912"/>
+            <a:off x="557031" y="1107912"/>
             <a:ext cx="620039" cy="471232"/>
           </a:xfrm>
           <a:prstGeom prst="rect">
@@ -11125,6 +11137,9 @@
                     <p:cTn id="3" fill="hold">
                       <p:stCondLst>
                         <p:cond delay="indefinite"/>
+                        <p:cond evt="onBegin" delay="0">
+                          <p:tn val="2"/>
+                        </p:cond>
                       </p:stCondLst>
                       <p:childTnLst>
                         <p:par>
@@ -11134,7 +11149,7 @@
                             </p:stCondLst>
                             <p:childTnLst>
                               <p:par>
-                                <p:cTn id="5" presetID="2" presetClass="entr" presetSubtype="8" fill="hold" grpId="0" nodeType="clickEffect">
+                                <p:cTn id="5" presetID="2" presetClass="entr" presetSubtype="8" fill="hold" grpId="0" nodeType="withEffect">
                                   <p:stCondLst>
                                     <p:cond delay="0"/>
                                   </p:stCondLst>
@@ -11282,30 +11297,21 @@
                             </p:childTnLst>
                           </p:cTn>
                         </p:par>
-                      </p:childTnLst>
-                    </p:cTn>
-                  </p:par>
-                  <p:par>
-                    <p:cTn id="13" fill="hold">
-                      <p:stCondLst>
-                        <p:cond delay="indefinite"/>
-                      </p:stCondLst>
-                      <p:childTnLst>
                         <p:par>
-                          <p:cTn id="14" fill="hold">
+                          <p:cTn id="13" fill="hold">
                             <p:stCondLst>
-                              <p:cond delay="0"/>
+                              <p:cond delay="500"/>
                             </p:stCondLst>
                             <p:childTnLst>
                               <p:par>
-                                <p:cTn id="15" presetID="2" presetClass="entr" presetSubtype="4" fill="hold" nodeType="clickEffect">
+                                <p:cTn id="14" presetID="2" presetClass="entr" presetSubtype="4" fill="hold" nodeType="afterEffect">
                                   <p:stCondLst>
                                     <p:cond delay="0"/>
                                   </p:stCondLst>
                                   <p:childTnLst>
                                     <p:set>
                                       <p:cBhvr>
-                                        <p:cTn id="16" dur="1" fill="hold">
+                                        <p:cTn id="15" dur="1" fill="hold">
                                           <p:stCondLst>
                                             <p:cond delay="0"/>
                                           </p:stCondLst>
@@ -11323,7 +11329,7 @@
                                     </p:set>
                                     <p:anim calcmode="lin" valueType="num">
                                       <p:cBhvr additive="base">
-                                        <p:cTn id="17" dur="500" fill="hold"/>
+                                        <p:cTn id="16" dur="500" fill="hold"/>
                                         <p:tgtEl>
                                           <p:spTgt spid="9"/>
                                         </p:tgtEl>
@@ -11346,7 +11352,7 @@
                                     </p:anim>
                                     <p:anim calcmode="lin" valueType="num">
                                       <p:cBhvr additive="base">
-                                        <p:cTn id="18" dur="500" fill="hold"/>
+                                        <p:cTn id="17" dur="500" fill="hold"/>
                                         <p:tgtEl>
                                           <p:spTgt spid="9"/>
                                         </p:tgtEl>
@@ -11371,14 +11377,14 @@
                                 </p:cTn>
                               </p:par>
                               <p:par>
-                                <p:cTn id="19" presetID="2" presetClass="entr" presetSubtype="4" fill="hold" grpId="0" nodeType="withEffect">
+                                <p:cTn id="18" presetID="2" presetClass="entr" presetSubtype="4" fill="hold" grpId="0" nodeType="withEffect">
                                   <p:stCondLst>
                                     <p:cond delay="0"/>
                                   </p:stCondLst>
                                   <p:childTnLst>
                                     <p:set>
                                       <p:cBhvr>
-                                        <p:cTn id="20" dur="1" fill="hold">
+                                        <p:cTn id="19" dur="1" fill="hold">
                                           <p:stCondLst>
                                             <p:cond delay="0"/>
                                           </p:stCondLst>
@@ -11396,7 +11402,7 @@
                                     </p:set>
                                     <p:anim calcmode="lin" valueType="num">
                                       <p:cBhvr additive="base">
-                                        <p:cTn id="21" dur="500" fill="hold"/>
+                                        <p:cTn id="20" dur="500" fill="hold"/>
                                         <p:tgtEl>
                                           <p:spTgt spid="12"/>
                                         </p:tgtEl>
@@ -11419,7 +11425,7 @@
                                     </p:anim>
                                     <p:anim calcmode="lin" valueType="num">
                                       <p:cBhvr additive="base">
-                                        <p:cTn id="22" dur="500" fill="hold"/>
+                                        <p:cTn id="21" dur="500" fill="hold"/>
                                         <p:tgtEl>
                                           <p:spTgt spid="12"/>
                                         </p:tgtEl>
@@ -11446,30 +11452,21 @@
                             </p:childTnLst>
                           </p:cTn>
                         </p:par>
-                      </p:childTnLst>
-                    </p:cTn>
-                  </p:par>
-                  <p:par>
-                    <p:cTn id="23" fill="hold">
-                      <p:stCondLst>
-                        <p:cond delay="indefinite"/>
-                      </p:stCondLst>
-                      <p:childTnLst>
                         <p:par>
-                          <p:cTn id="24" fill="hold">
+                          <p:cTn id="22" fill="hold">
                             <p:stCondLst>
-                              <p:cond delay="0"/>
+                              <p:cond delay="1000"/>
                             </p:stCondLst>
                             <p:childTnLst>
                               <p:par>
-                                <p:cTn id="25" presetID="2" presetClass="entr" presetSubtype="2" fill="hold" nodeType="clickEffect">
+                                <p:cTn id="23" presetID="2" presetClass="entr" presetSubtype="2" fill="hold" nodeType="afterEffect">
                                   <p:stCondLst>
                                     <p:cond delay="0"/>
                                   </p:stCondLst>
                                   <p:childTnLst>
                                     <p:set>
                                       <p:cBhvr>
-                                        <p:cTn id="26" dur="1" fill="hold">
+                                        <p:cTn id="24" dur="1" fill="hold">
                                           <p:stCondLst>
                                             <p:cond delay="0"/>
                                           </p:stCondLst>
@@ -11487,7 +11484,7 @@
                                     </p:set>
                                     <p:anim calcmode="lin" valueType="num">
                                       <p:cBhvr additive="base">
-                                        <p:cTn id="27" dur="500" fill="hold"/>
+                                        <p:cTn id="25" dur="500" fill="hold"/>
                                         <p:tgtEl>
                                           <p:spTgt spid="8"/>
                                         </p:tgtEl>
@@ -11510,7 +11507,7 @@
                                     </p:anim>
                                     <p:anim calcmode="lin" valueType="num">
                                       <p:cBhvr additive="base">
-                                        <p:cTn id="28" dur="500" fill="hold"/>
+                                        <p:cTn id="26" dur="500" fill="hold"/>
                                         <p:tgtEl>
                                           <p:spTgt spid="8"/>
                                         </p:tgtEl>
@@ -11535,14 +11532,14 @@
                                 </p:cTn>
                               </p:par>
                               <p:par>
-                                <p:cTn id="29" presetID="2" presetClass="entr" presetSubtype="2" fill="hold" grpId="0" nodeType="withEffect">
+                                <p:cTn id="27" presetID="2" presetClass="entr" presetSubtype="2" fill="hold" grpId="0" nodeType="withEffect">
                                   <p:stCondLst>
                                     <p:cond delay="0"/>
                                   </p:stCondLst>
                                   <p:childTnLst>
                                     <p:set>
                                       <p:cBhvr>
-                                        <p:cTn id="30" dur="1" fill="hold">
+                                        <p:cTn id="28" dur="1" fill="hold">
                                           <p:stCondLst>
                                             <p:cond delay="0"/>
                                           </p:stCondLst>
@@ -11560,7 +11557,7 @@
                                     </p:set>
                                     <p:anim calcmode="lin" valueType="num">
                                       <p:cBhvr additive="base">
-                                        <p:cTn id="31" dur="500" fill="hold"/>
+                                        <p:cTn id="29" dur="500" fill="hold"/>
                                         <p:tgtEl>
                                           <p:spTgt spid="11"/>
                                         </p:tgtEl>
@@ -11583,7 +11580,7 @@
                                     </p:anim>
                                     <p:anim calcmode="lin" valueType="num">
                                       <p:cBhvr additive="base">
-                                        <p:cTn id="32" dur="500" fill="hold"/>
+                                        <p:cTn id="30" dur="500" fill="hold"/>
                                         <p:tgtEl>
                                           <p:spTgt spid="11"/>
                                         </p:tgtEl>
@@ -11610,30 +11607,21 @@
                             </p:childTnLst>
                           </p:cTn>
                         </p:par>
-                      </p:childTnLst>
-                    </p:cTn>
-                  </p:par>
-                  <p:par>
-                    <p:cTn id="33" fill="hold">
-                      <p:stCondLst>
-                        <p:cond delay="indefinite"/>
-                      </p:stCondLst>
-                      <p:childTnLst>
                         <p:par>
-                          <p:cTn id="34" fill="hold">
+                          <p:cTn id="31" fill="hold">
                             <p:stCondLst>
-                              <p:cond delay="0"/>
+                              <p:cond delay="1500"/>
                             </p:stCondLst>
                             <p:childTnLst>
                               <p:par>
-                                <p:cTn id="35" presetID="3" presetClass="entr" presetSubtype="10" fill="hold" grpId="0" nodeType="clickEffect">
+                                <p:cTn id="32" presetID="3" presetClass="entr" presetSubtype="10" fill="hold" grpId="0" nodeType="afterEffect">
                                   <p:stCondLst>
                                     <p:cond delay="0"/>
                                   </p:stCondLst>
                                   <p:childTnLst>
                                     <p:set>
                                       <p:cBhvr>
-                                        <p:cTn id="36" dur="1" fill="hold">
+                                        <p:cTn id="33" dur="1" fill="hold">
                                           <p:stCondLst>
                                             <p:cond delay="0"/>
                                           </p:stCondLst>
@@ -11651,7 +11639,7 @@
                                     </p:set>
                                     <p:animEffect transition="in" filter="blinds(horizontal)">
                                       <p:cBhvr>
-                                        <p:cTn id="37" dur="500"/>
+                                        <p:cTn id="34" dur="500"/>
                                         <p:tgtEl>
                                           <p:spTgt spid="13"/>
                                         </p:tgtEl>
@@ -11661,14 +11649,14 @@
                                 </p:cTn>
                               </p:par>
                               <p:par>
-                                <p:cTn id="38" presetID="3" presetClass="entr" presetSubtype="10" fill="hold" grpId="0" nodeType="withEffect">
+                                <p:cTn id="35" presetID="3" presetClass="entr" presetSubtype="10" fill="hold" grpId="0" nodeType="withEffect">
                                   <p:stCondLst>
                                     <p:cond delay="0"/>
                                   </p:stCondLst>
                                   <p:childTnLst>
                                     <p:set>
                                       <p:cBhvr>
-                                        <p:cTn id="39" dur="1" fill="hold">
+                                        <p:cTn id="36" dur="1" fill="hold">
                                           <p:stCondLst>
                                             <p:cond delay="0"/>
                                           </p:stCondLst>
@@ -11686,7 +11674,7 @@
                                     </p:set>
                                     <p:animEffect transition="in" filter="blinds(horizontal)">
                                       <p:cBhvr>
-                                        <p:cTn id="40" dur="500"/>
+                                        <p:cTn id="37" dur="500"/>
                                         <p:tgtEl>
                                           <p:spTgt spid="6"/>
                                         </p:tgtEl>
@@ -11698,30 +11686,21 @@
                             </p:childTnLst>
                           </p:cTn>
                         </p:par>
-                      </p:childTnLst>
-                    </p:cTn>
-                  </p:par>
-                  <p:par>
-                    <p:cTn id="41" fill="hold">
-                      <p:stCondLst>
-                        <p:cond delay="indefinite"/>
-                      </p:stCondLst>
-                      <p:childTnLst>
                         <p:par>
-                          <p:cTn id="42" fill="hold">
+                          <p:cTn id="38" fill="hold">
                             <p:stCondLst>
-                              <p:cond delay="0"/>
+                              <p:cond delay="2000"/>
                             </p:stCondLst>
                             <p:childTnLst>
                               <p:par>
-                                <p:cTn id="43" presetID="2" presetClass="entr" presetSubtype="8" fill="hold" grpId="0" nodeType="clickEffect">
+                                <p:cTn id="39" presetID="2" presetClass="entr" presetSubtype="8" fill="hold" grpId="0" nodeType="afterEffect">
                                   <p:stCondLst>
                                     <p:cond delay="0"/>
                                   </p:stCondLst>
                                   <p:childTnLst>
                                     <p:set>
                                       <p:cBhvr>
-                                        <p:cTn id="44" dur="1" fill="hold">
+                                        <p:cTn id="40" dur="1" fill="hold">
                                           <p:stCondLst>
                                             <p:cond delay="0"/>
                                           </p:stCondLst>
@@ -11739,7 +11718,7 @@
                                     </p:set>
                                     <p:anim calcmode="lin" valueType="num">
                                       <p:cBhvr additive="base">
-                                        <p:cTn id="45" dur="500" fill="hold"/>
+                                        <p:cTn id="41" dur="500" fill="hold"/>
                                         <p:tgtEl>
                                           <p:spTgt spid="14"/>
                                         </p:tgtEl>
@@ -11762,7 +11741,7 @@
                                     </p:anim>
                                     <p:anim calcmode="lin" valueType="num">
                                       <p:cBhvr additive="base">
-                                        <p:cTn id="46" dur="500" fill="hold"/>
+                                        <p:cTn id="42" dur="500" fill="hold"/>
                                         <p:tgtEl>
                                           <p:spTgt spid="14"/>
                                         </p:tgtEl>
@@ -11787,14 +11766,14 @@
                                 </p:cTn>
                               </p:par>
                               <p:par>
-                                <p:cTn id="47" presetID="2" presetClass="entr" presetSubtype="8" fill="hold" grpId="0" nodeType="withEffect">
+                                <p:cTn id="43" presetID="2" presetClass="entr" presetSubtype="8" fill="hold" grpId="0" nodeType="withEffect">
                                   <p:stCondLst>
                                     <p:cond delay="0"/>
                                   </p:stCondLst>
                                   <p:childTnLst>
                                     <p:set>
                                       <p:cBhvr>
-                                        <p:cTn id="48" dur="1" fill="hold">
+                                        <p:cTn id="44" dur="1" fill="hold">
                                           <p:stCondLst>
                                             <p:cond delay="0"/>
                                           </p:stCondLst>
@@ -11812,7 +11791,7 @@
                                     </p:set>
                                     <p:anim calcmode="lin" valueType="num">
                                       <p:cBhvr additive="base">
-                                        <p:cTn id="49" dur="500" fill="hold"/>
+                                        <p:cTn id="45" dur="500" fill="hold"/>
                                         <p:tgtEl>
                                           <p:spTgt spid="15"/>
                                         </p:tgtEl>
@@ -11835,9 +11814,82 @@
                                     </p:anim>
                                     <p:anim calcmode="lin" valueType="num">
                                       <p:cBhvr additive="base">
+                                        <p:cTn id="46" dur="500" fill="hold"/>
+                                        <p:tgtEl>
+                                          <p:spTgt spid="15"/>
+                                        </p:tgtEl>
+                                        <p:attrNameLst>
+                                          <p:attrName>ppt_y</p:attrName>
+                                        </p:attrNameLst>
+                                      </p:cBhvr>
+                                      <p:tavLst>
+                                        <p:tav tm="0">
+                                          <p:val>
+                                            <p:strVal val="#ppt_y"/>
+                                          </p:val>
+                                        </p:tav>
+                                        <p:tav tm="100000">
+                                          <p:val>
+                                            <p:strVal val="#ppt_y"/>
+                                          </p:val>
+                                        </p:tav>
+                                      </p:tavLst>
+                                    </p:anim>
+                                  </p:childTnLst>
+                                </p:cTn>
+                              </p:par>
+                              <p:par>
+                                <p:cTn id="47" presetID="2" presetClass="entr" presetSubtype="2" fill="hold" grpId="0" nodeType="withEffect">
+                                  <p:stCondLst>
+                                    <p:cond delay="0"/>
+                                  </p:stCondLst>
+                                  <p:childTnLst>
+                                    <p:set>
+                                      <p:cBhvr>
+                                        <p:cTn id="48" dur="1" fill="hold">
+                                          <p:stCondLst>
+                                            <p:cond delay="0"/>
+                                          </p:stCondLst>
+                                        </p:cTn>
+                                        <p:tgtEl>
+                                          <p:spTgt spid="16"/>
+                                        </p:tgtEl>
+                                        <p:attrNameLst>
+                                          <p:attrName>style.visibility</p:attrName>
+                                        </p:attrNameLst>
+                                      </p:cBhvr>
+                                      <p:to>
+                                        <p:strVal val="visible"/>
+                                      </p:to>
+                                    </p:set>
+                                    <p:anim calcmode="lin" valueType="num">
+                                      <p:cBhvr additive="base">
+                                        <p:cTn id="49" dur="500" fill="hold"/>
+                                        <p:tgtEl>
+                                          <p:spTgt spid="16"/>
+                                        </p:tgtEl>
+                                        <p:attrNameLst>
+                                          <p:attrName>ppt_x</p:attrName>
+                                        </p:attrNameLst>
+                                      </p:cBhvr>
+                                      <p:tavLst>
+                                        <p:tav tm="0">
+                                          <p:val>
+                                            <p:strVal val="1+#ppt_w/2"/>
+                                          </p:val>
+                                        </p:tav>
+                                        <p:tav tm="100000">
+                                          <p:val>
+                                            <p:strVal val="#ppt_x"/>
+                                          </p:val>
+                                        </p:tav>
+                                      </p:tavLst>
+                                    </p:anim>
+                                    <p:anim calcmode="lin" valueType="num">
+                                      <p:cBhvr additive="base">
                                         <p:cTn id="50" dur="500" fill="hold"/>
                                         <p:tgtEl>
-                                          <p:spTgt spid="15"/>
+                                          <p:spTgt spid="16"/>
                                         </p:tgtEl>
                                         <p:attrNameLst>
                                           <p:attrName>ppt_y</p:attrName>
@@ -11873,7 +11925,7 @@
                                           </p:stCondLst>
                                         </p:cTn>
                                         <p:tgtEl>
-                                          <p:spTgt spid="16"/>
+                                          <p:spTgt spid="17"/>
                                         </p:tgtEl>
                                         <p:attrNameLst>
                                           <p:attrName>style.visibility</p:attrName>
@@ -11886,79 +11938,6 @@
                                     <p:anim calcmode="lin" valueType="num">
                                       <p:cBhvr additive="base">
                                         <p:cTn id="53" dur="500" fill="hold"/>
-                                        <p:tgtEl>
-                                          <p:spTgt spid="16"/>
-                                        </p:tgtEl>
-                                        <p:attrNameLst>
-                                          <p:attrName>ppt_x</p:attrName>
-                                        </p:attrNameLst>
-                                      </p:cBhvr>
-                                      <p:tavLst>
-                                        <p:tav tm="0">
-                                          <p:val>
-                                            <p:strVal val="1+#ppt_w/2"/>
-                                          </p:val>
-                                        </p:tav>
-                                        <p:tav tm="100000">
-                                          <p:val>
-                                            <p:strVal val="#ppt_x"/>
-                                          </p:val>
-                                        </p:tav>
-                                      </p:tavLst>
-                                    </p:anim>
-                                    <p:anim calcmode="lin" valueType="num">
-                                      <p:cBhvr additive="base">
-                                        <p:cTn id="54" dur="500" fill="hold"/>
-                                        <p:tgtEl>
-                                          <p:spTgt spid="16"/>
-                                        </p:tgtEl>
-                                        <p:attrNameLst>
-                                          <p:attrName>ppt_y</p:attrName>
-                                        </p:attrNameLst>
-                                      </p:cBhvr>
-                                      <p:tavLst>
-                                        <p:tav tm="0">
-                                          <p:val>
-                                            <p:strVal val="#ppt_y"/>
-                                          </p:val>
-                                        </p:tav>
-                                        <p:tav tm="100000">
-                                          <p:val>
-                                            <p:strVal val="#ppt_y"/>
-                                          </p:val>
-                                        </p:tav>
-                                      </p:tavLst>
-                                    </p:anim>
-                                  </p:childTnLst>
-                                </p:cTn>
-                              </p:par>
-                              <p:par>
-                                <p:cTn id="55" presetID="2" presetClass="entr" presetSubtype="2" fill="hold" grpId="0" nodeType="withEffect">
-                                  <p:stCondLst>
-                                    <p:cond delay="0"/>
-                                  </p:stCondLst>
-                                  <p:childTnLst>
-                                    <p:set>
-                                      <p:cBhvr>
-                                        <p:cTn id="56" dur="1" fill="hold">
-                                          <p:stCondLst>
-                                            <p:cond delay="0"/>
-                                          </p:stCondLst>
-                                        </p:cTn>
-                                        <p:tgtEl>
-                                          <p:spTgt spid="17"/>
-                                        </p:tgtEl>
-                                        <p:attrNameLst>
-                                          <p:attrName>style.visibility</p:attrName>
-                                        </p:attrNameLst>
-                                      </p:cBhvr>
-                                      <p:to>
-                                        <p:strVal val="visible"/>
-                                      </p:to>
-                                    </p:set>
-                                    <p:anim calcmode="lin" valueType="num">
-                                      <p:cBhvr additive="base">
-                                        <p:cTn id="57" dur="500" fill="hold"/>
                                         <p:tgtEl>
                                           <p:spTgt spid="17"/>
                                         </p:tgtEl>
@@ -11981,7 +11960,7 @@
                                     </p:anim>
                                     <p:anim calcmode="lin" valueType="num">
                                       <p:cBhvr additive="base">
-                                        <p:cTn id="58" dur="500" fill="hold"/>
+                                        <p:cTn id="54" dur="500" fill="hold"/>
                                         <p:tgtEl>
                                           <p:spTgt spid="17"/>
                                         </p:tgtEl>
@@ -12121,25 +12100,7 @@
                 </a:solidFill>
                 <a:latin typeface="Times New Roman" pitchFamily="18" charset="0"/>
               </a:rPr>
-              <a:t>Basic </a:t>
-            </a:r>
-            <a:r>
-              <a:rPr lang="en-GB" sz="4000" dirty="0" err="1">
-                <a:solidFill>
-                  <a:srgbClr val="000000"/>
-                </a:solidFill>
-                <a:latin typeface="Times New Roman" pitchFamily="18" charset="0"/>
-              </a:rPr>
-              <a:t>Ploting</a:t>
-            </a:r>
-            <a:r>
-              <a:rPr lang="en-GB" sz="4000" dirty="0">
-                <a:solidFill>
-                  <a:srgbClr val="000000"/>
-                </a:solidFill>
-                <a:latin typeface="Times New Roman" pitchFamily="18" charset="0"/>
-              </a:rPr>
-              <a:t> Commands:</a:t>
+              <a:t>Basic Plotting Commands:</a:t>
             </a:r>
           </a:p>
         </p:txBody>
@@ -12184,8 +12145,8 @@
         </p:nvSpPr>
         <p:spPr>
           <a:xfrm>
-            <a:off x="385017" y="1440889"/>
-            <a:ext cx="8454183" cy="3693319"/>
+            <a:off x="115747" y="1440889"/>
+            <a:ext cx="8924081" cy="4247317"/>
           </a:xfrm>
           <a:prstGeom prst="rect">
             <a:avLst/>
@@ -12260,7 +12221,47 @@
                 <a:latin typeface="Courier"/>
                 <a:cs typeface="Courier"/>
               </a:rPr>
-              <a:t>"Desktop/</a:t>
+              <a:t>"https://</a:t>
+            </a:r>
+            <a:r>
+              <a:rPr lang="en-US" dirty="0" err="1">
+                <a:solidFill>
+                  <a:srgbClr val="00B050"/>
+                </a:solidFill>
+                <a:latin typeface="Courier"/>
+                <a:cs typeface="Courier"/>
+              </a:rPr>
+              <a:t>raw.githubusercontent.com</a:t>
+            </a:r>
+            <a:r>
+              <a:rPr lang="en-US" dirty="0">
+                <a:solidFill>
+                  <a:srgbClr val="00B050"/>
+                </a:solidFill>
+                <a:latin typeface="Courier"/>
+                <a:cs typeface="Courier"/>
+              </a:rPr>
+              <a:t>/</a:t>
+            </a:r>
+            <a:r>
+              <a:rPr lang="en-US" dirty="0" err="1">
+                <a:solidFill>
+                  <a:srgbClr val="00B050"/>
+                </a:solidFill>
+                <a:latin typeface="Courier"/>
+                <a:cs typeface="Courier"/>
+              </a:rPr>
+              <a:t>npetraco</a:t>
+            </a:r>
+            <a:r>
+              <a:rPr lang="en-US" dirty="0">
+                <a:solidFill>
+                  <a:srgbClr val="00B050"/>
+                </a:solidFill>
+                <a:latin typeface="Courier"/>
+                <a:cs typeface="Courier"/>
+              </a:rPr>
+              <a:t>/workshop21/master/data/</a:t>
             </a:r>
             <a:r>
               <a:rPr lang="en-US" dirty="0" err="1">
@@ -16832,6 +16833,9 @@
                     <p:cTn id="3" fill="hold">
                       <p:stCondLst>
                         <p:cond delay="indefinite"/>
+                        <p:cond evt="onBegin" delay="0">
+                          <p:tn val="2"/>
+                        </p:cond>
                       </p:stCondLst>
                       <p:childTnLst>
                         <p:par>
@@ -16841,7 +16845,7 @@
                             </p:stCondLst>
                             <p:childTnLst>
                               <p:par>
-                                <p:cTn id="5" presetID="2" presetClass="entr" presetSubtype="4" accel="50000" decel="50000" fill="hold" nodeType="clickEffect">
+                                <p:cTn id="5" presetID="2" presetClass="entr" presetSubtype="4" accel="50000" decel="50000" fill="hold" nodeType="withEffect">
                                   <p:stCondLst>
                                     <p:cond delay="0"/>
                                   </p:stCondLst>

--- a/notes/day_1.pptx
+++ b/notes/day_1.pptx
@@ -229,7 +229,7 @@
             <a:fld id="{E5C71FD9-B322-2549-9400-AF0C57474107}" type="datetimeFigureOut">
               <a:rPr lang="en-US" smtClean="0"/>
               <a:pPr/>
-              <a:t>6/6/21</a:t>
+              <a:t>6/7/21</a:t>
             </a:fld>
             <a:endParaRPr lang="en-US"/>
           </a:p>
@@ -936,7 +936,7 @@
             <a:fld id="{A3417F39-3343-D34D-887C-91D887A1DE4F}" type="datetimeFigureOut">
               <a:rPr lang="en-US" smtClean="0"/>
               <a:pPr/>
-              <a:t>6/6/21</a:t>
+              <a:t>6/7/21</a:t>
             </a:fld>
             <a:endParaRPr lang="en-US"/>
           </a:p>
@@ -1101,7 +1101,7 @@
             <a:fld id="{A3417F39-3343-D34D-887C-91D887A1DE4F}" type="datetimeFigureOut">
               <a:rPr lang="en-US" smtClean="0"/>
               <a:pPr/>
-              <a:t>6/6/21</a:t>
+              <a:t>6/7/21</a:t>
             </a:fld>
             <a:endParaRPr lang="en-US"/>
           </a:p>
@@ -1276,7 +1276,7 @@
             <a:fld id="{A3417F39-3343-D34D-887C-91D887A1DE4F}" type="datetimeFigureOut">
               <a:rPr lang="en-US" smtClean="0"/>
               <a:pPr/>
-              <a:t>6/6/21</a:t>
+              <a:t>6/7/21</a:t>
             </a:fld>
             <a:endParaRPr lang="en-US"/>
           </a:p>
@@ -1441,7 +1441,7 @@
             <a:fld id="{A3417F39-3343-D34D-887C-91D887A1DE4F}" type="datetimeFigureOut">
               <a:rPr lang="en-US" smtClean="0"/>
               <a:pPr/>
-              <a:t>6/6/21</a:t>
+              <a:t>6/7/21</a:t>
             </a:fld>
             <a:endParaRPr lang="en-US"/>
           </a:p>
@@ -1683,7 +1683,7 @@
             <a:fld id="{A3417F39-3343-D34D-887C-91D887A1DE4F}" type="datetimeFigureOut">
               <a:rPr lang="en-US" smtClean="0"/>
               <a:pPr/>
-              <a:t>6/6/21</a:t>
+              <a:t>6/7/21</a:t>
             </a:fld>
             <a:endParaRPr lang="en-US"/>
           </a:p>
@@ -1965,7 +1965,7 @@
             <a:fld id="{A3417F39-3343-D34D-887C-91D887A1DE4F}" type="datetimeFigureOut">
               <a:rPr lang="en-US" smtClean="0"/>
               <a:pPr/>
-              <a:t>6/6/21</a:t>
+              <a:t>6/7/21</a:t>
             </a:fld>
             <a:endParaRPr lang="en-US"/>
           </a:p>
@@ -2381,7 +2381,7 @@
             <a:fld id="{A3417F39-3343-D34D-887C-91D887A1DE4F}" type="datetimeFigureOut">
               <a:rPr lang="en-US" smtClean="0"/>
               <a:pPr/>
-              <a:t>6/6/21</a:t>
+              <a:t>6/7/21</a:t>
             </a:fld>
             <a:endParaRPr lang="en-US"/>
           </a:p>
@@ -2495,7 +2495,7 @@
             <a:fld id="{A3417F39-3343-D34D-887C-91D887A1DE4F}" type="datetimeFigureOut">
               <a:rPr lang="en-US" smtClean="0"/>
               <a:pPr/>
-              <a:t>6/6/21</a:t>
+              <a:t>6/7/21</a:t>
             </a:fld>
             <a:endParaRPr lang="en-US"/>
           </a:p>
@@ -2587,7 +2587,7 @@
             <a:fld id="{A3417F39-3343-D34D-887C-91D887A1DE4F}" type="datetimeFigureOut">
               <a:rPr lang="en-US" smtClean="0"/>
               <a:pPr/>
-              <a:t>6/6/21</a:t>
+              <a:t>6/7/21</a:t>
             </a:fld>
             <a:endParaRPr lang="en-US"/>
           </a:p>
@@ -2859,7 +2859,7 @@
             <a:fld id="{A3417F39-3343-D34D-887C-91D887A1DE4F}" type="datetimeFigureOut">
               <a:rPr lang="en-US" smtClean="0"/>
               <a:pPr/>
-              <a:t>6/6/21</a:t>
+              <a:t>6/7/21</a:t>
             </a:fld>
             <a:endParaRPr lang="en-US"/>
           </a:p>
@@ -3108,7 +3108,7 @@
             <a:fld id="{A3417F39-3343-D34D-887C-91D887A1DE4F}" type="datetimeFigureOut">
               <a:rPr lang="en-US" smtClean="0"/>
               <a:pPr/>
-              <a:t>6/6/21</a:t>
+              <a:t>6/7/21</a:t>
             </a:fld>
             <a:endParaRPr lang="en-US"/>
           </a:p>
@@ -3316,7 +3316,7 @@
             <a:fld id="{A3417F39-3343-D34D-887C-91D887A1DE4F}" type="datetimeFigureOut">
               <a:rPr lang="en-US" smtClean="0"/>
               <a:pPr/>
-              <a:t>6/6/21</a:t>
+              <a:t>6/7/21</a:t>
             </a:fld>
             <a:endParaRPr lang="en-US"/>
           </a:p>
@@ -5739,7 +5739,7 @@
                 <a:latin typeface="Courier"/>
                 <a:cs typeface="Courier"/>
               </a:rPr>
-              <a:t> "</a:t>
+              <a:t>"</a:t>
             </a:r>
           </a:p>
           <a:p>
@@ -5762,7 +5762,7 @@
                 <a:latin typeface="Courier"/>
                 <a:cs typeface="Courier"/>
               </a:rPr>
-              <a:t> "</a:t>
+              <a:t>"</a:t>
             </a:r>
           </a:p>
         </p:txBody>
@@ -6646,27 +6646,47 @@
                 <a:latin typeface="Courier"/>
                 <a:cs typeface="Courier"/>
               </a:rPr>
-              <a:t>("/Users/karen2/Desktop/</a:t>
-            </a:r>
-            <a:r>
-              <a:rPr lang="en-US" dirty="0" err="1">
-                <a:solidFill>
-                  <a:schemeClr val="bg1"/>
+              <a:t>(</a:t>
+            </a:r>
+            <a:r>
+              <a:rPr lang="en-US" dirty="0">
+                <a:solidFill>
+                  <a:srgbClr val="00B050"/>
                 </a:solidFill>
                 <a:latin typeface="Courier"/>
                 <a:cs typeface="Courier"/>
               </a:rPr>
-              <a:t>Glass.csv</a:t>
-            </a:r>
-            <a:r>
-              <a:rPr lang="en-US" dirty="0">
-                <a:solidFill>
-                  <a:schemeClr val="bg1"/>
+              <a:t>"/Users/karen2/Desktop/</a:t>
+            </a:r>
+            <a:r>
+              <a:rPr lang="en-US" dirty="0" err="1">
+                <a:solidFill>
+                  <a:srgbClr val="00B050"/>
                 </a:solidFill>
                 <a:latin typeface="Courier"/>
                 <a:cs typeface="Courier"/>
               </a:rPr>
-              <a:t>")</a:t>
+              <a:t>Glass.csv</a:t>
+            </a:r>
+            <a:r>
+              <a:rPr lang="en-US" dirty="0">
+                <a:solidFill>
+                  <a:srgbClr val="00B050"/>
+                </a:solidFill>
+                <a:latin typeface="Courier"/>
+                <a:cs typeface="Courier"/>
+              </a:rPr>
+              <a:t>"</a:t>
+            </a:r>
+            <a:r>
+              <a:rPr lang="en-US" dirty="0">
+                <a:solidFill>
+                  <a:schemeClr val="bg1"/>
+                </a:solidFill>
+                <a:latin typeface="Courier"/>
+                <a:cs typeface="Courier"/>
+              </a:rPr>
+              <a:t>)</a:t>
             </a:r>
           </a:p>
           <a:p>
@@ -9781,7 +9801,7 @@
               </a:tabLst>
             </a:pPr>
             <a:r>
-              <a:rPr lang="en-GB" sz="3200" dirty="0">
+              <a:rPr lang="en-GB" sz="2800" dirty="0">
                 <a:solidFill>
                   <a:srgbClr val="000000"/>
                 </a:solidFill>
@@ -9791,7 +9811,7 @@
               <a:t>A tour of </a:t>
             </a:r>
             <a:r>
-              <a:rPr lang="en-GB" sz="3200" dirty="0" err="1">
+              <a:rPr lang="en-GB" sz="2800" dirty="0" err="1">
                 <a:solidFill>
                   <a:srgbClr val="000000"/>
                 </a:solidFill>
@@ -9801,7 +9821,7 @@
               <a:t>RStudio</a:t>
             </a:r>
             <a:r>
-              <a:rPr lang="en-GB" sz="3200" dirty="0">
+              <a:rPr lang="en-GB" sz="2800" dirty="0">
                 <a:solidFill>
                   <a:srgbClr val="000000"/>
                 </a:solidFill>
@@ -9834,7 +9854,7 @@
               </a:tabLst>
             </a:pPr>
             <a:r>
-              <a:rPr lang="en-GB" sz="3200" dirty="0">
+              <a:rPr lang="en-GB" sz="2800" dirty="0">
                 <a:solidFill>
                   <a:srgbClr val="000000"/>
                 </a:solidFill>
@@ -9867,7 +9887,7 @@
               </a:tabLst>
             </a:pPr>
             <a:r>
-              <a:rPr lang="en-GB" sz="3200" dirty="0">
+              <a:rPr lang="en-GB" sz="2800" dirty="0">
                 <a:solidFill>
                   <a:srgbClr val="000000"/>
                 </a:solidFill>
@@ -9900,7 +9920,7 @@
               </a:tabLst>
             </a:pPr>
             <a:r>
-              <a:rPr lang="en-GB" sz="3200" dirty="0">
+              <a:rPr lang="en-GB" sz="2800" dirty="0">
                 <a:solidFill>
                   <a:srgbClr val="000000"/>
                 </a:solidFill>
@@ -9933,7 +9953,7 @@
               </a:tabLst>
             </a:pPr>
             <a:r>
-              <a:rPr lang="en-GB" sz="3200" dirty="0">
+              <a:rPr lang="en-GB" sz="2800" dirty="0">
                 <a:solidFill>
                   <a:srgbClr val="000000"/>
                 </a:solidFill>

--- a/notes/day_1.pptx
+++ b/notes/day_1.pptx
@@ -5664,7 +5664,7 @@
         <p:spPr>
           <a:xfrm>
             <a:off x="1066800" y="4257692"/>
-            <a:ext cx="3593291" cy="461665"/>
+            <a:ext cx="3747180" cy="461665"/>
           </a:xfrm>
           <a:prstGeom prst="rect">
             <a:avLst/>
@@ -5683,7 +5683,25 @@
                 </a:solidFill>
                 <a:latin typeface="Times New Roman" pitchFamily="18" charset="0"/>
               </a:rPr>
-              <a:t>Format of a Apple OS path</a:t>
+              <a:t>Format </a:t>
+            </a:r>
+            <a:r>
+              <a:rPr lang="en-GB" sz="2400" u="sng">
+                <a:solidFill>
+                  <a:srgbClr val="000000"/>
+                </a:solidFill>
+                <a:latin typeface="Times New Roman" pitchFamily="18" charset="0"/>
+              </a:rPr>
+              <a:t>of an </a:t>
+            </a:r>
+            <a:r>
+              <a:rPr lang="en-GB" sz="2400" u="sng" dirty="0">
+                <a:solidFill>
+                  <a:srgbClr val="000000"/>
+                </a:solidFill>
+                <a:latin typeface="Times New Roman" pitchFamily="18" charset="0"/>
+              </a:rPr>
+              <a:t>Apple OS path</a:t>
             </a:r>
             <a:r>
               <a:rPr lang="en-GB" sz="2400" dirty="0">

--- a/notes/day_1.pptx
+++ b/notes/day_1.pptx
@@ -5,7 +5,7 @@
     <p:sldMasterId id="2147483648" r:id="rId1"/>
   </p:sldMasterIdLst>
   <p:notesMasterIdLst>
-    <p:notesMasterId r:id="rId23"/>
+    <p:notesMasterId r:id="rId20"/>
   </p:notesMasterIdLst>
   <p:sldIdLst>
     <p:sldId id="256" r:id="rId2"/>
@@ -19,16 +19,13 @@
     <p:sldId id="291" r:id="rId10"/>
     <p:sldId id="269" r:id="rId11"/>
     <p:sldId id="352" r:id="rId12"/>
-    <p:sldId id="308" r:id="rId13"/>
-    <p:sldId id="309" r:id="rId14"/>
-    <p:sldId id="350" r:id="rId15"/>
-    <p:sldId id="351" r:id="rId16"/>
-    <p:sldId id="310" r:id="rId17"/>
-    <p:sldId id="294" r:id="rId18"/>
-    <p:sldId id="295" r:id="rId19"/>
-    <p:sldId id="353" r:id="rId20"/>
-    <p:sldId id="355" r:id="rId21"/>
-    <p:sldId id="354" r:id="rId22"/>
+    <p:sldId id="351" r:id="rId13"/>
+    <p:sldId id="310" r:id="rId14"/>
+    <p:sldId id="294" r:id="rId15"/>
+    <p:sldId id="295" r:id="rId16"/>
+    <p:sldId id="353" r:id="rId17"/>
+    <p:sldId id="355" r:id="rId18"/>
+    <p:sldId id="354" r:id="rId19"/>
   </p:sldIdLst>
   <p:sldSz cx="9144000" cy="6858000" type="screen4x3"/>
   <p:notesSz cx="6858000" cy="9144000"/>
@@ -229,7 +226,7 @@
             <a:fld id="{E5C71FD9-B322-2549-9400-AF0C57474107}" type="datetimeFigureOut">
               <a:rPr lang="en-US" smtClean="0"/>
               <a:pPr/>
-              <a:t>6/7/21</a:t>
+              <a:t>6/21/21</a:t>
             </a:fld>
             <a:endParaRPr lang="en-US"/>
           </a:p>
@@ -936,7 +933,7 @@
             <a:fld id="{A3417F39-3343-D34D-887C-91D887A1DE4F}" type="datetimeFigureOut">
               <a:rPr lang="en-US" smtClean="0"/>
               <a:pPr/>
-              <a:t>6/7/21</a:t>
+              <a:t>6/21/21</a:t>
             </a:fld>
             <a:endParaRPr lang="en-US"/>
           </a:p>
@@ -1101,7 +1098,7 @@
             <a:fld id="{A3417F39-3343-D34D-887C-91D887A1DE4F}" type="datetimeFigureOut">
               <a:rPr lang="en-US" smtClean="0"/>
               <a:pPr/>
-              <a:t>6/7/21</a:t>
+              <a:t>6/21/21</a:t>
             </a:fld>
             <a:endParaRPr lang="en-US"/>
           </a:p>
@@ -1276,7 +1273,7 @@
             <a:fld id="{A3417F39-3343-D34D-887C-91D887A1DE4F}" type="datetimeFigureOut">
               <a:rPr lang="en-US" smtClean="0"/>
               <a:pPr/>
-              <a:t>6/7/21</a:t>
+              <a:t>6/21/21</a:t>
             </a:fld>
             <a:endParaRPr lang="en-US"/>
           </a:p>
@@ -1441,7 +1438,7 @@
             <a:fld id="{A3417F39-3343-D34D-887C-91D887A1DE4F}" type="datetimeFigureOut">
               <a:rPr lang="en-US" smtClean="0"/>
               <a:pPr/>
-              <a:t>6/7/21</a:t>
+              <a:t>6/21/21</a:t>
             </a:fld>
             <a:endParaRPr lang="en-US"/>
           </a:p>
@@ -1683,7 +1680,7 @@
             <a:fld id="{A3417F39-3343-D34D-887C-91D887A1DE4F}" type="datetimeFigureOut">
               <a:rPr lang="en-US" smtClean="0"/>
               <a:pPr/>
-              <a:t>6/7/21</a:t>
+              <a:t>6/21/21</a:t>
             </a:fld>
             <a:endParaRPr lang="en-US"/>
           </a:p>
@@ -1965,7 +1962,7 @@
             <a:fld id="{A3417F39-3343-D34D-887C-91D887A1DE4F}" type="datetimeFigureOut">
               <a:rPr lang="en-US" smtClean="0"/>
               <a:pPr/>
-              <a:t>6/7/21</a:t>
+              <a:t>6/21/21</a:t>
             </a:fld>
             <a:endParaRPr lang="en-US"/>
           </a:p>
@@ -2381,7 +2378,7 @@
             <a:fld id="{A3417F39-3343-D34D-887C-91D887A1DE4F}" type="datetimeFigureOut">
               <a:rPr lang="en-US" smtClean="0"/>
               <a:pPr/>
-              <a:t>6/7/21</a:t>
+              <a:t>6/21/21</a:t>
             </a:fld>
             <a:endParaRPr lang="en-US"/>
           </a:p>
@@ -2495,7 +2492,7 @@
             <a:fld id="{A3417F39-3343-D34D-887C-91D887A1DE4F}" type="datetimeFigureOut">
               <a:rPr lang="en-US" smtClean="0"/>
               <a:pPr/>
-              <a:t>6/7/21</a:t>
+              <a:t>6/21/21</a:t>
             </a:fld>
             <a:endParaRPr lang="en-US"/>
           </a:p>
@@ -2587,7 +2584,7 @@
             <a:fld id="{A3417F39-3343-D34D-887C-91D887A1DE4F}" type="datetimeFigureOut">
               <a:rPr lang="en-US" smtClean="0"/>
               <a:pPr/>
-              <a:t>6/7/21</a:t>
+              <a:t>6/21/21</a:t>
             </a:fld>
             <a:endParaRPr lang="en-US"/>
           </a:p>
@@ -2859,7 +2856,7 @@
             <a:fld id="{A3417F39-3343-D34D-887C-91D887A1DE4F}" type="datetimeFigureOut">
               <a:rPr lang="en-US" smtClean="0"/>
               <a:pPr/>
-              <a:t>6/7/21</a:t>
+              <a:t>6/21/21</a:t>
             </a:fld>
             <a:endParaRPr lang="en-US"/>
           </a:p>
@@ -3108,7 +3105,7 @@
             <a:fld id="{A3417F39-3343-D34D-887C-91D887A1DE4F}" type="datetimeFigureOut">
               <a:rPr lang="en-US" smtClean="0"/>
               <a:pPr/>
-              <a:t>6/7/21</a:t>
+              <a:t>6/21/21</a:t>
             </a:fld>
             <a:endParaRPr lang="en-US"/>
           </a:p>
@@ -3316,7 +3313,7 @@
             <a:fld id="{A3417F39-3343-D34D-887C-91D887A1DE4F}" type="datetimeFigureOut">
               <a:rPr lang="en-US" smtClean="0"/>
               <a:pPr/>
-              <a:t>6/7/21</a:t>
+              <a:t>6/21/21</a:t>
             </a:fld>
             <a:endParaRPr lang="en-US"/>
           </a:p>
@@ -5295,7 +5292,13 @@
       </p:grpSpPr>
       <p:sp>
         <p:nvSpPr>
-          <p:cNvPr id="11266" name="Rectangle 5"/>
+          <p:cNvPr id="2" name="Rectangle 5">
+            <a:extLst>
+              <a:ext uri="{FF2B5EF4-FFF2-40B4-BE49-F238E27FC236}">
+                <a16:creationId xmlns:a16="http://schemas.microsoft.com/office/drawing/2014/main" id="{91E7B117-D0CB-49EC-AF46-979BCA1100AB}"/>
+              </a:ext>
+            </a:extLst>
+          </p:cNvPr>
           <p:cNvSpPr>
             <a:spLocks noChangeArrowheads="1"/>
           </p:cNvSpPr>
@@ -5304,7 +5307,7 @@
         <p:spPr bwMode="auto">
           <a:xfrm>
             <a:off x="228600" y="1104211"/>
-            <a:ext cx="8686800" cy="3298456"/>
+            <a:ext cx="8686800" cy="3467789"/>
           </a:xfrm>
           <a:prstGeom prst="rect">
             <a:avLst/>
@@ -5380,7 +5383,7 @@
               </a:tabLst>
             </a:pPr>
             <a:r>
-              <a:rPr lang="en-GB" sz="3600" dirty="0">
+              <a:rPr lang="en-GB" sz="4000" dirty="0">
                 <a:solidFill>
                   <a:srgbClr val="000000"/>
                 </a:solidFill>
@@ -5422,7 +5425,7 @@
                 </a:solidFill>
                 <a:latin typeface="Times New Roman" pitchFamily="18" charset="0"/>
               </a:rPr>
-              <a:t>Method 1</a:t>
+              <a:t>Method easiest for class</a:t>
             </a:r>
             <a:r>
               <a:rPr lang="en-GB" sz="3200" dirty="0">
@@ -5431,86 +5434,26 @@
                 </a:solidFill>
                 <a:latin typeface="Times New Roman" pitchFamily="18" charset="0"/>
               </a:rPr>
-              <a:t> save Excel spreadsheet as a CSV file and load directly</a:t>
-            </a:r>
-          </a:p>
-          <a:p>
-            <a:pPr marL="1801813" lvl="3" indent="-323850">
-              <a:spcBef>
-                <a:spcPts val="800"/>
-              </a:spcBef>
-              <a:buClr>
-                <a:srgbClr val="000000"/>
-              </a:buClr>
-              <a:buSzPct val="100000"/>
-              <a:buFont typeface="Arial"/>
-              <a:buChar char="•"/>
-              <a:tabLst>
-                <a:tab pos="430213" algn="l"/>
-                <a:tab pos="1344613" algn="l"/>
-                <a:tab pos="2259013" algn="l"/>
-                <a:tab pos="3173413" algn="l"/>
-                <a:tab pos="4087813" algn="l"/>
-                <a:tab pos="5002213" algn="l"/>
-                <a:tab pos="5916613" algn="l"/>
-                <a:tab pos="6831013" algn="l"/>
-                <a:tab pos="7745413" algn="l"/>
-                <a:tab pos="8659813" algn="l"/>
-                <a:tab pos="9574213" algn="l"/>
-                <a:tab pos="10488613" algn="l"/>
-              </a:tabLst>
-            </a:pPr>
-            <a:r>
-              <a:rPr lang="en-GB" sz="2800" dirty="0">
+              <a:t>: We can load in a file directly from the internet using its </a:t>
+            </a:r>
+            <a:r>
+              <a:rPr lang="en-GB" sz="3200" dirty="0">
+                <a:solidFill>
+                  <a:srgbClr val="00B050"/>
+                </a:solidFill>
+                <a:latin typeface="Times New Roman" pitchFamily="18" charset="0"/>
+              </a:rPr>
+              <a:t>URL address</a:t>
+            </a:r>
+            <a:r>
+              <a:rPr lang="en-GB" sz="3200" dirty="0">
                 <a:solidFill>
                   <a:srgbClr val="000000"/>
                 </a:solidFill>
                 <a:latin typeface="Times New Roman" pitchFamily="18" charset="0"/>
               </a:rPr>
-              <a:t>You’ll need to type in the </a:t>
-            </a:r>
-            <a:r>
-              <a:rPr lang="en-GB" sz="2800" b="1" dirty="0">
-                <a:solidFill>
-                  <a:srgbClr val="000000"/>
-                </a:solidFill>
-                <a:latin typeface="Times New Roman" pitchFamily="18" charset="0"/>
-              </a:rPr>
-              <a:t>path</a:t>
-            </a:r>
-            <a:r>
-              <a:rPr lang="en-GB" sz="2800" dirty="0">
-                <a:solidFill>
-                  <a:srgbClr val="000000"/>
-                </a:solidFill>
-                <a:latin typeface="Times New Roman" pitchFamily="18" charset="0"/>
-              </a:rPr>
-              <a:t> to the file</a:t>
-            </a:r>
-            <a:r>
-              <a:rPr lang="en-GB" sz="3200" dirty="0">
-                <a:solidFill>
-                  <a:srgbClr val="000000"/>
-                </a:solidFill>
-                <a:latin typeface="Times New Roman" pitchFamily="18" charset="0"/>
-              </a:rPr>
-              <a:t> in </a:t>
-            </a:r>
-            <a:r>
-              <a:rPr lang="en-GB" sz="3200" dirty="0" err="1">
-                <a:solidFill>
-                  <a:srgbClr val="000000"/>
-                </a:solidFill>
-                <a:latin typeface="Times New Roman" pitchFamily="18" charset="0"/>
-              </a:rPr>
-              <a:t>read.csv</a:t>
-            </a:r>
-            <a:endParaRPr lang="en-GB" sz="3200" dirty="0">
-              <a:solidFill>
-                <a:srgbClr val="000000"/>
-              </a:solidFill>
-              <a:latin typeface="Times New Roman" pitchFamily="18" charset="0"/>
-            </a:endParaRPr>
+              <a:t> (if we have a working internet connection):</a:t>
+            </a:r>
           </a:p>
           <a:p>
             <a:pPr marL="1344613" lvl="2" indent="-323850">
@@ -5549,7 +5492,13 @@
       </p:sp>
       <p:sp>
         <p:nvSpPr>
-          <p:cNvPr id="25603" name="Rectangle 4"/>
+          <p:cNvPr id="3" name="Rectangle 4">
+            <a:extLst>
+              <a:ext uri="{FF2B5EF4-FFF2-40B4-BE49-F238E27FC236}">
+                <a16:creationId xmlns:a16="http://schemas.microsoft.com/office/drawing/2014/main" id="{94AECD30-1CEA-46DB-9FB7-F711EA12D97F}"/>
+              </a:ext>
+            </a:extLst>
+          </p:cNvPr>
           <p:cNvSpPr>
             <a:spLocks noChangeArrowheads="1"/>
           </p:cNvSpPr>
@@ -5609,228 +5558,15 @@
           </a:p>
         </p:txBody>
       </p:sp>
-      <p:sp>
-        <p:nvSpPr>
-          <p:cNvPr id="8" name="TextBox 7"/>
-          <p:cNvSpPr txBox="1"/>
-          <p:nvPr/>
-        </p:nvSpPr>
-        <p:spPr>
-          <a:xfrm>
-            <a:off x="1066800" y="4719357"/>
-            <a:ext cx="6268063" cy="461665"/>
-          </a:xfrm>
-          <a:prstGeom prst="rect">
-            <a:avLst/>
-          </a:prstGeom>
-          <a:noFill/>
-        </p:spPr>
-        <p:txBody>
-          <a:bodyPr wrap="none" rtlCol="0">
-            <a:spAutoFit/>
-          </a:bodyPr>
-          <a:lstStyle/>
-          <a:p>
-            <a:r>
-              <a:rPr lang="en-US" sz="2400" dirty="0">
-                <a:latin typeface="Courier"/>
-                <a:cs typeface="Courier"/>
-              </a:rPr>
-              <a:t>"/Users/karen2/Desktop/</a:t>
-            </a:r>
-            <a:r>
-              <a:rPr lang="en-US" sz="2400" dirty="0" err="1">
-                <a:latin typeface="Courier"/>
-                <a:cs typeface="Courier"/>
-              </a:rPr>
-              <a:t>Glass.csv</a:t>
-            </a:r>
-            <a:r>
-              <a:rPr lang="en-US" sz="2400" dirty="0">
-                <a:latin typeface="Courier"/>
-                <a:cs typeface="Courier"/>
-              </a:rPr>
-              <a:t>"</a:t>
-            </a:r>
-          </a:p>
-        </p:txBody>
-      </p:sp>
-      <p:sp>
-        <p:nvSpPr>
-          <p:cNvPr id="9" name="Rectangle 8"/>
-          <p:cNvSpPr/>
-          <p:nvPr/>
-        </p:nvSpPr>
-        <p:spPr>
-          <a:xfrm>
-            <a:off x="1066800" y="4257692"/>
-            <a:ext cx="3747180" cy="461665"/>
-          </a:xfrm>
-          <a:prstGeom prst="rect">
-            <a:avLst/>
-          </a:prstGeom>
-        </p:spPr>
-        <p:txBody>
-          <a:bodyPr wrap="none">
-            <a:spAutoFit/>
-          </a:bodyPr>
-          <a:lstStyle/>
-          <a:p>
-            <a:r>
-              <a:rPr lang="en-GB" sz="2400" u="sng" dirty="0">
-                <a:solidFill>
-                  <a:srgbClr val="000000"/>
-                </a:solidFill>
-                <a:latin typeface="Times New Roman" pitchFamily="18" charset="0"/>
-              </a:rPr>
-              <a:t>Format </a:t>
-            </a:r>
-            <a:r>
-              <a:rPr lang="en-GB" sz="2400" u="sng">
-                <a:solidFill>
-                  <a:srgbClr val="000000"/>
-                </a:solidFill>
-                <a:latin typeface="Times New Roman" pitchFamily="18" charset="0"/>
-              </a:rPr>
-              <a:t>of an </a:t>
-            </a:r>
-            <a:r>
-              <a:rPr lang="en-GB" sz="2400" u="sng" dirty="0">
-                <a:solidFill>
-                  <a:srgbClr val="000000"/>
-                </a:solidFill>
-                <a:latin typeface="Times New Roman" pitchFamily="18" charset="0"/>
-              </a:rPr>
-              <a:t>Apple OS path</a:t>
-            </a:r>
-            <a:r>
-              <a:rPr lang="en-GB" sz="2400" dirty="0">
-                <a:solidFill>
-                  <a:srgbClr val="000000"/>
-                </a:solidFill>
-                <a:latin typeface="Times New Roman" pitchFamily="18" charset="0"/>
-              </a:rPr>
-              <a:t>:</a:t>
-            </a:r>
-            <a:endParaRPr lang="en-US" sz="2400" dirty="0"/>
-          </a:p>
-        </p:txBody>
-      </p:sp>
-      <p:sp>
-        <p:nvSpPr>
-          <p:cNvPr id="10" name="TextBox 9"/>
-          <p:cNvSpPr txBox="1"/>
-          <p:nvPr/>
-        </p:nvSpPr>
-        <p:spPr>
-          <a:xfrm>
-            <a:off x="1064742" y="6019489"/>
-            <a:ext cx="6821098" cy="830997"/>
-          </a:xfrm>
-          <a:prstGeom prst="rect">
-            <a:avLst/>
-          </a:prstGeom>
-          <a:noFill/>
-        </p:spPr>
-        <p:txBody>
-          <a:bodyPr wrap="none" rtlCol="0">
-            <a:spAutoFit/>
-          </a:bodyPr>
-          <a:lstStyle/>
-          <a:p>
-            <a:r>
-              <a:rPr lang="en-US" sz="2400" dirty="0">
-                <a:latin typeface="Courier"/>
-                <a:cs typeface="Courier"/>
-              </a:rPr>
-              <a:t>"C:\Users\karen2\Desktop\</a:t>
-            </a:r>
-            <a:r>
-              <a:rPr lang="en-US" sz="2400" dirty="0" err="1">
-                <a:latin typeface="Courier"/>
-                <a:cs typeface="Courier"/>
-              </a:rPr>
-              <a:t>Glass.csv</a:t>
-            </a:r>
-            <a:r>
-              <a:rPr lang="en-US" sz="2400" dirty="0">
-                <a:latin typeface="Courier"/>
-                <a:cs typeface="Courier"/>
-              </a:rPr>
-              <a:t>"</a:t>
-            </a:r>
-          </a:p>
-          <a:p>
-            <a:r>
-              <a:rPr lang="en-US" sz="2400" dirty="0">
-                <a:latin typeface="Courier"/>
-                <a:cs typeface="Courier"/>
-              </a:rPr>
-              <a:t>"C:/Users/karen2/Desktop/</a:t>
-            </a:r>
-            <a:r>
-              <a:rPr lang="en-US" sz="2400" dirty="0" err="1">
-                <a:latin typeface="Courier"/>
-                <a:cs typeface="Courier"/>
-              </a:rPr>
-              <a:t>Glass.csv</a:t>
-            </a:r>
-            <a:r>
-              <a:rPr lang="en-US" sz="2400" dirty="0">
-                <a:latin typeface="Courier"/>
-                <a:cs typeface="Courier"/>
-              </a:rPr>
-              <a:t>"</a:t>
-            </a:r>
-          </a:p>
-        </p:txBody>
-      </p:sp>
-      <p:sp>
-        <p:nvSpPr>
-          <p:cNvPr id="13" name="Rectangle 12"/>
-          <p:cNvSpPr/>
-          <p:nvPr/>
-        </p:nvSpPr>
-        <p:spPr>
-          <a:xfrm>
-            <a:off x="1064742" y="5143587"/>
-            <a:ext cx="3250955" cy="461665"/>
-          </a:xfrm>
-          <a:prstGeom prst="rect">
-            <a:avLst/>
-          </a:prstGeom>
-        </p:spPr>
-        <p:txBody>
-          <a:bodyPr wrap="none">
-            <a:spAutoFit/>
-          </a:bodyPr>
-          <a:lstStyle/>
-          <a:p>
-            <a:r>
-              <a:rPr lang="en-GB" sz="2400" u="sng" dirty="0">
-                <a:solidFill>
-                  <a:srgbClr val="000000"/>
-                </a:solidFill>
-                <a:latin typeface="Times New Roman" pitchFamily="18" charset="0"/>
-              </a:rPr>
-              <a:t>For a Windows path try</a:t>
-            </a:r>
-            <a:r>
-              <a:rPr lang="en-GB" sz="2400" dirty="0">
-                <a:solidFill>
-                  <a:srgbClr val="000000"/>
-                </a:solidFill>
-                <a:latin typeface="Times New Roman" pitchFamily="18" charset="0"/>
-              </a:rPr>
-              <a:t>:</a:t>
-            </a:r>
-            <a:endParaRPr lang="en-US" sz="2400" dirty="0"/>
-          </a:p>
-        </p:txBody>
-      </p:sp>
       <p:pic>
         <p:nvPicPr>
-          <p:cNvPr id="14" name="Picture 2"/>
+          <p:cNvPr id="4" name="Picture 2">
+            <a:extLst>
+              <a:ext uri="{FF2B5EF4-FFF2-40B4-BE49-F238E27FC236}">
+                <a16:creationId xmlns:a16="http://schemas.microsoft.com/office/drawing/2014/main" id="{731FD6D4-ABDF-4D8F-AC2A-888F0D4EC5B9}"/>
+              </a:ext>
+            </a:extLst>
+          </p:cNvPr>
           <p:cNvPicPr>
             <a:picLocks noChangeAspect="1" noChangeArrowheads="1"/>
           </p:cNvPicPr>
@@ -5862,527 +5598,177 @@
       </p:pic>
       <p:sp>
         <p:nvSpPr>
-          <p:cNvPr id="12" name="TextBox 11">
+          <p:cNvPr id="6" name="Rectangle 5">
             <a:extLst>
               <a:ext uri="{FF2B5EF4-FFF2-40B4-BE49-F238E27FC236}">
-                <a16:creationId xmlns:a16="http://schemas.microsoft.com/office/drawing/2014/main" id="{8FABAA9F-79B4-114F-B218-9939AA7CFE5C}"/>
+                <a16:creationId xmlns:a16="http://schemas.microsoft.com/office/drawing/2014/main" id="{CA083E16-7BA4-474C-8727-392FDF517109}"/>
               </a:ext>
             </a:extLst>
           </p:cNvPr>
-          <p:cNvSpPr txBox="1"/>
+          <p:cNvSpPr/>
           <p:nvPr/>
         </p:nvSpPr>
         <p:spPr>
           <a:xfrm>
-            <a:off x="1057416" y="5564785"/>
-            <a:ext cx="7558479" cy="461665"/>
+            <a:off x="152400" y="4196185"/>
+            <a:ext cx="8867421" cy="1323439"/>
           </a:xfrm>
           <a:prstGeom prst="rect">
             <a:avLst/>
           </a:prstGeom>
-          <a:noFill/>
+          <a:solidFill>
+            <a:srgbClr val="000C78"/>
+          </a:solidFill>
         </p:spPr>
         <p:txBody>
-          <a:bodyPr wrap="none" rtlCol="0">
+          <a:bodyPr wrap="square">
             <a:spAutoFit/>
           </a:bodyPr>
           <a:lstStyle/>
           <a:p>
             <a:r>
-              <a:rPr lang="en-US" sz="2400" dirty="0">
+              <a:rPr lang="en-US" sz="1600" dirty="0">
+                <a:solidFill>
+                  <a:srgbClr val="FFFF00"/>
+                </a:solidFill>
                 <a:latin typeface="Courier"/>
                 <a:cs typeface="Courier"/>
               </a:rPr>
-              <a:t>"C:\\Users\\karen2\\Desktop\\</a:t>
-            </a:r>
-            <a:r>
-              <a:rPr lang="en-US" sz="2400" dirty="0" err="1">
+              <a:t># A file on the internet. Use it’s URL to load: </a:t>
+            </a:r>
+          </a:p>
+          <a:p>
+            <a:endParaRPr lang="en-US" sz="1600" dirty="0">
+              <a:solidFill>
+                <a:schemeClr val="bg1"/>
+              </a:solidFill>
+              <a:latin typeface="Courier"/>
+              <a:cs typeface="Courier"/>
+            </a:endParaRPr>
+          </a:p>
+          <a:p>
+            <a:r>
+              <a:rPr lang="en-US" sz="1600" dirty="0">
+                <a:solidFill>
+                  <a:schemeClr val="bg1"/>
+                </a:solidFill>
                 <a:latin typeface="Courier"/>
                 <a:cs typeface="Courier"/>
               </a:rPr>
-              <a:t>Glass.csv</a:t>
-            </a:r>
-            <a:r>
-              <a:rPr lang="en-US" sz="2400" dirty="0">
+              <a:t>dat3 &lt;- </a:t>
+            </a:r>
+            <a:r>
+              <a:rPr lang="en-US" sz="1600" dirty="0" err="1">
+                <a:solidFill>
+                  <a:schemeClr val="bg1"/>
+                </a:solidFill>
                 <a:latin typeface="Courier"/>
                 <a:cs typeface="Courier"/>
               </a:rPr>
+              <a:t>read.csv</a:t>
+            </a:r>
+            <a:r>
+              <a:rPr lang="en-US" sz="1600" dirty="0">
+                <a:solidFill>
+                  <a:schemeClr val="bg1"/>
+                </a:solidFill>
+                <a:latin typeface="Courier"/>
+                <a:cs typeface="Courier"/>
+              </a:rPr>
+              <a:t>(</a:t>
+            </a:r>
+            <a:r>
+              <a:rPr lang="en-US" sz="1600" dirty="0">
+                <a:solidFill>
+                  <a:srgbClr val="00B050"/>
+                </a:solidFill>
+                <a:latin typeface="Courier"/>
+                <a:cs typeface="Courier"/>
+              </a:rPr>
+              <a:t>"https://</a:t>
+            </a:r>
+            <a:r>
+              <a:rPr lang="en-US" sz="1600" dirty="0" err="1">
+                <a:solidFill>
+                  <a:srgbClr val="00B050"/>
+                </a:solidFill>
+                <a:latin typeface="Courier"/>
+                <a:cs typeface="Courier"/>
+              </a:rPr>
+              <a:t>raw.githubusercontent.com</a:t>
+            </a:r>
+            <a:r>
+              <a:rPr lang="en-US" sz="1600" dirty="0">
+                <a:solidFill>
+                  <a:srgbClr val="00B050"/>
+                </a:solidFill>
+                <a:latin typeface="Courier"/>
+                <a:cs typeface="Courier"/>
+              </a:rPr>
+              <a:t>/</a:t>
+            </a:r>
+            <a:r>
+              <a:rPr lang="en-US" sz="1600" dirty="0" err="1">
+                <a:solidFill>
+                  <a:srgbClr val="00B050"/>
+                </a:solidFill>
+                <a:latin typeface="Courier"/>
+                <a:cs typeface="Courier"/>
+              </a:rPr>
+              <a:t>npetraco</a:t>
+            </a:r>
+            <a:r>
+              <a:rPr lang="en-US" sz="1600" dirty="0">
+                <a:solidFill>
+                  <a:srgbClr val="00B050"/>
+                </a:solidFill>
+                <a:latin typeface="Courier"/>
+                <a:cs typeface="Courier"/>
+              </a:rPr>
+              <a:t>/workshop21/master/data/</a:t>
+            </a:r>
+            <a:r>
+              <a:rPr lang="en-US" sz="1600" dirty="0" err="1">
+                <a:solidFill>
+                  <a:srgbClr val="00B050"/>
+                </a:solidFill>
+                <a:latin typeface="Courier"/>
+                <a:cs typeface="Courier"/>
+              </a:rPr>
+              <a:t>bigdata.csv</a:t>
+            </a:r>
+            <a:r>
+              <a:rPr lang="en-US" sz="1600" dirty="0">
+                <a:solidFill>
+                  <a:srgbClr val="00B050"/>
+                </a:solidFill>
+                <a:latin typeface="Courier"/>
+                <a:cs typeface="Courier"/>
+              </a:rPr>
               <a:t>"</a:t>
+            </a:r>
+            <a:r>
+              <a:rPr lang="en-US" sz="1600" dirty="0">
+                <a:solidFill>
+                  <a:schemeClr val="bg1"/>
+                </a:solidFill>
+                <a:latin typeface="Courier"/>
+                <a:cs typeface="Courier"/>
+              </a:rPr>
+              <a:t>, header = F)</a:t>
             </a:r>
           </a:p>
         </p:txBody>
       </p:sp>
-    </p:spTree>
-    <p:extLst>
-      <p:ext uri="{BB962C8B-B14F-4D97-AF65-F5344CB8AC3E}">
-        <p14:creationId xmlns:p14="http://schemas.microsoft.com/office/powerpoint/2010/main" val="2498635369"/>
-      </p:ext>
-    </p:extLst>
-  </p:cSld>
-  <p:clrMapOvr>
-    <a:masterClrMapping/>
-  </p:clrMapOvr>
-  <p:timing>
-    <p:tnLst>
-      <p:par>
-        <p:cTn id="1" dur="indefinite" restart="never" nodeType="tmRoot">
-          <p:childTnLst>
-            <p:seq concurrent="1" nextAc="seek">
-              <p:cTn id="2" dur="indefinite" nodeType="mainSeq">
-                <p:childTnLst>
-                  <p:par>
-                    <p:cTn id="3" fill="hold">
-                      <p:stCondLst>
-                        <p:cond delay="indefinite"/>
-                      </p:stCondLst>
-                      <p:childTnLst>
-                        <p:par>
-                          <p:cTn id="4" fill="hold">
-                            <p:stCondLst>
-                              <p:cond delay="0"/>
-                            </p:stCondLst>
-                            <p:childTnLst>
-                              <p:par>
-                                <p:cTn id="5" presetID="2" presetClass="entr" presetSubtype="4" fill="hold" grpId="0" nodeType="clickEffect">
-                                  <p:stCondLst>
-                                    <p:cond delay="0"/>
-                                  </p:stCondLst>
-                                  <p:childTnLst>
-                                    <p:set>
-                                      <p:cBhvr>
-                                        <p:cTn id="6" dur="1" fill="hold">
-                                          <p:stCondLst>
-                                            <p:cond delay="0"/>
-                                          </p:stCondLst>
-                                        </p:cTn>
-                                        <p:tgtEl>
-                                          <p:spTgt spid="8"/>
-                                        </p:tgtEl>
-                                        <p:attrNameLst>
-                                          <p:attrName>style.visibility</p:attrName>
-                                        </p:attrNameLst>
-                                      </p:cBhvr>
-                                      <p:to>
-                                        <p:strVal val="visible"/>
-                                      </p:to>
-                                    </p:set>
-                                    <p:anim calcmode="lin" valueType="num">
-                                      <p:cBhvr additive="base">
-                                        <p:cTn id="7" dur="500" fill="hold"/>
-                                        <p:tgtEl>
-                                          <p:spTgt spid="8"/>
-                                        </p:tgtEl>
-                                        <p:attrNameLst>
-                                          <p:attrName>ppt_x</p:attrName>
-                                        </p:attrNameLst>
-                                      </p:cBhvr>
-                                      <p:tavLst>
-                                        <p:tav tm="0">
-                                          <p:val>
-                                            <p:strVal val="#ppt_x"/>
-                                          </p:val>
-                                        </p:tav>
-                                        <p:tav tm="100000">
-                                          <p:val>
-                                            <p:strVal val="#ppt_x"/>
-                                          </p:val>
-                                        </p:tav>
-                                      </p:tavLst>
-                                    </p:anim>
-                                    <p:anim calcmode="lin" valueType="num">
-                                      <p:cBhvr additive="base">
-                                        <p:cTn id="8" dur="500" fill="hold"/>
-                                        <p:tgtEl>
-                                          <p:spTgt spid="8"/>
-                                        </p:tgtEl>
-                                        <p:attrNameLst>
-                                          <p:attrName>ppt_y</p:attrName>
-                                        </p:attrNameLst>
-                                      </p:cBhvr>
-                                      <p:tavLst>
-                                        <p:tav tm="0">
-                                          <p:val>
-                                            <p:strVal val="1+#ppt_h/2"/>
-                                          </p:val>
-                                        </p:tav>
-                                        <p:tav tm="100000">
-                                          <p:val>
-                                            <p:strVal val="#ppt_y"/>
-                                          </p:val>
-                                        </p:tav>
-                                      </p:tavLst>
-                                    </p:anim>
-                                  </p:childTnLst>
-                                </p:cTn>
-                              </p:par>
-                              <p:par>
-                                <p:cTn id="9" presetID="2" presetClass="entr" presetSubtype="4" fill="hold" grpId="0" nodeType="withEffect">
-                                  <p:stCondLst>
-                                    <p:cond delay="0"/>
-                                  </p:stCondLst>
-                                  <p:childTnLst>
-                                    <p:set>
-                                      <p:cBhvr>
-                                        <p:cTn id="10" dur="1" fill="hold">
-                                          <p:stCondLst>
-                                            <p:cond delay="0"/>
-                                          </p:stCondLst>
-                                        </p:cTn>
-                                        <p:tgtEl>
-                                          <p:spTgt spid="9"/>
-                                        </p:tgtEl>
-                                        <p:attrNameLst>
-                                          <p:attrName>style.visibility</p:attrName>
-                                        </p:attrNameLst>
-                                      </p:cBhvr>
-                                      <p:to>
-                                        <p:strVal val="visible"/>
-                                      </p:to>
-                                    </p:set>
-                                    <p:anim calcmode="lin" valueType="num">
-                                      <p:cBhvr additive="base">
-                                        <p:cTn id="11" dur="500" fill="hold"/>
-                                        <p:tgtEl>
-                                          <p:spTgt spid="9"/>
-                                        </p:tgtEl>
-                                        <p:attrNameLst>
-                                          <p:attrName>ppt_x</p:attrName>
-                                        </p:attrNameLst>
-                                      </p:cBhvr>
-                                      <p:tavLst>
-                                        <p:tav tm="0">
-                                          <p:val>
-                                            <p:strVal val="#ppt_x"/>
-                                          </p:val>
-                                        </p:tav>
-                                        <p:tav tm="100000">
-                                          <p:val>
-                                            <p:strVal val="#ppt_x"/>
-                                          </p:val>
-                                        </p:tav>
-                                      </p:tavLst>
-                                    </p:anim>
-                                    <p:anim calcmode="lin" valueType="num">
-                                      <p:cBhvr additive="base">
-                                        <p:cTn id="12" dur="500" fill="hold"/>
-                                        <p:tgtEl>
-                                          <p:spTgt spid="9"/>
-                                        </p:tgtEl>
-                                        <p:attrNameLst>
-                                          <p:attrName>ppt_y</p:attrName>
-                                        </p:attrNameLst>
-                                      </p:cBhvr>
-                                      <p:tavLst>
-                                        <p:tav tm="0">
-                                          <p:val>
-                                            <p:strVal val="1+#ppt_h/2"/>
-                                          </p:val>
-                                        </p:tav>
-                                        <p:tav tm="100000">
-                                          <p:val>
-                                            <p:strVal val="#ppt_y"/>
-                                          </p:val>
-                                        </p:tav>
-                                      </p:tavLst>
-                                    </p:anim>
-                                  </p:childTnLst>
-                                </p:cTn>
-                              </p:par>
-                            </p:childTnLst>
-                          </p:cTn>
-                        </p:par>
-                      </p:childTnLst>
-                    </p:cTn>
-                  </p:par>
-                  <p:par>
-                    <p:cTn id="13" fill="hold">
-                      <p:stCondLst>
-                        <p:cond delay="indefinite"/>
-                      </p:stCondLst>
-                      <p:childTnLst>
-                        <p:par>
-                          <p:cTn id="14" fill="hold">
-                            <p:stCondLst>
-                              <p:cond delay="0"/>
-                            </p:stCondLst>
-                            <p:childTnLst>
-                              <p:par>
-                                <p:cTn id="15" presetID="2" presetClass="entr" presetSubtype="4" fill="hold" grpId="0" nodeType="clickEffect">
-                                  <p:stCondLst>
-                                    <p:cond delay="0"/>
-                                  </p:stCondLst>
-                                  <p:childTnLst>
-                                    <p:set>
-                                      <p:cBhvr>
-                                        <p:cTn id="16" dur="1" fill="hold">
-                                          <p:stCondLst>
-                                            <p:cond delay="0"/>
-                                          </p:stCondLst>
-                                        </p:cTn>
-                                        <p:tgtEl>
-                                          <p:spTgt spid="10"/>
-                                        </p:tgtEl>
-                                        <p:attrNameLst>
-                                          <p:attrName>style.visibility</p:attrName>
-                                        </p:attrNameLst>
-                                      </p:cBhvr>
-                                      <p:to>
-                                        <p:strVal val="visible"/>
-                                      </p:to>
-                                    </p:set>
-                                    <p:anim calcmode="lin" valueType="num">
-                                      <p:cBhvr additive="base">
-                                        <p:cTn id="17" dur="500" fill="hold"/>
-                                        <p:tgtEl>
-                                          <p:spTgt spid="10"/>
-                                        </p:tgtEl>
-                                        <p:attrNameLst>
-                                          <p:attrName>ppt_x</p:attrName>
-                                        </p:attrNameLst>
-                                      </p:cBhvr>
-                                      <p:tavLst>
-                                        <p:tav tm="0">
-                                          <p:val>
-                                            <p:strVal val="#ppt_x"/>
-                                          </p:val>
-                                        </p:tav>
-                                        <p:tav tm="100000">
-                                          <p:val>
-                                            <p:strVal val="#ppt_x"/>
-                                          </p:val>
-                                        </p:tav>
-                                      </p:tavLst>
-                                    </p:anim>
-                                    <p:anim calcmode="lin" valueType="num">
-                                      <p:cBhvr additive="base">
-                                        <p:cTn id="18" dur="500" fill="hold"/>
-                                        <p:tgtEl>
-                                          <p:spTgt spid="10"/>
-                                        </p:tgtEl>
-                                        <p:attrNameLst>
-                                          <p:attrName>ppt_y</p:attrName>
-                                        </p:attrNameLst>
-                                      </p:cBhvr>
-                                      <p:tavLst>
-                                        <p:tav tm="0">
-                                          <p:val>
-                                            <p:strVal val="1+#ppt_h/2"/>
-                                          </p:val>
-                                        </p:tav>
-                                        <p:tav tm="100000">
-                                          <p:val>
-                                            <p:strVal val="#ppt_y"/>
-                                          </p:val>
-                                        </p:tav>
-                                      </p:tavLst>
-                                    </p:anim>
-                                  </p:childTnLst>
-                                </p:cTn>
-                              </p:par>
-                              <p:par>
-                                <p:cTn id="19" presetID="2" presetClass="entr" presetSubtype="4" fill="hold" grpId="0" nodeType="withEffect">
-                                  <p:stCondLst>
-                                    <p:cond delay="0"/>
-                                  </p:stCondLst>
-                                  <p:childTnLst>
-                                    <p:set>
-                                      <p:cBhvr>
-                                        <p:cTn id="20" dur="1" fill="hold">
-                                          <p:stCondLst>
-                                            <p:cond delay="0"/>
-                                          </p:stCondLst>
-                                        </p:cTn>
-                                        <p:tgtEl>
-                                          <p:spTgt spid="13"/>
-                                        </p:tgtEl>
-                                        <p:attrNameLst>
-                                          <p:attrName>style.visibility</p:attrName>
-                                        </p:attrNameLst>
-                                      </p:cBhvr>
-                                      <p:to>
-                                        <p:strVal val="visible"/>
-                                      </p:to>
-                                    </p:set>
-                                    <p:anim calcmode="lin" valueType="num">
-                                      <p:cBhvr additive="base">
-                                        <p:cTn id="21" dur="500" fill="hold"/>
-                                        <p:tgtEl>
-                                          <p:spTgt spid="13"/>
-                                        </p:tgtEl>
-                                        <p:attrNameLst>
-                                          <p:attrName>ppt_x</p:attrName>
-                                        </p:attrNameLst>
-                                      </p:cBhvr>
-                                      <p:tavLst>
-                                        <p:tav tm="0">
-                                          <p:val>
-                                            <p:strVal val="#ppt_x"/>
-                                          </p:val>
-                                        </p:tav>
-                                        <p:tav tm="100000">
-                                          <p:val>
-                                            <p:strVal val="#ppt_x"/>
-                                          </p:val>
-                                        </p:tav>
-                                      </p:tavLst>
-                                    </p:anim>
-                                    <p:anim calcmode="lin" valueType="num">
-                                      <p:cBhvr additive="base">
-                                        <p:cTn id="22" dur="500" fill="hold"/>
-                                        <p:tgtEl>
-                                          <p:spTgt spid="13"/>
-                                        </p:tgtEl>
-                                        <p:attrNameLst>
-                                          <p:attrName>ppt_y</p:attrName>
-                                        </p:attrNameLst>
-                                      </p:cBhvr>
-                                      <p:tavLst>
-                                        <p:tav tm="0">
-                                          <p:val>
-                                            <p:strVal val="1+#ppt_h/2"/>
-                                          </p:val>
-                                        </p:tav>
-                                        <p:tav tm="100000">
-                                          <p:val>
-                                            <p:strVal val="#ppt_y"/>
-                                          </p:val>
-                                        </p:tav>
-                                      </p:tavLst>
-                                    </p:anim>
-                                  </p:childTnLst>
-                                </p:cTn>
-                              </p:par>
-                              <p:par>
-                                <p:cTn id="23" presetID="2" presetClass="entr" presetSubtype="4" fill="hold" grpId="0" nodeType="withEffect">
-                                  <p:stCondLst>
-                                    <p:cond delay="0"/>
-                                  </p:stCondLst>
-                                  <p:childTnLst>
-                                    <p:set>
-                                      <p:cBhvr>
-                                        <p:cTn id="24" dur="1" fill="hold">
-                                          <p:stCondLst>
-                                            <p:cond delay="0"/>
-                                          </p:stCondLst>
-                                        </p:cTn>
-                                        <p:tgtEl>
-                                          <p:spTgt spid="12"/>
-                                        </p:tgtEl>
-                                        <p:attrNameLst>
-                                          <p:attrName>style.visibility</p:attrName>
-                                        </p:attrNameLst>
-                                      </p:cBhvr>
-                                      <p:to>
-                                        <p:strVal val="visible"/>
-                                      </p:to>
-                                    </p:set>
-                                    <p:anim calcmode="lin" valueType="num">
-                                      <p:cBhvr additive="base">
-                                        <p:cTn id="25" dur="500" fill="hold"/>
-                                        <p:tgtEl>
-                                          <p:spTgt spid="12"/>
-                                        </p:tgtEl>
-                                        <p:attrNameLst>
-                                          <p:attrName>ppt_x</p:attrName>
-                                        </p:attrNameLst>
-                                      </p:cBhvr>
-                                      <p:tavLst>
-                                        <p:tav tm="0">
-                                          <p:val>
-                                            <p:strVal val="#ppt_x"/>
-                                          </p:val>
-                                        </p:tav>
-                                        <p:tav tm="100000">
-                                          <p:val>
-                                            <p:strVal val="#ppt_x"/>
-                                          </p:val>
-                                        </p:tav>
-                                      </p:tavLst>
-                                    </p:anim>
-                                    <p:anim calcmode="lin" valueType="num">
-                                      <p:cBhvr additive="base">
-                                        <p:cTn id="26" dur="500" fill="hold"/>
-                                        <p:tgtEl>
-                                          <p:spTgt spid="12"/>
-                                        </p:tgtEl>
-                                        <p:attrNameLst>
-                                          <p:attrName>ppt_y</p:attrName>
-                                        </p:attrNameLst>
-                                      </p:cBhvr>
-                                      <p:tavLst>
-                                        <p:tav tm="0">
-                                          <p:val>
-                                            <p:strVal val="1+#ppt_h/2"/>
-                                          </p:val>
-                                        </p:tav>
-                                        <p:tav tm="100000">
-                                          <p:val>
-                                            <p:strVal val="#ppt_y"/>
-                                          </p:val>
-                                        </p:tav>
-                                      </p:tavLst>
-                                    </p:anim>
-                                  </p:childTnLst>
-                                </p:cTn>
-                              </p:par>
-                            </p:childTnLst>
-                          </p:cTn>
-                        </p:par>
-                      </p:childTnLst>
-                    </p:cTn>
-                  </p:par>
-                </p:childTnLst>
-              </p:cTn>
-              <p:prevCondLst>
-                <p:cond evt="onPrev" delay="0">
-                  <p:tgtEl>
-                    <p:sldTgt/>
-                  </p:tgtEl>
-                </p:cond>
-              </p:prevCondLst>
-              <p:nextCondLst>
-                <p:cond evt="onNext" delay="0">
-                  <p:tgtEl>
-                    <p:sldTgt/>
-                  </p:tgtEl>
-                </p:cond>
-              </p:nextCondLst>
-            </p:seq>
-          </p:childTnLst>
-        </p:cTn>
-      </p:par>
-    </p:tnLst>
-    <p:bldLst>
-      <p:bldP spid="8" grpId="0"/>
-      <p:bldP spid="9" grpId="0"/>
-      <p:bldP spid="10" grpId="0"/>
-      <p:bldP spid="13" grpId="0"/>
-      <p:bldP spid="12" grpId="0"/>
-    </p:bldLst>
-  </p:timing>
-</p:sld>
-</file>
-
-<file path=ppt/slides/slide13.xml><?xml version="1.0" encoding="utf-8"?>
-<p:sld xmlns:a="http://schemas.openxmlformats.org/drawingml/2006/main" xmlns:r="http://schemas.openxmlformats.org/officeDocument/2006/relationships" xmlns:p="http://schemas.openxmlformats.org/presentationml/2006/main">
-  <p:cSld>
-    <p:spTree>
-      <p:nvGrpSpPr>
-        <p:cNvPr id="1" name=""/>
-        <p:cNvGrpSpPr/>
-        <p:nvPr/>
-      </p:nvGrpSpPr>
-      <p:grpSpPr>
-        <a:xfrm>
-          <a:off x="0" y="0"/>
-          <a:ext cx="0" cy="0"/>
-          <a:chOff x="0" y="0"/>
-          <a:chExt cx="0" cy="0"/>
-        </a:xfrm>
-      </p:grpSpPr>
       <p:sp>
         <p:nvSpPr>
-          <p:cNvPr id="2" name="Rectangle 4"/>
+          <p:cNvPr id="7" name="Rectangle 5">
+            <a:extLst>
+              <a:ext uri="{FF2B5EF4-FFF2-40B4-BE49-F238E27FC236}">
+                <a16:creationId xmlns:a16="http://schemas.microsoft.com/office/drawing/2014/main" id="{D0B19934-BF97-FF4A-AC4D-3FA94E895FCE}"/>
+              </a:ext>
+            </a:extLst>
+          </p:cNvPr>
           <p:cNvSpPr>
             <a:spLocks noChangeArrowheads="1"/>
           </p:cNvSpPr>
@@ -6390,102 +5776,8 @@
         </p:nvSpPr>
         <p:spPr bwMode="auto">
           <a:xfrm>
-            <a:off x="231775" y="332601"/>
-            <a:ext cx="8607425" cy="1127125"/>
-          </a:xfrm>
-          <a:prstGeom prst="rect">
-            <a:avLst/>
-          </a:prstGeom>
-          <a:noFill/>
-          <a:ln w="9525">
-            <a:noFill/>
-            <a:round/>
-            <a:headEnd/>
-            <a:tailEnd/>
-          </a:ln>
-        </p:spPr>
-        <p:txBody>
-          <a:bodyPr lIns="0" tIns="0" rIns="0" bIns="0" anchor="ctr"/>
-          <a:lstStyle/>
-          <a:p>
-            <a:pPr algn="ctr">
-              <a:buClr>
-                <a:srgbClr val="000000"/>
-              </a:buClr>
-              <a:buSzPct val="100000"/>
-              <a:buFont typeface="Times New Roman" pitchFamily="18" charset="0"/>
-              <a:buNone/>
-              <a:tabLst>
-                <a:tab pos="0" algn="l"/>
-                <a:tab pos="914400" algn="l"/>
-                <a:tab pos="1828800" algn="l"/>
-                <a:tab pos="2743200" algn="l"/>
-                <a:tab pos="3657600" algn="l"/>
-                <a:tab pos="4572000" algn="l"/>
-                <a:tab pos="5486400" algn="l"/>
-                <a:tab pos="6400800" algn="l"/>
-                <a:tab pos="7315200" algn="l"/>
-                <a:tab pos="8229600" algn="l"/>
-                <a:tab pos="9144000" algn="l"/>
-                <a:tab pos="10058400" algn="l"/>
-              </a:tabLst>
-            </a:pPr>
-            <a:r>
-              <a:rPr lang="en-GB" sz="4000" dirty="0">
-                <a:solidFill>
-                  <a:srgbClr val="000000"/>
-                </a:solidFill>
-                <a:latin typeface="Times New Roman" pitchFamily="18" charset="0"/>
-              </a:rPr>
-              <a:t>How to Load Spreadsheets of Data:</a:t>
-            </a:r>
-          </a:p>
-        </p:txBody>
-      </p:sp>
-      <p:pic>
-        <p:nvPicPr>
-          <p:cNvPr id="3" name="Picture 2"/>
-          <p:cNvPicPr>
-            <a:picLocks noChangeAspect="1" noChangeArrowheads="1"/>
-          </p:cNvPicPr>
-          <p:nvPr/>
-        </p:nvPicPr>
-        <p:blipFill>
-          <a:blip r:embed="rId2" cstate="print"/>
-          <a:srcRect/>
-          <a:stretch>
-            <a:fillRect/>
-          </a:stretch>
-        </p:blipFill>
-        <p:spPr bwMode="auto">
-          <a:xfrm>
-            <a:off x="484188" y="76200"/>
-            <a:ext cx="8202612" cy="239712"/>
-          </a:xfrm>
-          <a:prstGeom prst="rect">
-            <a:avLst/>
-          </a:prstGeom>
-          <a:noFill/>
-          <a:ln w="9525">
-            <a:noFill/>
-            <a:round/>
-            <a:headEnd/>
-            <a:tailEnd/>
-          </a:ln>
-        </p:spPr>
-      </p:pic>
-      <p:sp>
-        <p:nvSpPr>
-          <p:cNvPr id="5" name="Rectangle 4"/>
-          <p:cNvSpPr>
-            <a:spLocks noChangeArrowheads="1"/>
-          </p:cNvSpPr>
-          <p:nvPr/>
-        </p:nvSpPr>
-        <p:spPr bwMode="auto">
-          <a:xfrm>
-            <a:off x="228600" y="1104210"/>
-            <a:ext cx="8686800" cy="1609579"/>
+            <a:off x="228600" y="5534561"/>
+            <a:ext cx="8686800" cy="1323439"/>
           </a:xfrm>
           <a:prstGeom prst="rect">
             <a:avLst/>
@@ -6535,472 +5827,6 @@
             </a:endParaRPr>
           </a:p>
           <a:p>
-            <a:pPr marL="430213" indent="-323850">
-              <a:spcBef>
-                <a:spcPts val="800"/>
-              </a:spcBef>
-              <a:buClr>
-                <a:srgbClr val="000000"/>
-              </a:buClr>
-              <a:buSzPct val="100000"/>
-              <a:buFont typeface="Arial"/>
-              <a:buChar char="•"/>
-              <a:tabLst>
-                <a:tab pos="430213" algn="l"/>
-                <a:tab pos="1344613" algn="l"/>
-                <a:tab pos="2259013" algn="l"/>
-                <a:tab pos="3173413" algn="l"/>
-                <a:tab pos="4087813" algn="l"/>
-                <a:tab pos="5002213" algn="l"/>
-                <a:tab pos="5916613" algn="l"/>
-                <a:tab pos="6831013" algn="l"/>
-                <a:tab pos="7745413" algn="l"/>
-                <a:tab pos="8659813" algn="l"/>
-                <a:tab pos="9574213" algn="l"/>
-                <a:tab pos="10488613" algn="l"/>
-              </a:tabLst>
-            </a:pPr>
-            <a:r>
-              <a:rPr lang="en-GB" sz="2800" dirty="0">
-                <a:solidFill>
-                  <a:srgbClr val="000000"/>
-                </a:solidFill>
-                <a:latin typeface="Times New Roman" pitchFamily="18" charset="0"/>
-              </a:rPr>
-              <a:t>Load a CSV file that is on your (mine actually…) Desktop. The file is called </a:t>
-            </a:r>
-            <a:r>
-              <a:rPr lang="en-GB" sz="2800" dirty="0" err="1">
-                <a:solidFill>
-                  <a:srgbClr val="000000"/>
-                </a:solidFill>
-                <a:latin typeface="Times New Roman" pitchFamily="18" charset="0"/>
-              </a:rPr>
-              <a:t>bigdata.csv</a:t>
-            </a:r>
-            <a:r>
-              <a:rPr lang="en-GB" sz="2800" dirty="0">
-                <a:solidFill>
-                  <a:srgbClr val="000000"/>
-                </a:solidFill>
-                <a:latin typeface="Times New Roman" pitchFamily="18" charset="0"/>
-              </a:rPr>
-              <a:t> and I made it in Excel:</a:t>
-            </a:r>
-          </a:p>
-        </p:txBody>
-      </p:sp>
-      <p:sp>
-        <p:nvSpPr>
-          <p:cNvPr id="6" name="Rectangle 5"/>
-          <p:cNvSpPr/>
-          <p:nvPr/>
-        </p:nvSpPr>
-        <p:spPr>
-          <a:xfrm>
-            <a:off x="385017" y="2996147"/>
-            <a:ext cx="8454183" cy="3139321"/>
-          </a:xfrm>
-          <a:prstGeom prst="rect">
-            <a:avLst/>
-          </a:prstGeom>
-          <a:solidFill>
-            <a:srgbClr val="000C78"/>
-          </a:solidFill>
-        </p:spPr>
-        <p:txBody>
-          <a:bodyPr wrap="square">
-            <a:spAutoFit/>
-          </a:bodyPr>
-          <a:lstStyle/>
-          <a:p>
-            <a:r>
-              <a:rPr lang="en-US" dirty="0">
-                <a:solidFill>
-                  <a:srgbClr val="FFFF00"/>
-                </a:solidFill>
-                <a:latin typeface="Courier"/>
-                <a:cs typeface="Courier"/>
-              </a:rPr>
-              <a:t># Load the spreadsheet:</a:t>
-            </a:r>
-          </a:p>
-          <a:p>
-            <a:r>
-              <a:rPr lang="en-US" dirty="0" err="1">
-                <a:solidFill>
-                  <a:schemeClr val="bg1"/>
-                </a:solidFill>
-                <a:latin typeface="Courier"/>
-                <a:cs typeface="Courier"/>
-              </a:rPr>
-              <a:t>dat</a:t>
-            </a:r>
-            <a:r>
-              <a:rPr lang="en-US" dirty="0">
-                <a:solidFill>
-                  <a:schemeClr val="bg1"/>
-                </a:solidFill>
-                <a:latin typeface="Courier"/>
-                <a:cs typeface="Courier"/>
-              </a:rPr>
-              <a:t> &lt;- </a:t>
-            </a:r>
-            <a:r>
-              <a:rPr lang="en-US" dirty="0" err="1">
-                <a:solidFill>
-                  <a:schemeClr val="bg1"/>
-                </a:solidFill>
-                <a:latin typeface="Courier"/>
-                <a:cs typeface="Courier"/>
-              </a:rPr>
-              <a:t>read.csv</a:t>
-            </a:r>
-            <a:r>
-              <a:rPr lang="en-US" dirty="0">
-                <a:solidFill>
-                  <a:schemeClr val="bg1"/>
-                </a:solidFill>
-                <a:latin typeface="Courier"/>
-                <a:cs typeface="Courier"/>
-              </a:rPr>
-              <a:t>(</a:t>
-            </a:r>
-            <a:r>
-              <a:rPr lang="en-US" dirty="0">
-                <a:solidFill>
-                  <a:srgbClr val="00B050"/>
-                </a:solidFill>
-                <a:latin typeface="Courier"/>
-                <a:cs typeface="Courier"/>
-              </a:rPr>
-              <a:t>"/Users/karen2/Desktop/</a:t>
-            </a:r>
-            <a:r>
-              <a:rPr lang="en-US" dirty="0" err="1">
-                <a:solidFill>
-                  <a:srgbClr val="00B050"/>
-                </a:solidFill>
-                <a:latin typeface="Courier"/>
-                <a:cs typeface="Courier"/>
-              </a:rPr>
-              <a:t>Glass.csv</a:t>
-            </a:r>
-            <a:r>
-              <a:rPr lang="en-US" dirty="0">
-                <a:solidFill>
-                  <a:srgbClr val="00B050"/>
-                </a:solidFill>
-                <a:latin typeface="Courier"/>
-                <a:cs typeface="Courier"/>
-              </a:rPr>
-              <a:t>"</a:t>
-            </a:r>
-            <a:r>
-              <a:rPr lang="en-US" dirty="0">
-                <a:solidFill>
-                  <a:schemeClr val="bg1"/>
-                </a:solidFill>
-                <a:latin typeface="Courier"/>
-                <a:cs typeface="Courier"/>
-              </a:rPr>
-              <a:t>)</a:t>
-            </a:r>
-          </a:p>
-          <a:p>
-            <a:endParaRPr lang="en-US" dirty="0">
-              <a:solidFill>
-                <a:schemeClr val="bg1"/>
-              </a:solidFill>
-              <a:latin typeface="Courier"/>
-              <a:cs typeface="Courier"/>
-            </a:endParaRPr>
-          </a:p>
-          <a:p>
-            <a:r>
-              <a:rPr lang="en-US" dirty="0">
-                <a:solidFill>
-                  <a:srgbClr val="FFFF00"/>
-                </a:solidFill>
-                <a:latin typeface="Courier"/>
-                <a:cs typeface="Courier"/>
-              </a:rPr>
-              <a:t># Extract column 1</a:t>
-            </a:r>
-          </a:p>
-          <a:p>
-            <a:r>
-              <a:rPr lang="en-US" dirty="0">
-                <a:solidFill>
-                  <a:schemeClr val="bg1"/>
-                </a:solidFill>
-                <a:latin typeface="Courier"/>
-                <a:cs typeface="Courier"/>
-              </a:rPr>
-              <a:t>x &lt;- </a:t>
-            </a:r>
-            <a:r>
-              <a:rPr lang="en-US" dirty="0" err="1">
-                <a:solidFill>
-                  <a:schemeClr val="bg1"/>
-                </a:solidFill>
-                <a:latin typeface="Courier"/>
-                <a:cs typeface="Courier"/>
-              </a:rPr>
-              <a:t>dat</a:t>
-            </a:r>
-            <a:r>
-              <a:rPr lang="en-US" dirty="0">
-                <a:solidFill>
-                  <a:schemeClr val="bg1"/>
-                </a:solidFill>
-                <a:latin typeface="Courier"/>
-                <a:cs typeface="Courier"/>
-              </a:rPr>
-              <a:t>[,1]</a:t>
-            </a:r>
-          </a:p>
-          <a:p>
-            <a:endParaRPr lang="en-US" dirty="0">
-              <a:solidFill>
-                <a:schemeClr val="bg1"/>
-              </a:solidFill>
-              <a:latin typeface="Courier"/>
-              <a:cs typeface="Courier"/>
-            </a:endParaRPr>
-          </a:p>
-          <a:p>
-            <a:r>
-              <a:rPr lang="en-US" dirty="0">
-                <a:solidFill>
-                  <a:srgbClr val="FFFF00"/>
-                </a:solidFill>
-                <a:latin typeface="Courier"/>
-                <a:cs typeface="Courier"/>
-              </a:rPr>
-              <a:t># Extract column 2</a:t>
-            </a:r>
-          </a:p>
-          <a:p>
-            <a:r>
-              <a:rPr lang="en-US" dirty="0">
-                <a:solidFill>
-                  <a:schemeClr val="bg1"/>
-                </a:solidFill>
-                <a:latin typeface="Courier"/>
-                <a:cs typeface="Courier"/>
-              </a:rPr>
-              <a:t>y &lt;- </a:t>
-            </a:r>
-            <a:r>
-              <a:rPr lang="en-US" dirty="0" err="1">
-                <a:solidFill>
-                  <a:schemeClr val="bg1"/>
-                </a:solidFill>
-                <a:latin typeface="Courier"/>
-                <a:cs typeface="Courier"/>
-              </a:rPr>
-              <a:t>dat</a:t>
-            </a:r>
-            <a:r>
-              <a:rPr lang="en-US" dirty="0">
-                <a:solidFill>
-                  <a:schemeClr val="bg1"/>
-                </a:solidFill>
-                <a:latin typeface="Courier"/>
-                <a:cs typeface="Courier"/>
-              </a:rPr>
-              <a:t>[,2]</a:t>
-            </a:r>
-          </a:p>
-          <a:p>
-            <a:endParaRPr lang="en-US" dirty="0">
-              <a:solidFill>
-                <a:schemeClr val="bg1"/>
-              </a:solidFill>
-              <a:latin typeface="Courier"/>
-              <a:cs typeface="Courier"/>
-            </a:endParaRPr>
-          </a:p>
-          <a:p>
-            <a:r>
-              <a:rPr lang="en-US" dirty="0">
-                <a:solidFill>
-                  <a:srgbClr val="FFFF00"/>
-                </a:solidFill>
-                <a:latin typeface="Courier"/>
-                <a:cs typeface="Courier"/>
-              </a:rPr>
-              <a:t># Plot the data:</a:t>
-            </a:r>
-          </a:p>
-          <a:p>
-            <a:r>
-              <a:rPr lang="en-US" dirty="0">
-                <a:solidFill>
-                  <a:schemeClr val="bg1"/>
-                </a:solidFill>
-                <a:latin typeface="Courier"/>
-                <a:cs typeface="Courier"/>
-              </a:rPr>
-              <a:t>plot(</a:t>
-            </a:r>
-            <a:r>
-              <a:rPr lang="en-US" dirty="0" err="1">
-                <a:solidFill>
-                  <a:schemeClr val="bg1"/>
-                </a:solidFill>
-                <a:latin typeface="Courier"/>
-                <a:cs typeface="Courier"/>
-              </a:rPr>
-              <a:t>x,y</a:t>
-            </a:r>
-            <a:r>
-              <a:rPr lang="en-US" dirty="0">
-                <a:solidFill>
-                  <a:schemeClr val="bg1"/>
-                </a:solidFill>
-                <a:latin typeface="Courier"/>
-                <a:cs typeface="Courier"/>
-              </a:rPr>
-              <a:t>)</a:t>
-            </a:r>
-          </a:p>
-        </p:txBody>
-      </p:sp>
-    </p:spTree>
-    <p:extLst>
-      <p:ext uri="{BB962C8B-B14F-4D97-AF65-F5344CB8AC3E}">
-        <p14:creationId xmlns:p14="http://schemas.microsoft.com/office/powerpoint/2010/main" val="2578768463"/>
-      </p:ext>
-    </p:extLst>
-  </p:cSld>
-  <p:clrMapOvr>
-    <a:masterClrMapping/>
-  </p:clrMapOvr>
-</p:sld>
-</file>
-
-<file path=ppt/slides/slide14.xml><?xml version="1.0" encoding="utf-8"?>
-<p:sld xmlns:a="http://schemas.openxmlformats.org/drawingml/2006/main" xmlns:r="http://schemas.openxmlformats.org/officeDocument/2006/relationships" xmlns:p="http://schemas.openxmlformats.org/presentationml/2006/main">
-  <p:cSld>
-    <p:spTree>
-      <p:nvGrpSpPr>
-        <p:cNvPr id="1" name=""/>
-        <p:cNvGrpSpPr/>
-        <p:nvPr/>
-      </p:nvGrpSpPr>
-      <p:grpSpPr>
-        <a:xfrm>
-          <a:off x="0" y="0"/>
-          <a:ext cx="0" cy="0"/>
-          <a:chOff x="0" y="0"/>
-          <a:chExt cx="0" cy="0"/>
-        </a:xfrm>
-      </p:grpSpPr>
-      <p:sp>
-        <p:nvSpPr>
-          <p:cNvPr id="2" name="Rectangle 5">
-            <a:extLst>
-              <a:ext uri="{FF2B5EF4-FFF2-40B4-BE49-F238E27FC236}">
-                <a16:creationId xmlns:a16="http://schemas.microsoft.com/office/drawing/2014/main" id="{C14E827E-6C98-4F37-8156-17ECD6940FE8}"/>
-              </a:ext>
-            </a:extLst>
-          </p:cNvPr>
-          <p:cNvSpPr>
-            <a:spLocks noChangeArrowheads="1"/>
-          </p:cNvSpPr>
-          <p:nvPr/>
-        </p:nvSpPr>
-        <p:spPr bwMode="auto">
-          <a:xfrm>
-            <a:off x="228600" y="1104211"/>
-            <a:ext cx="8686800" cy="5348372"/>
-          </a:xfrm>
-          <a:prstGeom prst="rect">
-            <a:avLst/>
-          </a:prstGeom>
-          <a:noFill/>
-          <a:ln w="9525">
-            <a:noFill/>
-            <a:round/>
-            <a:headEnd/>
-            <a:tailEnd/>
-          </a:ln>
-        </p:spPr>
-        <p:txBody>
-          <a:bodyPr lIns="0" tIns="0" rIns="0" bIns="0"/>
-          <a:lstStyle/>
-          <a:p>
-            <a:pPr marL="430213" indent="-323850">
-              <a:spcBef>
-                <a:spcPts val="800"/>
-              </a:spcBef>
-              <a:buClr>
-                <a:srgbClr val="000000"/>
-              </a:buClr>
-              <a:buSzPct val="100000"/>
-              <a:buFont typeface="Arial" charset="0"/>
-              <a:buNone/>
-              <a:tabLst>
-                <a:tab pos="430213" algn="l"/>
-                <a:tab pos="1344613" algn="l"/>
-                <a:tab pos="2259013" algn="l"/>
-                <a:tab pos="3173413" algn="l"/>
-                <a:tab pos="4087813" algn="l"/>
-                <a:tab pos="5002213" algn="l"/>
-                <a:tab pos="5916613" algn="l"/>
-                <a:tab pos="6831013" algn="l"/>
-                <a:tab pos="7745413" algn="l"/>
-                <a:tab pos="8659813" algn="l"/>
-                <a:tab pos="9574213" algn="l"/>
-                <a:tab pos="10488613" algn="l"/>
-              </a:tabLst>
-            </a:pPr>
-            <a:endParaRPr lang="en-GB" sz="1200" dirty="0">
-              <a:solidFill>
-                <a:srgbClr val="000000"/>
-              </a:solidFill>
-              <a:latin typeface="Times New Roman" pitchFamily="18" charset="0"/>
-            </a:endParaRPr>
-          </a:p>
-          <a:p>
-            <a:pPr marL="887413" lvl="1" indent="-323850">
-              <a:spcBef>
-                <a:spcPts val="800"/>
-              </a:spcBef>
-              <a:buClr>
-                <a:srgbClr val="000000"/>
-              </a:buClr>
-              <a:buSzPct val="100000"/>
-              <a:buFont typeface="Arial"/>
-              <a:buChar char="•"/>
-              <a:tabLst>
-                <a:tab pos="430213" algn="l"/>
-                <a:tab pos="1344613" algn="l"/>
-                <a:tab pos="2259013" algn="l"/>
-                <a:tab pos="3173413" algn="l"/>
-                <a:tab pos="4087813" algn="l"/>
-                <a:tab pos="5002213" algn="l"/>
-                <a:tab pos="5916613" algn="l"/>
-                <a:tab pos="6831013" algn="l"/>
-                <a:tab pos="7745413" algn="l"/>
-                <a:tab pos="8659813" algn="l"/>
-                <a:tab pos="9574213" algn="l"/>
-                <a:tab pos="10488613" algn="l"/>
-              </a:tabLst>
-            </a:pPr>
-            <a:r>
-              <a:rPr lang="en-GB" sz="3600" dirty="0">
-                <a:solidFill>
-                  <a:srgbClr val="000000"/>
-                </a:solidFill>
-                <a:latin typeface="Times New Roman" pitchFamily="18" charset="0"/>
-              </a:rPr>
-              <a:t>Input from Excel</a:t>
-            </a:r>
-          </a:p>
-          <a:p>
             <a:pPr marL="1344613" lvl="2" indent="-323850">
               <a:spcBef>
                 <a:spcPts val="800"/>
@@ -7027,13 +5853,22 @@
               </a:tabLst>
             </a:pPr>
             <a:r>
-              <a:rPr lang="en-GB" sz="2800" b="1" dirty="0">
+              <a:rPr lang="en-GB" sz="2800" dirty="0">
                 <a:solidFill>
                   <a:srgbClr val="000000"/>
                 </a:solidFill>
                 <a:latin typeface="Times New Roman" pitchFamily="18" charset="0"/>
               </a:rPr>
-              <a:t>Method 2</a:t>
+              <a:t>I don’t do this often, but I use </a:t>
+            </a:r>
+            <a:r>
+              <a:rPr lang="en-GB" sz="2800" dirty="0" err="1">
+                <a:solidFill>
+                  <a:srgbClr val="000000"/>
+                </a:solidFill>
+                <a:latin typeface="Times New Roman" pitchFamily="18" charset="0"/>
+              </a:rPr>
+              <a:t>github</a:t>
             </a:r>
             <a:r>
               <a:rPr lang="en-GB" sz="2800" dirty="0">
@@ -7042,55 +5877,7 @@
                 </a:solidFill>
                 <a:latin typeface="Times New Roman" pitchFamily="18" charset="0"/>
               </a:rPr>
-              <a:t>: An alternative is to use </a:t>
-            </a:r>
-            <a:r>
-              <a:rPr lang="en-GB" sz="2800" b="1" dirty="0" err="1">
-                <a:solidFill>
-                  <a:srgbClr val="000000"/>
-                </a:solidFill>
-                <a:latin typeface="Courier New" panose="02070309020205020404" pitchFamily="49" charset="0"/>
-                <a:cs typeface="Courier New" panose="02070309020205020404" pitchFamily="49" charset="0"/>
-              </a:rPr>
-              <a:t>file.choose</a:t>
-            </a:r>
-            <a:r>
-              <a:rPr lang="en-GB" sz="2800" b="1" dirty="0">
-                <a:solidFill>
-                  <a:srgbClr val="000000"/>
-                </a:solidFill>
-                <a:latin typeface="Courier New" panose="02070309020205020404" pitchFamily="49" charset="0"/>
-                <a:cs typeface="Courier New" panose="02070309020205020404" pitchFamily="49" charset="0"/>
-              </a:rPr>
-              <a:t>()</a:t>
-            </a:r>
-            <a:r>
-              <a:rPr lang="en-GB" sz="2800" dirty="0">
-                <a:solidFill>
-                  <a:srgbClr val="000000"/>
-                </a:solidFill>
-                <a:latin typeface="Times New Roman" pitchFamily="18" charset="0"/>
-              </a:rPr>
-              <a:t> function with </a:t>
-            </a:r>
-            <a:r>
-              <a:rPr lang="en-GB" sz="2800" b="1" dirty="0">
-                <a:solidFill>
-                  <a:srgbClr val="000000"/>
-                </a:solidFill>
-                <a:latin typeface="Courier New" panose="02070309020205020404" pitchFamily="49" charset="0"/>
-                <a:cs typeface="Courier New" panose="02070309020205020404" pitchFamily="49" charset="0"/>
-              </a:rPr>
-              <a:t>read.csv</a:t>
-            </a:r>
-            <a:r>
-              <a:rPr lang="en-GB" sz="2800" dirty="0">
-                <a:solidFill>
-                  <a:srgbClr val="000000"/>
-                </a:solidFill>
-                <a:latin typeface="Times New Roman" pitchFamily="18" charset="0"/>
-              </a:rPr>
-              <a:t>:</a:t>
+              <a:t> store/access CSV data for class if needed.</a:t>
             </a:r>
           </a:p>
           <a:p>
@@ -7128,462 +5915,20 @@
           </a:p>
         </p:txBody>
       </p:sp>
-      <p:sp>
-        <p:nvSpPr>
-          <p:cNvPr id="3" name="Rectangle 4">
-            <a:extLst>
-              <a:ext uri="{FF2B5EF4-FFF2-40B4-BE49-F238E27FC236}">
-                <a16:creationId xmlns:a16="http://schemas.microsoft.com/office/drawing/2014/main" id="{EA01C647-0C97-48D3-B8FA-E37647B9BC12}"/>
-              </a:ext>
-            </a:extLst>
-          </p:cNvPr>
-          <p:cNvSpPr>
-            <a:spLocks noChangeArrowheads="1"/>
-          </p:cNvSpPr>
-          <p:nvPr/>
-        </p:nvSpPr>
-        <p:spPr bwMode="auto">
-          <a:xfrm>
-            <a:off x="231775" y="332601"/>
-            <a:ext cx="8607425" cy="1127125"/>
-          </a:xfrm>
-          <a:prstGeom prst="rect">
-            <a:avLst/>
-          </a:prstGeom>
-          <a:noFill/>
-          <a:ln w="9525">
-            <a:noFill/>
-            <a:round/>
-            <a:headEnd/>
-            <a:tailEnd/>
-          </a:ln>
-        </p:spPr>
-        <p:txBody>
-          <a:bodyPr lIns="0" tIns="0" rIns="0" bIns="0" anchor="ctr"/>
-          <a:lstStyle/>
-          <a:p>
-            <a:pPr algn="ctr">
-              <a:buClr>
-                <a:srgbClr val="000000"/>
-              </a:buClr>
-              <a:buSzPct val="100000"/>
-              <a:buFont typeface="Times New Roman" pitchFamily="18" charset="0"/>
-              <a:buNone/>
-              <a:tabLst>
-                <a:tab pos="0" algn="l"/>
-                <a:tab pos="914400" algn="l"/>
-                <a:tab pos="1828800" algn="l"/>
-                <a:tab pos="2743200" algn="l"/>
-                <a:tab pos="3657600" algn="l"/>
-                <a:tab pos="4572000" algn="l"/>
-                <a:tab pos="5486400" algn="l"/>
-                <a:tab pos="6400800" algn="l"/>
-                <a:tab pos="7315200" algn="l"/>
-                <a:tab pos="8229600" algn="l"/>
-                <a:tab pos="9144000" algn="l"/>
-                <a:tab pos="10058400" algn="l"/>
-              </a:tabLst>
-            </a:pPr>
-            <a:r>
-              <a:rPr lang="en-GB" sz="4000" dirty="0">
-                <a:solidFill>
-                  <a:srgbClr val="000000"/>
-                </a:solidFill>
-                <a:latin typeface="Times New Roman" pitchFamily="18" charset="0"/>
-              </a:rPr>
-              <a:t>How to Load </a:t>
-            </a:r>
-            <a:r>
-              <a:rPr lang="en-GB" sz="4000" dirty="0" err="1">
-                <a:solidFill>
-                  <a:srgbClr val="000000"/>
-                </a:solidFill>
-                <a:latin typeface="Times New Roman" pitchFamily="18" charset="0"/>
-              </a:rPr>
-              <a:t>Spreadsheets</a:t>
-            </a:r>
-            <a:r>
-              <a:rPr lang="en-GB" sz="4000" dirty="0">
-                <a:solidFill>
-                  <a:srgbClr val="000000"/>
-                </a:solidFill>
-                <a:latin typeface="Times New Roman" pitchFamily="18" charset="0"/>
-              </a:rPr>
-              <a:t> of Data:</a:t>
-            </a:r>
-          </a:p>
-        </p:txBody>
-      </p:sp>
-      <p:pic>
-        <p:nvPicPr>
-          <p:cNvPr id="4" name="Picture 2">
-            <a:extLst>
-              <a:ext uri="{FF2B5EF4-FFF2-40B4-BE49-F238E27FC236}">
-                <a16:creationId xmlns:a16="http://schemas.microsoft.com/office/drawing/2014/main" id="{F89CC3E3-215C-41F5-A2BE-49C8DB71504C}"/>
-              </a:ext>
-            </a:extLst>
-          </p:cNvPr>
-          <p:cNvPicPr>
-            <a:picLocks noChangeAspect="1" noChangeArrowheads="1"/>
-          </p:cNvPicPr>
-          <p:nvPr/>
-        </p:nvPicPr>
-        <p:blipFill>
-          <a:blip r:embed="rId2" cstate="print"/>
-          <a:srcRect/>
-          <a:stretch>
-            <a:fillRect/>
-          </a:stretch>
-        </p:blipFill>
-        <p:spPr bwMode="auto">
-          <a:xfrm>
-            <a:off x="484188" y="76200"/>
-            <a:ext cx="8202612" cy="239712"/>
-          </a:xfrm>
-          <a:prstGeom prst="rect">
-            <a:avLst/>
-          </a:prstGeom>
-          <a:noFill/>
-          <a:ln w="9525">
-            <a:noFill/>
-            <a:round/>
-            <a:headEnd/>
-            <a:tailEnd/>
-          </a:ln>
-        </p:spPr>
-      </p:pic>
-      <p:sp>
-        <p:nvSpPr>
-          <p:cNvPr id="5" name="Rectangle 4">
-            <a:extLst>
-              <a:ext uri="{FF2B5EF4-FFF2-40B4-BE49-F238E27FC236}">
-                <a16:creationId xmlns:a16="http://schemas.microsoft.com/office/drawing/2014/main" id="{36B00B6D-FA84-4ACC-8D6D-5ECC0453DDA9}"/>
-              </a:ext>
-            </a:extLst>
-          </p:cNvPr>
-          <p:cNvSpPr/>
-          <p:nvPr/>
-        </p:nvSpPr>
-        <p:spPr>
-          <a:xfrm>
-            <a:off x="385017" y="3372095"/>
-            <a:ext cx="8454183" cy="1754326"/>
-          </a:xfrm>
-          <a:prstGeom prst="rect">
-            <a:avLst/>
-          </a:prstGeom>
-          <a:solidFill>
-            <a:srgbClr val="000C78"/>
-          </a:solidFill>
-        </p:spPr>
-        <p:txBody>
-          <a:bodyPr wrap="square">
-            <a:spAutoFit/>
-          </a:bodyPr>
-          <a:lstStyle/>
-          <a:p>
-            <a:r>
-              <a:rPr lang="en-US" dirty="0">
-                <a:solidFill>
-                  <a:srgbClr val="FFFF00"/>
-                </a:solidFill>
-                <a:latin typeface="Courier"/>
-                <a:cs typeface="Courier"/>
-              </a:rPr>
-              <a:t># </a:t>
-            </a:r>
-            <a:r>
-              <a:rPr lang="en-US" dirty="0" err="1">
-                <a:solidFill>
-                  <a:srgbClr val="FFFF00"/>
-                </a:solidFill>
-                <a:latin typeface="Courier"/>
-                <a:cs typeface="Courier"/>
-              </a:rPr>
-              <a:t>file.choose</a:t>
-            </a:r>
-            <a:r>
-              <a:rPr lang="en-US" dirty="0">
-                <a:solidFill>
-                  <a:srgbClr val="FFFF00"/>
-                </a:solidFill>
-                <a:latin typeface="Courier"/>
-                <a:cs typeface="Courier"/>
-              </a:rPr>
-              <a:t> lets you navigate to file you want and gets </a:t>
-            </a:r>
-          </a:p>
-          <a:p>
-            <a:r>
-              <a:rPr lang="en-US" dirty="0">
-                <a:solidFill>
-                  <a:srgbClr val="FFFF00"/>
-                </a:solidFill>
-                <a:latin typeface="Courier"/>
-                <a:cs typeface="Courier"/>
-              </a:rPr>
-              <a:t># its path:</a:t>
-            </a:r>
-          </a:p>
-          <a:p>
-            <a:r>
-              <a:rPr lang="en-US" dirty="0" err="1">
-                <a:solidFill>
-                  <a:schemeClr val="bg1"/>
-                </a:solidFill>
-                <a:latin typeface="Courier"/>
-                <a:cs typeface="Courier"/>
-              </a:rPr>
-              <a:t>apath</a:t>
-            </a:r>
-            <a:r>
-              <a:rPr lang="en-US" dirty="0">
-                <a:solidFill>
-                  <a:schemeClr val="bg1"/>
-                </a:solidFill>
-                <a:latin typeface="Courier"/>
-                <a:cs typeface="Courier"/>
-              </a:rPr>
-              <a:t> &lt;- </a:t>
-            </a:r>
-            <a:r>
-              <a:rPr lang="en-US" dirty="0" err="1">
-                <a:solidFill>
-                  <a:schemeClr val="bg1"/>
-                </a:solidFill>
-                <a:latin typeface="Courier"/>
-                <a:cs typeface="Courier"/>
-              </a:rPr>
-              <a:t>file.choose</a:t>
-            </a:r>
-            <a:r>
-              <a:rPr lang="en-US" dirty="0">
-                <a:solidFill>
-                  <a:schemeClr val="bg1"/>
-                </a:solidFill>
-                <a:latin typeface="Courier"/>
-                <a:cs typeface="Courier"/>
-              </a:rPr>
-              <a:t>()</a:t>
-            </a:r>
-          </a:p>
-          <a:p>
-            <a:endParaRPr lang="en-US" dirty="0">
-              <a:solidFill>
-                <a:schemeClr val="bg1"/>
-              </a:solidFill>
-              <a:latin typeface="Courier"/>
-              <a:cs typeface="Courier"/>
-            </a:endParaRPr>
-          </a:p>
-          <a:p>
-            <a:r>
-              <a:rPr lang="en-US" dirty="0">
-                <a:solidFill>
-                  <a:schemeClr val="bg1"/>
-                </a:solidFill>
-                <a:latin typeface="Courier"/>
-                <a:cs typeface="Courier"/>
-              </a:rPr>
-              <a:t>dat2 &lt;- read.csv(</a:t>
-            </a:r>
-            <a:r>
-              <a:rPr lang="en-US" dirty="0" err="1">
-                <a:solidFill>
-                  <a:schemeClr val="bg1"/>
-                </a:solidFill>
-                <a:latin typeface="Courier"/>
-                <a:cs typeface="Courier"/>
-              </a:rPr>
-              <a:t>apath</a:t>
-            </a:r>
-            <a:r>
-              <a:rPr lang="en-US" dirty="0">
-                <a:solidFill>
-                  <a:schemeClr val="bg1"/>
-                </a:solidFill>
-                <a:latin typeface="Courier"/>
-                <a:cs typeface="Courier"/>
-              </a:rPr>
-              <a:t>)</a:t>
-            </a:r>
-          </a:p>
-          <a:p>
-            <a:endParaRPr lang="en-US" dirty="0">
-              <a:solidFill>
-                <a:schemeClr val="bg1"/>
-              </a:solidFill>
-              <a:latin typeface="Courier"/>
-              <a:cs typeface="Courier"/>
-            </a:endParaRPr>
-          </a:p>
-        </p:txBody>
-      </p:sp>
-      <p:pic>
-        <p:nvPicPr>
-          <p:cNvPr id="6" name="Picture 5">
-            <a:extLst>
-              <a:ext uri="{FF2B5EF4-FFF2-40B4-BE49-F238E27FC236}">
-                <a16:creationId xmlns:a16="http://schemas.microsoft.com/office/drawing/2014/main" id="{7D74C0A5-9B1D-47D8-A802-81B6DA09D040}"/>
-              </a:ext>
-            </a:extLst>
-          </p:cNvPr>
-          <p:cNvPicPr>
-            <a:picLocks noChangeAspect="1"/>
-          </p:cNvPicPr>
-          <p:nvPr/>
-        </p:nvPicPr>
-        <p:blipFill>
-          <a:blip r:embed="rId3"/>
-          <a:stretch>
-            <a:fillRect/>
-          </a:stretch>
-        </p:blipFill>
-        <p:spPr>
-          <a:xfrm>
-            <a:off x="4439948" y="3778397"/>
-            <a:ext cx="4246852" cy="2900889"/>
-          </a:xfrm>
-          <a:prstGeom prst="rect">
-            <a:avLst/>
-          </a:prstGeom>
-        </p:spPr>
-      </p:pic>
     </p:spTree>
     <p:extLst>
       <p:ext uri="{BB962C8B-B14F-4D97-AF65-F5344CB8AC3E}">
-        <p14:creationId xmlns:p14="http://schemas.microsoft.com/office/powerpoint/2010/main" val="305010118"/>
+        <p14:creationId xmlns:p14="http://schemas.microsoft.com/office/powerpoint/2010/main" val="3813128221"/>
       </p:ext>
     </p:extLst>
   </p:cSld>
   <p:clrMapOvr>
     <a:masterClrMapping/>
   </p:clrMapOvr>
-  <p:timing>
-    <p:tnLst>
-      <p:par>
-        <p:cTn id="1" dur="indefinite" restart="never" nodeType="tmRoot">
-          <p:childTnLst>
-            <p:seq concurrent="1" nextAc="seek">
-              <p:cTn id="2" dur="indefinite" nodeType="mainSeq">
-                <p:childTnLst>
-                  <p:par>
-                    <p:cTn id="3" fill="hold">
-                      <p:stCondLst>
-                        <p:cond delay="indefinite"/>
-                      </p:stCondLst>
-                      <p:childTnLst>
-                        <p:par>
-                          <p:cTn id="4" fill="hold">
-                            <p:stCondLst>
-                              <p:cond delay="0"/>
-                            </p:stCondLst>
-                            <p:childTnLst>
-                              <p:par>
-                                <p:cTn id="5" presetID="2" presetClass="entr" presetSubtype="4" fill="hold" nodeType="clickEffect">
-                                  <p:stCondLst>
-                                    <p:cond delay="0"/>
-                                  </p:stCondLst>
-                                  <p:childTnLst>
-                                    <p:set>
-                                      <p:cBhvr>
-                                        <p:cTn id="6" dur="1" fill="hold">
-                                          <p:stCondLst>
-                                            <p:cond delay="0"/>
-                                          </p:stCondLst>
-                                        </p:cTn>
-                                        <p:tgtEl>
-                                          <p:spTgt spid="6"/>
-                                        </p:tgtEl>
-                                        <p:attrNameLst>
-                                          <p:attrName>style.visibility</p:attrName>
-                                        </p:attrNameLst>
-                                      </p:cBhvr>
-                                      <p:to>
-                                        <p:strVal val="visible"/>
-                                      </p:to>
-                                    </p:set>
-                                    <p:anim calcmode="lin" valueType="num">
-                                      <p:cBhvr additive="base">
-                                        <p:cTn id="7" dur="500" fill="hold"/>
-                                        <p:tgtEl>
-                                          <p:spTgt spid="6"/>
-                                        </p:tgtEl>
-                                        <p:attrNameLst>
-                                          <p:attrName>ppt_x</p:attrName>
-                                        </p:attrNameLst>
-                                      </p:cBhvr>
-                                      <p:tavLst>
-                                        <p:tav tm="0">
-                                          <p:val>
-                                            <p:strVal val="#ppt_x"/>
-                                          </p:val>
-                                        </p:tav>
-                                        <p:tav tm="100000">
-                                          <p:val>
-                                            <p:strVal val="#ppt_x"/>
-                                          </p:val>
-                                        </p:tav>
-                                      </p:tavLst>
-                                    </p:anim>
-                                    <p:anim calcmode="lin" valueType="num">
-                                      <p:cBhvr additive="base">
-                                        <p:cTn id="8" dur="500" fill="hold"/>
-                                        <p:tgtEl>
-                                          <p:spTgt spid="6"/>
-                                        </p:tgtEl>
-                                        <p:attrNameLst>
-                                          <p:attrName>ppt_y</p:attrName>
-                                        </p:attrNameLst>
-                                      </p:cBhvr>
-                                      <p:tavLst>
-                                        <p:tav tm="0">
-                                          <p:val>
-                                            <p:strVal val="1+#ppt_h/2"/>
-                                          </p:val>
-                                        </p:tav>
-                                        <p:tav tm="100000">
-                                          <p:val>
-                                            <p:strVal val="#ppt_y"/>
-                                          </p:val>
-                                        </p:tav>
-                                      </p:tavLst>
-                                    </p:anim>
-                                  </p:childTnLst>
-                                </p:cTn>
-                              </p:par>
-                            </p:childTnLst>
-                          </p:cTn>
-                        </p:par>
-                      </p:childTnLst>
-                    </p:cTn>
-                  </p:par>
-                </p:childTnLst>
-              </p:cTn>
-              <p:prevCondLst>
-                <p:cond evt="onPrev" delay="0">
-                  <p:tgtEl>
-                    <p:sldTgt/>
-                  </p:tgtEl>
-                </p:cond>
-              </p:prevCondLst>
-              <p:nextCondLst>
-                <p:cond evt="onNext" delay="0">
-                  <p:tgtEl>
-                    <p:sldTgt/>
-                  </p:tgtEl>
-                </p:cond>
-              </p:nextCondLst>
-            </p:seq>
-          </p:childTnLst>
-        </p:cTn>
-      </p:par>
-    </p:tnLst>
-  </p:timing>
 </p:sld>
 </file>
 
-<file path=ppt/slides/slide15.xml><?xml version="1.0" encoding="utf-8"?>
+<file path=ppt/slides/slide13.xml><?xml version="1.0" encoding="utf-8"?>
 <p:sld xmlns:a="http://schemas.openxmlformats.org/drawingml/2006/main" xmlns:r="http://schemas.openxmlformats.org/officeDocument/2006/relationships" xmlns:p="http://schemas.openxmlformats.org/presentationml/2006/main">
   <p:cSld>
     <p:spTree>
@@ -7602,13 +5947,7 @@
       </p:grpSpPr>
       <p:sp>
         <p:nvSpPr>
-          <p:cNvPr id="2" name="Rectangle 5">
-            <a:extLst>
-              <a:ext uri="{FF2B5EF4-FFF2-40B4-BE49-F238E27FC236}">
-                <a16:creationId xmlns:a16="http://schemas.microsoft.com/office/drawing/2014/main" id="{91E7B117-D0CB-49EC-AF46-979BCA1100AB}"/>
-              </a:ext>
-            </a:extLst>
-          </p:cNvPr>
+          <p:cNvPr id="11266" name="Rectangle 5"/>
           <p:cNvSpPr>
             <a:spLocks noChangeArrowheads="1"/>
           </p:cNvSpPr>
@@ -7616,8 +5955,8 @@
         </p:nvSpPr>
         <p:spPr bwMode="auto">
           <a:xfrm>
-            <a:off x="228600" y="1104211"/>
-            <a:ext cx="8686800" cy="3467789"/>
+            <a:off x="256673" y="1937038"/>
+            <a:ext cx="8686800" cy="3271572"/>
           </a:xfrm>
           <a:prstGeom prst="rect">
             <a:avLst/>
@@ -7633,39 +5972,6 @@
         <p:txBody>
           <a:bodyPr lIns="0" tIns="0" rIns="0" bIns="0"/>
           <a:lstStyle/>
-          <a:p>
-            <a:pPr marL="430213" indent="-323850">
-              <a:spcBef>
-                <a:spcPts val="800"/>
-              </a:spcBef>
-              <a:buClr>
-                <a:srgbClr val="000000"/>
-              </a:buClr>
-              <a:buSzPct val="100000"/>
-              <a:buFont typeface="Arial" charset="0"/>
-              <a:buNone/>
-              <a:tabLst>
-                <a:tab pos="430213" algn="l"/>
-                <a:tab pos="1344613" algn="l"/>
-                <a:tab pos="2259013" algn="l"/>
-                <a:tab pos="3173413" algn="l"/>
-                <a:tab pos="4087813" algn="l"/>
-                <a:tab pos="5002213" algn="l"/>
-                <a:tab pos="5916613" algn="l"/>
-                <a:tab pos="6831013" algn="l"/>
-                <a:tab pos="7745413" algn="l"/>
-                <a:tab pos="8659813" algn="l"/>
-                <a:tab pos="9574213" algn="l"/>
-                <a:tab pos="10488613" algn="l"/>
-              </a:tabLst>
-            </a:pPr>
-            <a:endParaRPr lang="en-GB" sz="1200" dirty="0">
-              <a:solidFill>
-                <a:srgbClr val="000000"/>
-              </a:solidFill>
-              <a:latin typeface="Times New Roman" pitchFamily="18" charset="0"/>
-            </a:endParaRPr>
-          </a:p>
           <a:p>
             <a:pPr marL="887413" lvl="1" indent="-323850">
               <a:spcBef>
@@ -7693,13 +5999,22 @@
               </a:tabLst>
             </a:pPr>
             <a:r>
-              <a:rPr lang="en-GB" sz="4000" dirty="0">
+              <a:rPr lang="en-GB" sz="2800" dirty="0">
                 <a:solidFill>
                   <a:srgbClr val="000000"/>
                 </a:solidFill>
                 <a:latin typeface="Times New Roman" pitchFamily="18" charset="0"/>
               </a:rPr>
-              <a:t>Input from Excel</a:t>
+              <a:t>Spreadsheets are called data frames, arrays or matrices in        : </a:t>
+            </a:r>
+            <a:r>
+              <a:rPr lang="en-GB" sz="2800" b="1" dirty="0">
+                <a:solidFill>
+                  <a:srgbClr val="000000"/>
+                </a:solidFill>
+                <a:latin typeface="Times New Roman" pitchFamily="18" charset="0"/>
+              </a:rPr>
+              <a:t>X</a:t>
             </a:r>
           </a:p>
           <a:p>
@@ -7729,40 +6044,22 @@
               </a:tabLst>
             </a:pPr>
             <a:r>
-              <a:rPr lang="en-GB" sz="3200" b="1" dirty="0">
+              <a:rPr lang="en-GB" sz="2400" dirty="0">
                 <a:solidFill>
                   <a:srgbClr val="000000"/>
                 </a:solidFill>
                 <a:latin typeface="Times New Roman" pitchFamily="18" charset="0"/>
               </a:rPr>
-              <a:t>Method 3</a:t>
-            </a:r>
-            <a:r>
-              <a:rPr lang="en-GB" sz="3200" dirty="0">
+              <a:t>X[,1] returns column 1 of matrix </a:t>
+            </a:r>
+            <a:r>
+              <a:rPr lang="en-GB" sz="2400" b="1" dirty="0">
                 <a:solidFill>
                   <a:srgbClr val="000000"/>
                 </a:solidFill>
                 <a:latin typeface="Times New Roman" pitchFamily="18" charset="0"/>
               </a:rPr>
-              <a:t>: We can load in a file directly from the internet using its </a:t>
-            </a:r>
-            <a:r>
-              <a:rPr lang="en-GB" sz="3200" dirty="0">
-                <a:solidFill>
-                  <a:srgbClr val="00B050"/>
-                </a:solidFill>
-                <a:latin typeface="Times New Roman" pitchFamily="18" charset="0"/>
-              </a:rPr>
-              <a:t>URL address</a:t>
-            </a:r>
-            <a:r>
-              <a:rPr lang="en-GB" sz="3200" dirty="0">
-                <a:solidFill>
-                  <a:srgbClr val="000000"/>
-                </a:solidFill>
-                <a:latin typeface="Times New Roman" pitchFamily="18" charset="0"/>
-              </a:rPr>
-              <a:t> (if we have a working internet connection):</a:t>
+              <a:t>X</a:t>
             </a:r>
           </a:p>
           <a:p>
@@ -7791,24 +6088,190 @@
                 <a:tab pos="10488613" algn="l"/>
               </a:tabLst>
             </a:pPr>
-            <a:endParaRPr lang="en-GB" sz="3200" dirty="0">
+            <a:r>
+              <a:rPr lang="en-GB" sz="2400" dirty="0">
+                <a:solidFill>
+                  <a:srgbClr val="000000"/>
+                </a:solidFill>
+                <a:latin typeface="Times New Roman" pitchFamily="18" charset="0"/>
+              </a:rPr>
+              <a:t>X[3,] returns row 3 of matrix </a:t>
+            </a:r>
+            <a:r>
+              <a:rPr lang="en-GB" sz="2400" b="1" dirty="0">
+                <a:solidFill>
+                  <a:srgbClr val="000000"/>
+                </a:solidFill>
+                <a:latin typeface="Times New Roman" pitchFamily="18" charset="0"/>
+              </a:rPr>
+              <a:t>X</a:t>
+            </a:r>
+          </a:p>
+          <a:p>
+            <a:pPr marL="1344613" lvl="2" indent="-323850">
+              <a:spcBef>
+                <a:spcPts val="800"/>
+              </a:spcBef>
+              <a:buClr>
+                <a:srgbClr val="000000"/>
+              </a:buClr>
+              <a:buSzPct val="100000"/>
+              <a:buFont typeface="Arial"/>
+              <a:buChar char="•"/>
+              <a:tabLst>
+                <a:tab pos="430213" algn="l"/>
+                <a:tab pos="1344613" algn="l"/>
+                <a:tab pos="2259013" algn="l"/>
+                <a:tab pos="3173413" algn="l"/>
+                <a:tab pos="4087813" algn="l"/>
+                <a:tab pos="5002213" algn="l"/>
+                <a:tab pos="5916613" algn="l"/>
+                <a:tab pos="6831013" algn="l"/>
+                <a:tab pos="7745413" algn="l"/>
+                <a:tab pos="8659813" algn="l"/>
+                <a:tab pos="9574213" algn="l"/>
+                <a:tab pos="10488613" algn="l"/>
+              </a:tabLst>
+            </a:pPr>
+            <a:r>
+              <a:rPr lang="en-GB" sz="2400" dirty="0">
+                <a:solidFill>
+                  <a:srgbClr val="000000"/>
+                </a:solidFill>
+                <a:latin typeface="Times New Roman" pitchFamily="18" charset="0"/>
+              </a:rPr>
+              <a:t>Handy functions for data frames and matrices:</a:t>
+            </a:r>
+          </a:p>
+          <a:p>
+            <a:pPr marL="1801813" lvl="3" indent="-323850">
+              <a:spcBef>
+                <a:spcPts val="800"/>
+              </a:spcBef>
+              <a:buClr>
+                <a:srgbClr val="000000"/>
+              </a:buClr>
+              <a:buSzPct val="100000"/>
+              <a:buFont typeface="Arial"/>
+              <a:buChar char="•"/>
+              <a:tabLst>
+                <a:tab pos="430213" algn="l"/>
+                <a:tab pos="1344613" algn="l"/>
+                <a:tab pos="2259013" algn="l"/>
+                <a:tab pos="3173413" algn="l"/>
+                <a:tab pos="4087813" algn="l"/>
+                <a:tab pos="5002213" algn="l"/>
+                <a:tab pos="5916613" algn="l"/>
+                <a:tab pos="6831013" algn="l"/>
+                <a:tab pos="7745413" algn="l"/>
+                <a:tab pos="8659813" algn="l"/>
+                <a:tab pos="9574213" algn="l"/>
+                <a:tab pos="10488613" algn="l"/>
+              </a:tabLst>
+            </a:pPr>
+            <a:r>
+              <a:rPr lang="en-GB" sz="2400" b="1" dirty="0">
+                <a:solidFill>
+                  <a:srgbClr val="000000"/>
+                </a:solidFill>
+                <a:latin typeface="Courier"/>
+                <a:cs typeface="Courier"/>
+              </a:rPr>
+              <a:t>dim</a:t>
+            </a:r>
+            <a:r>
+              <a:rPr lang="en-GB" sz="2400" dirty="0">
+                <a:solidFill>
+                  <a:srgbClr val="000000"/>
+                </a:solidFill>
+                <a:latin typeface="Courier"/>
+                <a:cs typeface="Courier"/>
+              </a:rPr>
+              <a:t>, </a:t>
+            </a:r>
+            <a:r>
+              <a:rPr lang="en-GB" sz="2400" b="1" dirty="0" err="1">
+                <a:solidFill>
+                  <a:srgbClr val="000000"/>
+                </a:solidFill>
+                <a:latin typeface="Courier"/>
+                <a:cs typeface="Courier"/>
+              </a:rPr>
+              <a:t>nrow</a:t>
+            </a:r>
+            <a:r>
+              <a:rPr lang="en-GB" sz="2400" dirty="0">
+                <a:solidFill>
+                  <a:srgbClr val="000000"/>
+                </a:solidFill>
+                <a:latin typeface="Courier"/>
+                <a:cs typeface="Courier"/>
+              </a:rPr>
+              <a:t>, </a:t>
+            </a:r>
+            <a:r>
+              <a:rPr lang="en-GB" sz="2400" b="1" dirty="0" err="1">
+                <a:solidFill>
+                  <a:srgbClr val="000000"/>
+                </a:solidFill>
+                <a:latin typeface="Courier"/>
+                <a:cs typeface="Courier"/>
+              </a:rPr>
+              <a:t>ncol</a:t>
+            </a:r>
+            <a:r>
+              <a:rPr lang="en-GB" sz="2400" dirty="0">
+                <a:solidFill>
+                  <a:srgbClr val="000000"/>
+                </a:solidFill>
+                <a:latin typeface="Courier"/>
+                <a:cs typeface="Courier"/>
+              </a:rPr>
+              <a:t>, </a:t>
+            </a:r>
+            <a:r>
+              <a:rPr lang="en-GB" sz="2400" b="1" dirty="0" err="1">
+                <a:solidFill>
+                  <a:srgbClr val="000000"/>
+                </a:solidFill>
+                <a:latin typeface="Courier"/>
+                <a:cs typeface="Courier"/>
+              </a:rPr>
+              <a:t>rbind</a:t>
+            </a:r>
+            <a:r>
+              <a:rPr lang="en-GB" sz="2400" dirty="0">
+                <a:solidFill>
+                  <a:srgbClr val="000000"/>
+                </a:solidFill>
+                <a:latin typeface="Courier"/>
+                <a:cs typeface="Courier"/>
+              </a:rPr>
+              <a:t>, </a:t>
+            </a:r>
+            <a:r>
+              <a:rPr lang="en-GB" sz="2400" b="1" dirty="0" err="1">
+                <a:solidFill>
+                  <a:srgbClr val="000000"/>
+                </a:solidFill>
+                <a:latin typeface="Courier"/>
+                <a:cs typeface="Courier"/>
+              </a:rPr>
+              <a:t>cbind</a:t>
+            </a:r>
+            <a:endParaRPr lang="en-GB" sz="2400" b="1" dirty="0">
               <a:solidFill>
                 <a:srgbClr val="000000"/>
               </a:solidFill>
-              <a:latin typeface="Times New Roman" pitchFamily="18" charset="0"/>
+              <a:latin typeface="Courier"/>
+              <a:cs typeface="Courier"/>
             </a:endParaRPr>
           </a:p>
         </p:txBody>
       </p:sp>
       <p:sp>
         <p:nvSpPr>
-          <p:cNvPr id="3" name="Rectangle 4">
-            <a:extLst>
-              <a:ext uri="{FF2B5EF4-FFF2-40B4-BE49-F238E27FC236}">
-                <a16:creationId xmlns:a16="http://schemas.microsoft.com/office/drawing/2014/main" id="{94AECD30-1CEA-46DB-9FB7-F711EA12D97F}"/>
-              </a:ext>
-            </a:extLst>
-          </p:cNvPr>
+          <p:cNvPr id="25603" name="Rectangle 4"/>
           <p:cNvSpPr>
             <a:spLocks noChangeArrowheads="1"/>
           </p:cNvSpPr>
@@ -7863,20 +6326,14 @@
                 </a:solidFill>
                 <a:latin typeface="Times New Roman" pitchFamily="18" charset="0"/>
               </a:rPr>
-              <a:t>How to Load Spreadsheets of Data:</a:t>
+              <a:t>Slicing and Dicing a Spreadsheets</a:t>
             </a:r>
           </a:p>
         </p:txBody>
       </p:sp>
       <p:pic>
         <p:nvPicPr>
-          <p:cNvPr id="4" name="Picture 2">
-            <a:extLst>
-              <a:ext uri="{FF2B5EF4-FFF2-40B4-BE49-F238E27FC236}">
-                <a16:creationId xmlns:a16="http://schemas.microsoft.com/office/drawing/2014/main" id="{731FD6D4-ABDF-4D8F-AC2A-888F0D4EC5B9}"/>
-              </a:ext>
-            </a:extLst>
-          </p:cNvPr>
+          <p:cNvPr id="7" name="Picture 2"/>
           <p:cNvPicPr>
             <a:picLocks noChangeAspect="1" noChangeArrowheads="1"/>
           </p:cNvPicPr>
@@ -7906,22 +6363,108 @@
           </a:ln>
         </p:spPr>
       </p:pic>
-      <p:sp>
-        <p:nvSpPr>
-          <p:cNvPr id="6" name="Rectangle 5">
+      <p:pic>
+        <p:nvPicPr>
+          <p:cNvPr id="5" name="Picture 4" descr="Rlogo.jpg">
             <a:extLst>
               <a:ext uri="{FF2B5EF4-FFF2-40B4-BE49-F238E27FC236}">
-                <a16:creationId xmlns:a16="http://schemas.microsoft.com/office/drawing/2014/main" id="{CA083E16-7BA4-474C-8727-392FDF517109}"/>
+                <a16:creationId xmlns:a16="http://schemas.microsoft.com/office/drawing/2014/main" id="{E5592301-E4E1-CC4C-AF73-505B80D970B3}"/>
               </a:ext>
             </a:extLst>
           </p:cNvPr>
+          <p:cNvPicPr>
+            <a:picLocks noChangeAspect="1"/>
+          </p:cNvPicPr>
+          <p:nvPr/>
+        </p:nvPicPr>
+        <p:blipFill>
+          <a:blip r:embed="rId3"/>
+          <a:stretch>
+            <a:fillRect/>
+          </a:stretch>
+        </p:blipFill>
+        <p:spPr>
+          <a:xfrm>
+            <a:off x="1539771" y="2390529"/>
+            <a:ext cx="496392" cy="377259"/>
+          </a:xfrm>
+          <a:prstGeom prst="rect">
+            <a:avLst/>
+          </a:prstGeom>
+        </p:spPr>
+      </p:pic>
+    </p:spTree>
+    <p:extLst>
+      <p:ext uri="{BB962C8B-B14F-4D97-AF65-F5344CB8AC3E}">
+        <p14:creationId xmlns:p14="http://schemas.microsoft.com/office/powerpoint/2010/main" val="140624585"/>
+      </p:ext>
+    </p:extLst>
+  </p:cSld>
+  <p:clrMapOvr>
+    <a:masterClrMapping/>
+  </p:clrMapOvr>
+</p:sld>
+</file>
+
+<file path=ppt/slides/slide14.xml><?xml version="1.0" encoding="utf-8"?>
+<p:sld xmlns:a="http://schemas.openxmlformats.org/drawingml/2006/main" xmlns:r="http://schemas.openxmlformats.org/officeDocument/2006/relationships" xmlns:p="http://schemas.openxmlformats.org/presentationml/2006/main">
+  <p:cSld>
+    <p:spTree>
+      <p:nvGrpSpPr>
+        <p:cNvPr id="1" name=""/>
+        <p:cNvGrpSpPr/>
+        <p:nvPr/>
+      </p:nvGrpSpPr>
+      <p:grpSpPr>
+        <a:xfrm>
+          <a:off x="0" y="0"/>
+          <a:ext cx="0" cy="0"/>
+          <a:chOff x="0" y="0"/>
+          <a:chExt cx="0" cy="0"/>
+        </a:xfrm>
+      </p:grpSpPr>
+      <p:pic>
+        <p:nvPicPr>
+          <p:cNvPr id="3" name="Picture 2"/>
+          <p:cNvPicPr>
+            <a:picLocks noChangeAspect="1" noChangeArrowheads="1"/>
+          </p:cNvPicPr>
+          <p:nvPr/>
+        </p:nvPicPr>
+        <p:blipFill>
+          <a:blip r:embed="rId2" cstate="print"/>
+          <a:srcRect/>
+          <a:stretch>
+            <a:fillRect/>
+          </a:stretch>
+        </p:blipFill>
+        <p:spPr bwMode="auto">
+          <a:xfrm>
+            <a:off x="484188" y="76200"/>
+            <a:ext cx="8202612" cy="239712"/>
+          </a:xfrm>
+          <a:prstGeom prst="rect">
+            <a:avLst/>
+          </a:prstGeom>
+          <a:noFill/>
+          <a:ln w="9525">
+            <a:noFill/>
+            <a:round/>
+            <a:headEnd/>
+            <a:tailEnd/>
+          </a:ln>
+        </p:spPr>
+      </p:pic>
+      <p:sp>
+        <p:nvSpPr>
+          <p:cNvPr id="4" name="Rectangle 3"/>
           <p:cNvSpPr/>
           <p:nvPr/>
         </p:nvSpPr>
         <p:spPr>
           <a:xfrm>
-            <a:off x="152400" y="4196185"/>
-            <a:ext cx="8867421" cy="1323439"/>
+            <a:off x="385017" y="1440889"/>
+            <a:ext cx="8454183" cy="4524316"/>
           </a:xfrm>
           <a:prstGeom prst="rect">
             <a:avLst/>
@@ -7937,18 +6480,110 @@
           <a:lstStyle/>
           <a:p>
             <a:r>
-              <a:rPr lang="en-US" sz="1600" dirty="0">
+              <a:rPr lang="en-US" dirty="0">
                 <a:solidFill>
                   <a:srgbClr val="FFFF00"/>
                 </a:solidFill>
                 <a:latin typeface="Courier"/>
                 <a:cs typeface="Courier"/>
               </a:rPr>
-              <a:t># A file on the internet. Use it’s URL to load: </a:t>
-            </a:r>
-          </a:p>
-          <a:p>
-            <a:endParaRPr lang="en-US" sz="1600" dirty="0">
+              <a:t># Enter some data in a Matrix:</a:t>
+            </a:r>
+          </a:p>
+          <a:p>
+            <a:r>
+              <a:rPr lang="en-US" dirty="0">
+                <a:solidFill>
+                  <a:schemeClr val="bg1"/>
+                </a:solidFill>
+                <a:latin typeface="Courier"/>
+                <a:cs typeface="Courier"/>
+              </a:rPr>
+              <a:t>X &lt;- </a:t>
+            </a:r>
+            <a:r>
+              <a:rPr lang="en-US" dirty="0" err="1">
+                <a:solidFill>
+                  <a:schemeClr val="bg1"/>
+                </a:solidFill>
+                <a:latin typeface="Courier"/>
+                <a:cs typeface="Courier"/>
+              </a:rPr>
+              <a:t>rbind</a:t>
+            </a:r>
+            <a:r>
+              <a:rPr lang="en-US" dirty="0">
+                <a:solidFill>
+                  <a:schemeClr val="bg1"/>
+                </a:solidFill>
+                <a:latin typeface="Courier"/>
+                <a:cs typeface="Courier"/>
+              </a:rPr>
+              <a:t>(</a:t>
+            </a:r>
+          </a:p>
+          <a:p>
+            <a:r>
+              <a:rPr lang="en-US" dirty="0">
+                <a:solidFill>
+                  <a:schemeClr val="bg1"/>
+                </a:solidFill>
+                <a:latin typeface="Courier"/>
+                <a:cs typeface="Courier"/>
+              </a:rPr>
+              <a:t>  c(0.99, 0.92, 0.84, 0.39, 0.36),</a:t>
+            </a:r>
+          </a:p>
+          <a:p>
+            <a:r>
+              <a:rPr lang="en-US" dirty="0">
+                <a:solidFill>
+                  <a:schemeClr val="bg1"/>
+                </a:solidFill>
+                <a:latin typeface="Courier"/>
+                <a:cs typeface="Courier"/>
+              </a:rPr>
+              <a:t>  c(0.87, 0.73, 0.80, 0.76, 0.87),</a:t>
+            </a:r>
+          </a:p>
+          <a:p>
+            <a:r>
+              <a:rPr lang="en-US" dirty="0">
+                <a:solidFill>
+                  <a:schemeClr val="bg1"/>
+                </a:solidFill>
+                <a:latin typeface="Courier"/>
+                <a:cs typeface="Courier"/>
+              </a:rPr>
+              <a:t>  c(0.50, 0.11, 0.14, 0.43, 0.62),</a:t>
+            </a:r>
+          </a:p>
+          <a:p>
+            <a:r>
+              <a:rPr lang="en-US" dirty="0">
+                <a:solidFill>
+                  <a:schemeClr val="bg1"/>
+                </a:solidFill>
+                <a:latin typeface="Courier"/>
+                <a:cs typeface="Courier"/>
+              </a:rPr>
+              <a:t>  c(0.08, 0.41, 0.68, 0.49, 0.02)</a:t>
+            </a:r>
+          </a:p>
+          <a:p>
+            <a:r>
+              <a:rPr lang="en-US" dirty="0">
+                <a:solidFill>
+                  <a:schemeClr val="bg1"/>
+                </a:solidFill>
+                <a:latin typeface="Courier"/>
+                <a:cs typeface="Courier"/>
+              </a:rPr>
+              <a:t>)</a:t>
+            </a:r>
+          </a:p>
+          <a:p>
+            <a:endParaRPr lang="en-US" dirty="0">
               <a:solidFill>
                 <a:schemeClr val="bg1"/>
               </a:solidFill>
@@ -7958,114 +6593,170 @@
           </a:p>
           <a:p>
             <a:r>
-              <a:rPr lang="en-US" sz="1600" dirty="0">
-                <a:solidFill>
-                  <a:schemeClr val="bg1"/>
+              <a:rPr lang="en-US" dirty="0">
+                <a:solidFill>
+                  <a:srgbClr val="FFFF00"/>
                 </a:solidFill>
                 <a:latin typeface="Courier"/>
                 <a:cs typeface="Courier"/>
               </a:rPr>
-              <a:t>dat3 &lt;- </a:t>
-            </a:r>
-            <a:r>
-              <a:rPr lang="en-US" sz="1600" dirty="0" err="1">
+              <a:t># What happens when we execute each of these line?:</a:t>
+            </a:r>
+            <a:endParaRPr lang="en-US" dirty="0">
+              <a:solidFill>
+                <a:schemeClr val="bg1"/>
+              </a:solidFill>
+              <a:latin typeface="Courier"/>
+              <a:cs typeface="Courier"/>
+            </a:endParaRPr>
+          </a:p>
+          <a:p>
+            <a:r>
+              <a:rPr lang="en-US" dirty="0">
                 <a:solidFill>
                   <a:schemeClr val="bg1"/>
                 </a:solidFill>
                 <a:latin typeface="Courier"/>
                 <a:cs typeface="Courier"/>
               </a:rPr>
-              <a:t>read.csv</a:t>
-            </a:r>
-            <a:r>
-              <a:rPr lang="en-US" sz="1600" dirty="0">
+              <a:t>X</a:t>
+            </a:r>
+          </a:p>
+          <a:p>
+            <a:r>
+              <a:rPr lang="en-US" dirty="0">
                 <a:solidFill>
                   <a:schemeClr val="bg1"/>
                 </a:solidFill>
                 <a:latin typeface="Courier"/>
                 <a:cs typeface="Courier"/>
               </a:rPr>
-              <a:t>(</a:t>
-            </a:r>
-            <a:r>
-              <a:rPr lang="en-US" sz="1600" dirty="0">
-                <a:solidFill>
-                  <a:srgbClr val="00B050"/>
+              <a:t>X[1,3]</a:t>
+            </a:r>
+          </a:p>
+          <a:p>
+            <a:r>
+              <a:rPr lang="en-US" dirty="0">
+                <a:solidFill>
+                  <a:schemeClr val="bg1"/>
                 </a:solidFill>
                 <a:latin typeface="Courier"/>
                 <a:cs typeface="Courier"/>
               </a:rPr>
-              <a:t>"https://</a:t>
-            </a:r>
-            <a:r>
-              <a:rPr lang="en-US" sz="1600" dirty="0" err="1">
-                <a:solidFill>
-                  <a:srgbClr val="00B050"/>
+              <a:t>X[2,]</a:t>
+            </a:r>
+          </a:p>
+          <a:p>
+            <a:r>
+              <a:rPr lang="en-US" dirty="0">
+                <a:solidFill>
+                  <a:schemeClr val="bg1"/>
                 </a:solidFill>
                 <a:latin typeface="Courier"/>
                 <a:cs typeface="Courier"/>
               </a:rPr>
-              <a:t>raw.githubusercontent.com</a:t>
-            </a:r>
-            <a:r>
-              <a:rPr lang="en-US" sz="1600" dirty="0">
-                <a:solidFill>
-                  <a:srgbClr val="00B050"/>
+              <a:t>X[,1]</a:t>
+            </a:r>
+          </a:p>
+          <a:p>
+            <a:r>
+              <a:rPr lang="en-US" dirty="0">
+                <a:solidFill>
+                  <a:schemeClr val="bg1"/>
                 </a:solidFill>
                 <a:latin typeface="Courier"/>
                 <a:cs typeface="Courier"/>
               </a:rPr>
-              <a:t>/</a:t>
-            </a:r>
-            <a:r>
-              <a:rPr lang="en-US" sz="1600" dirty="0" err="1">
-                <a:solidFill>
-                  <a:srgbClr val="00B050"/>
+              <a:t>X[5,]</a:t>
+            </a:r>
+          </a:p>
+          <a:p>
+            <a:r>
+              <a:rPr lang="en-US" dirty="0">
+                <a:solidFill>
+                  <a:schemeClr val="bg1"/>
                 </a:solidFill>
                 <a:latin typeface="Courier"/>
                 <a:cs typeface="Courier"/>
               </a:rPr>
-              <a:t>npetraco</a:t>
-            </a:r>
-            <a:r>
-              <a:rPr lang="en-US" sz="1600" dirty="0">
-                <a:solidFill>
-                  <a:srgbClr val="00B050"/>
-                </a:solidFill>
-                <a:latin typeface="Courier"/>
-                <a:cs typeface="Courier"/>
-              </a:rPr>
-              <a:t>/workshop21/master/data/</a:t>
-            </a:r>
-            <a:r>
-              <a:rPr lang="en-US" sz="1600" dirty="0" err="1">
-                <a:solidFill>
-                  <a:srgbClr val="00B050"/>
-                </a:solidFill>
-                <a:latin typeface="Courier"/>
-                <a:cs typeface="Courier"/>
-              </a:rPr>
-              <a:t>bigdata.csv</a:t>
-            </a:r>
-            <a:r>
-              <a:rPr lang="en-US" sz="1600" dirty="0">
-                <a:solidFill>
-                  <a:srgbClr val="00B050"/>
-                </a:solidFill>
-                <a:latin typeface="Courier"/>
-                <a:cs typeface="Courier"/>
-              </a:rPr>
-              <a:t>"</a:t>
-            </a:r>
-            <a:r>
-              <a:rPr lang="en-US" sz="1600" dirty="0">
-                <a:solidFill>
-                  <a:schemeClr val="bg1"/>
-                </a:solidFill>
-                <a:latin typeface="Courier"/>
-                <a:cs typeface="Courier"/>
-              </a:rPr>
-              <a:t>, header = F)</a:t>
+              <a:t>X[5]</a:t>
+            </a:r>
+          </a:p>
+          <a:p>
+            <a:endParaRPr lang="en-US" dirty="0">
+              <a:solidFill>
+                <a:schemeClr val="bg1"/>
+              </a:solidFill>
+              <a:latin typeface="Courier"/>
+              <a:cs typeface="Courier"/>
+            </a:endParaRPr>
+          </a:p>
+        </p:txBody>
+      </p:sp>
+      <p:sp>
+        <p:nvSpPr>
+          <p:cNvPr id="5" name="Rectangle 4">
+            <a:extLst>
+              <a:ext uri="{FF2B5EF4-FFF2-40B4-BE49-F238E27FC236}">
+                <a16:creationId xmlns:a16="http://schemas.microsoft.com/office/drawing/2014/main" id="{45D7E980-EE7B-F047-A1D7-2B9DA77449B1}"/>
+              </a:ext>
+            </a:extLst>
+          </p:cNvPr>
+          <p:cNvSpPr>
+            <a:spLocks noChangeArrowheads="1"/>
+          </p:cNvSpPr>
+          <p:nvPr/>
+        </p:nvSpPr>
+        <p:spPr bwMode="auto">
+          <a:xfrm>
+            <a:off x="231775" y="332601"/>
+            <a:ext cx="8607425" cy="1127125"/>
+          </a:xfrm>
+          <a:prstGeom prst="rect">
+            <a:avLst/>
+          </a:prstGeom>
+          <a:noFill/>
+          <a:ln w="9525">
+            <a:noFill/>
+            <a:round/>
+            <a:headEnd/>
+            <a:tailEnd/>
+          </a:ln>
+        </p:spPr>
+        <p:txBody>
+          <a:bodyPr lIns="0" tIns="0" rIns="0" bIns="0" anchor="ctr"/>
+          <a:lstStyle/>
+          <a:p>
+            <a:pPr algn="ctr">
+              <a:buClr>
+                <a:srgbClr val="000000"/>
+              </a:buClr>
+              <a:buSzPct val="100000"/>
+              <a:buFont typeface="Times New Roman" pitchFamily="18" charset="0"/>
+              <a:buNone/>
+              <a:tabLst>
+                <a:tab pos="0" algn="l"/>
+                <a:tab pos="914400" algn="l"/>
+                <a:tab pos="1828800" algn="l"/>
+                <a:tab pos="2743200" algn="l"/>
+                <a:tab pos="3657600" algn="l"/>
+                <a:tab pos="4572000" algn="l"/>
+                <a:tab pos="5486400" algn="l"/>
+                <a:tab pos="6400800" algn="l"/>
+                <a:tab pos="7315200" algn="l"/>
+                <a:tab pos="8229600" algn="l"/>
+                <a:tab pos="9144000" algn="l"/>
+                <a:tab pos="10058400" algn="l"/>
+              </a:tabLst>
+            </a:pPr>
+            <a:r>
+              <a:rPr lang="en-GB" sz="4000" dirty="0">
+                <a:solidFill>
+                  <a:srgbClr val="000000"/>
+                </a:solidFill>
+                <a:latin typeface="Times New Roman" pitchFamily="18" charset="0"/>
+              </a:rPr>
+              <a:t>Slicing and Dicing Spreadsheets</a:t>
             </a:r>
           </a:p>
         </p:txBody>
@@ -8073,7 +6764,161 @@
     </p:spTree>
     <p:extLst>
       <p:ext uri="{BB962C8B-B14F-4D97-AF65-F5344CB8AC3E}">
-        <p14:creationId xmlns:p14="http://schemas.microsoft.com/office/powerpoint/2010/main" val="3813128221"/>
+        <p14:creationId xmlns:p14="http://schemas.microsoft.com/office/powerpoint/2010/main" val="3261741665"/>
+      </p:ext>
+    </p:extLst>
+  </p:cSld>
+  <p:clrMapOvr>
+    <a:masterClrMapping/>
+  </p:clrMapOvr>
+</p:sld>
+</file>
+
+<file path=ppt/slides/slide15.xml><?xml version="1.0" encoding="utf-8"?>
+<p:sld xmlns:a="http://schemas.openxmlformats.org/drawingml/2006/main" xmlns:r="http://schemas.openxmlformats.org/officeDocument/2006/relationships" xmlns:p="http://schemas.openxmlformats.org/presentationml/2006/main">
+  <p:cSld>
+    <p:spTree>
+      <p:nvGrpSpPr>
+        <p:cNvPr id="1" name=""/>
+        <p:cNvGrpSpPr/>
+        <p:nvPr/>
+      </p:nvGrpSpPr>
+      <p:grpSpPr>
+        <a:xfrm>
+          <a:off x="0" y="0"/>
+          <a:ext cx="0" cy="0"/>
+          <a:chOff x="0" y="0"/>
+          <a:chExt cx="0" cy="0"/>
+        </a:xfrm>
+      </p:grpSpPr>
+      <p:pic>
+        <p:nvPicPr>
+          <p:cNvPr id="3" name="Picture 2"/>
+          <p:cNvPicPr>
+            <a:picLocks noChangeAspect="1" noChangeArrowheads="1"/>
+          </p:cNvPicPr>
+          <p:nvPr/>
+        </p:nvPicPr>
+        <p:blipFill>
+          <a:blip r:embed="rId2" cstate="print"/>
+          <a:srcRect/>
+          <a:stretch>
+            <a:fillRect/>
+          </a:stretch>
+        </p:blipFill>
+        <p:spPr bwMode="auto">
+          <a:xfrm>
+            <a:off x="484188" y="76200"/>
+            <a:ext cx="8202612" cy="239712"/>
+          </a:xfrm>
+          <a:prstGeom prst="rect">
+            <a:avLst/>
+          </a:prstGeom>
+          <a:noFill/>
+          <a:ln w="9525">
+            <a:noFill/>
+            <a:round/>
+            <a:headEnd/>
+            <a:tailEnd/>
+          </a:ln>
+        </p:spPr>
+      </p:pic>
+      <p:pic>
+        <p:nvPicPr>
+          <p:cNvPr id="5" name="Picture 4"/>
+          <p:cNvPicPr>
+            <a:picLocks noChangeAspect="1"/>
+          </p:cNvPicPr>
+          <p:nvPr/>
+        </p:nvPicPr>
+        <p:blipFill>
+          <a:blip r:embed="rId3"/>
+          <a:stretch>
+            <a:fillRect/>
+          </a:stretch>
+        </p:blipFill>
+        <p:spPr>
+          <a:xfrm>
+            <a:off x="2578100" y="1676400"/>
+            <a:ext cx="3987800" cy="3505200"/>
+          </a:xfrm>
+          <a:prstGeom prst="rect">
+            <a:avLst/>
+          </a:prstGeom>
+        </p:spPr>
+      </p:pic>
+      <p:sp>
+        <p:nvSpPr>
+          <p:cNvPr id="6" name="Rectangle 4">
+            <a:extLst>
+              <a:ext uri="{FF2B5EF4-FFF2-40B4-BE49-F238E27FC236}">
+                <a16:creationId xmlns:a16="http://schemas.microsoft.com/office/drawing/2014/main" id="{0CF9FAD9-C95C-AC4E-A9AB-7D93578F2CD2}"/>
+              </a:ext>
+            </a:extLst>
+          </p:cNvPr>
+          <p:cNvSpPr>
+            <a:spLocks noChangeArrowheads="1"/>
+          </p:cNvSpPr>
+          <p:nvPr/>
+        </p:nvSpPr>
+        <p:spPr bwMode="auto">
+          <a:xfrm>
+            <a:off x="231775" y="332601"/>
+            <a:ext cx="8607425" cy="1127125"/>
+          </a:xfrm>
+          <a:prstGeom prst="rect">
+            <a:avLst/>
+          </a:prstGeom>
+          <a:noFill/>
+          <a:ln w="9525">
+            <a:noFill/>
+            <a:round/>
+            <a:headEnd/>
+            <a:tailEnd/>
+          </a:ln>
+        </p:spPr>
+        <p:txBody>
+          <a:bodyPr lIns="0" tIns="0" rIns="0" bIns="0" anchor="ctr"/>
+          <a:lstStyle/>
+          <a:p>
+            <a:pPr algn="ctr">
+              <a:buClr>
+                <a:srgbClr val="000000"/>
+              </a:buClr>
+              <a:buSzPct val="100000"/>
+              <a:buFont typeface="Times New Roman" pitchFamily="18" charset="0"/>
+              <a:buNone/>
+              <a:tabLst>
+                <a:tab pos="0" algn="l"/>
+                <a:tab pos="914400" algn="l"/>
+                <a:tab pos="1828800" algn="l"/>
+                <a:tab pos="2743200" algn="l"/>
+                <a:tab pos="3657600" algn="l"/>
+                <a:tab pos="4572000" algn="l"/>
+                <a:tab pos="5486400" algn="l"/>
+                <a:tab pos="6400800" algn="l"/>
+                <a:tab pos="7315200" algn="l"/>
+                <a:tab pos="8229600" algn="l"/>
+                <a:tab pos="9144000" algn="l"/>
+                <a:tab pos="10058400" algn="l"/>
+              </a:tabLst>
+            </a:pPr>
+            <a:r>
+              <a:rPr lang="en-GB" sz="4000" dirty="0">
+                <a:solidFill>
+                  <a:srgbClr val="000000"/>
+                </a:solidFill>
+                <a:latin typeface="Times New Roman" pitchFamily="18" charset="0"/>
+              </a:rPr>
+              <a:t>Slicing and Dicing Spreadsheets</a:t>
+            </a:r>
+          </a:p>
+        </p:txBody>
+      </p:sp>
+    </p:spTree>
+    <p:extLst>
+      <p:ext uri="{BB962C8B-B14F-4D97-AF65-F5344CB8AC3E}">
+        <p14:creationId xmlns:p14="http://schemas.microsoft.com/office/powerpoint/2010/main" val="2644586837"/>
       </p:ext>
     </p:extLst>
   </p:cSld>
@@ -8110,1006 +6955,6 @@
         </p:nvSpPr>
         <p:spPr bwMode="auto">
           <a:xfrm>
-            <a:off x="256673" y="1937038"/>
-            <a:ext cx="8686800" cy="3271572"/>
-          </a:xfrm>
-          <a:prstGeom prst="rect">
-            <a:avLst/>
-          </a:prstGeom>
-          <a:noFill/>
-          <a:ln w="9525">
-            <a:noFill/>
-            <a:round/>
-            <a:headEnd/>
-            <a:tailEnd/>
-          </a:ln>
-        </p:spPr>
-        <p:txBody>
-          <a:bodyPr lIns="0" tIns="0" rIns="0" bIns="0"/>
-          <a:lstStyle/>
-          <a:p>
-            <a:pPr marL="887413" lvl="1" indent="-323850">
-              <a:spcBef>
-                <a:spcPts val="800"/>
-              </a:spcBef>
-              <a:buClr>
-                <a:srgbClr val="000000"/>
-              </a:buClr>
-              <a:buSzPct val="100000"/>
-              <a:buFont typeface="Arial"/>
-              <a:buChar char="•"/>
-              <a:tabLst>
-                <a:tab pos="430213" algn="l"/>
-                <a:tab pos="1344613" algn="l"/>
-                <a:tab pos="2259013" algn="l"/>
-                <a:tab pos="3173413" algn="l"/>
-                <a:tab pos="4087813" algn="l"/>
-                <a:tab pos="5002213" algn="l"/>
-                <a:tab pos="5916613" algn="l"/>
-                <a:tab pos="6831013" algn="l"/>
-                <a:tab pos="7745413" algn="l"/>
-                <a:tab pos="8659813" algn="l"/>
-                <a:tab pos="9574213" algn="l"/>
-                <a:tab pos="10488613" algn="l"/>
-              </a:tabLst>
-            </a:pPr>
-            <a:r>
-              <a:rPr lang="en-GB" sz="2800" dirty="0">
-                <a:solidFill>
-                  <a:srgbClr val="000000"/>
-                </a:solidFill>
-                <a:latin typeface="Times New Roman" pitchFamily="18" charset="0"/>
-              </a:rPr>
-              <a:t>Spreadsheets are called data frames, arrays or matrices in        : </a:t>
-            </a:r>
-            <a:r>
-              <a:rPr lang="en-GB" sz="2800" b="1" dirty="0">
-                <a:solidFill>
-                  <a:srgbClr val="000000"/>
-                </a:solidFill>
-                <a:latin typeface="Times New Roman" pitchFamily="18" charset="0"/>
-              </a:rPr>
-              <a:t>X</a:t>
-            </a:r>
-          </a:p>
-          <a:p>
-            <a:pPr marL="1344613" lvl="2" indent="-323850">
-              <a:spcBef>
-                <a:spcPts val="800"/>
-              </a:spcBef>
-              <a:buClr>
-                <a:srgbClr val="000000"/>
-              </a:buClr>
-              <a:buSzPct val="100000"/>
-              <a:buFont typeface="Arial"/>
-              <a:buChar char="•"/>
-              <a:tabLst>
-                <a:tab pos="430213" algn="l"/>
-                <a:tab pos="1344613" algn="l"/>
-                <a:tab pos="2259013" algn="l"/>
-                <a:tab pos="3173413" algn="l"/>
-                <a:tab pos="4087813" algn="l"/>
-                <a:tab pos="5002213" algn="l"/>
-                <a:tab pos="5916613" algn="l"/>
-                <a:tab pos="6831013" algn="l"/>
-                <a:tab pos="7745413" algn="l"/>
-                <a:tab pos="8659813" algn="l"/>
-                <a:tab pos="9574213" algn="l"/>
-                <a:tab pos="10488613" algn="l"/>
-              </a:tabLst>
-            </a:pPr>
-            <a:r>
-              <a:rPr lang="en-GB" sz="2400" dirty="0">
-                <a:solidFill>
-                  <a:srgbClr val="000000"/>
-                </a:solidFill>
-                <a:latin typeface="Times New Roman" pitchFamily="18" charset="0"/>
-              </a:rPr>
-              <a:t>X[,1] returns column 1 of matrix </a:t>
-            </a:r>
-            <a:r>
-              <a:rPr lang="en-GB" sz="2400" b="1" dirty="0">
-                <a:solidFill>
-                  <a:srgbClr val="000000"/>
-                </a:solidFill>
-                <a:latin typeface="Times New Roman" pitchFamily="18" charset="0"/>
-              </a:rPr>
-              <a:t>X</a:t>
-            </a:r>
-          </a:p>
-          <a:p>
-            <a:pPr marL="1344613" lvl="2" indent="-323850">
-              <a:spcBef>
-                <a:spcPts val="800"/>
-              </a:spcBef>
-              <a:buClr>
-                <a:srgbClr val="000000"/>
-              </a:buClr>
-              <a:buSzPct val="100000"/>
-              <a:buFont typeface="Arial"/>
-              <a:buChar char="•"/>
-              <a:tabLst>
-                <a:tab pos="430213" algn="l"/>
-                <a:tab pos="1344613" algn="l"/>
-                <a:tab pos="2259013" algn="l"/>
-                <a:tab pos="3173413" algn="l"/>
-                <a:tab pos="4087813" algn="l"/>
-                <a:tab pos="5002213" algn="l"/>
-                <a:tab pos="5916613" algn="l"/>
-                <a:tab pos="6831013" algn="l"/>
-                <a:tab pos="7745413" algn="l"/>
-                <a:tab pos="8659813" algn="l"/>
-                <a:tab pos="9574213" algn="l"/>
-                <a:tab pos="10488613" algn="l"/>
-              </a:tabLst>
-            </a:pPr>
-            <a:r>
-              <a:rPr lang="en-GB" sz="2400" dirty="0">
-                <a:solidFill>
-                  <a:srgbClr val="000000"/>
-                </a:solidFill>
-                <a:latin typeface="Times New Roman" pitchFamily="18" charset="0"/>
-              </a:rPr>
-              <a:t>X[3,] returns row 3 of matrix </a:t>
-            </a:r>
-            <a:r>
-              <a:rPr lang="en-GB" sz="2400" b="1" dirty="0">
-                <a:solidFill>
-                  <a:srgbClr val="000000"/>
-                </a:solidFill>
-                <a:latin typeface="Times New Roman" pitchFamily="18" charset="0"/>
-              </a:rPr>
-              <a:t>X</a:t>
-            </a:r>
-          </a:p>
-          <a:p>
-            <a:pPr marL="1344613" lvl="2" indent="-323850">
-              <a:spcBef>
-                <a:spcPts val="800"/>
-              </a:spcBef>
-              <a:buClr>
-                <a:srgbClr val="000000"/>
-              </a:buClr>
-              <a:buSzPct val="100000"/>
-              <a:buFont typeface="Arial"/>
-              <a:buChar char="•"/>
-              <a:tabLst>
-                <a:tab pos="430213" algn="l"/>
-                <a:tab pos="1344613" algn="l"/>
-                <a:tab pos="2259013" algn="l"/>
-                <a:tab pos="3173413" algn="l"/>
-                <a:tab pos="4087813" algn="l"/>
-                <a:tab pos="5002213" algn="l"/>
-                <a:tab pos="5916613" algn="l"/>
-                <a:tab pos="6831013" algn="l"/>
-                <a:tab pos="7745413" algn="l"/>
-                <a:tab pos="8659813" algn="l"/>
-                <a:tab pos="9574213" algn="l"/>
-                <a:tab pos="10488613" algn="l"/>
-              </a:tabLst>
-            </a:pPr>
-            <a:r>
-              <a:rPr lang="en-GB" sz="2400" dirty="0">
-                <a:solidFill>
-                  <a:srgbClr val="000000"/>
-                </a:solidFill>
-                <a:latin typeface="Times New Roman" pitchFamily="18" charset="0"/>
-              </a:rPr>
-              <a:t>Handy functions for data frames and matrices:</a:t>
-            </a:r>
-          </a:p>
-          <a:p>
-            <a:pPr marL="1801813" lvl="3" indent="-323850">
-              <a:spcBef>
-                <a:spcPts val="800"/>
-              </a:spcBef>
-              <a:buClr>
-                <a:srgbClr val="000000"/>
-              </a:buClr>
-              <a:buSzPct val="100000"/>
-              <a:buFont typeface="Arial"/>
-              <a:buChar char="•"/>
-              <a:tabLst>
-                <a:tab pos="430213" algn="l"/>
-                <a:tab pos="1344613" algn="l"/>
-                <a:tab pos="2259013" algn="l"/>
-                <a:tab pos="3173413" algn="l"/>
-                <a:tab pos="4087813" algn="l"/>
-                <a:tab pos="5002213" algn="l"/>
-                <a:tab pos="5916613" algn="l"/>
-                <a:tab pos="6831013" algn="l"/>
-                <a:tab pos="7745413" algn="l"/>
-                <a:tab pos="8659813" algn="l"/>
-                <a:tab pos="9574213" algn="l"/>
-                <a:tab pos="10488613" algn="l"/>
-              </a:tabLst>
-            </a:pPr>
-            <a:r>
-              <a:rPr lang="en-GB" sz="2400" b="1" dirty="0">
-                <a:solidFill>
-                  <a:srgbClr val="000000"/>
-                </a:solidFill>
-                <a:latin typeface="Courier"/>
-                <a:cs typeface="Courier"/>
-              </a:rPr>
-              <a:t>dim</a:t>
-            </a:r>
-            <a:r>
-              <a:rPr lang="en-GB" sz="2400" dirty="0">
-                <a:solidFill>
-                  <a:srgbClr val="000000"/>
-                </a:solidFill>
-                <a:latin typeface="Courier"/>
-                <a:cs typeface="Courier"/>
-              </a:rPr>
-              <a:t>, </a:t>
-            </a:r>
-            <a:r>
-              <a:rPr lang="en-GB" sz="2400" b="1" dirty="0" err="1">
-                <a:solidFill>
-                  <a:srgbClr val="000000"/>
-                </a:solidFill>
-                <a:latin typeface="Courier"/>
-                <a:cs typeface="Courier"/>
-              </a:rPr>
-              <a:t>nrow</a:t>
-            </a:r>
-            <a:r>
-              <a:rPr lang="en-GB" sz="2400" dirty="0">
-                <a:solidFill>
-                  <a:srgbClr val="000000"/>
-                </a:solidFill>
-                <a:latin typeface="Courier"/>
-                <a:cs typeface="Courier"/>
-              </a:rPr>
-              <a:t>, </a:t>
-            </a:r>
-            <a:r>
-              <a:rPr lang="en-GB" sz="2400" b="1" dirty="0" err="1">
-                <a:solidFill>
-                  <a:srgbClr val="000000"/>
-                </a:solidFill>
-                <a:latin typeface="Courier"/>
-                <a:cs typeface="Courier"/>
-              </a:rPr>
-              <a:t>ncol</a:t>
-            </a:r>
-            <a:r>
-              <a:rPr lang="en-GB" sz="2400" dirty="0">
-                <a:solidFill>
-                  <a:srgbClr val="000000"/>
-                </a:solidFill>
-                <a:latin typeface="Courier"/>
-                <a:cs typeface="Courier"/>
-              </a:rPr>
-              <a:t>, </a:t>
-            </a:r>
-            <a:r>
-              <a:rPr lang="en-GB" sz="2400" b="1" dirty="0" err="1">
-                <a:solidFill>
-                  <a:srgbClr val="000000"/>
-                </a:solidFill>
-                <a:latin typeface="Courier"/>
-                <a:cs typeface="Courier"/>
-              </a:rPr>
-              <a:t>rbind</a:t>
-            </a:r>
-            <a:r>
-              <a:rPr lang="en-GB" sz="2400" dirty="0">
-                <a:solidFill>
-                  <a:srgbClr val="000000"/>
-                </a:solidFill>
-                <a:latin typeface="Courier"/>
-                <a:cs typeface="Courier"/>
-              </a:rPr>
-              <a:t>, </a:t>
-            </a:r>
-            <a:r>
-              <a:rPr lang="en-GB" sz="2400" b="1" dirty="0" err="1">
-                <a:solidFill>
-                  <a:srgbClr val="000000"/>
-                </a:solidFill>
-                <a:latin typeface="Courier"/>
-                <a:cs typeface="Courier"/>
-              </a:rPr>
-              <a:t>cbind</a:t>
-            </a:r>
-            <a:endParaRPr lang="en-GB" sz="2400" b="1" dirty="0">
-              <a:solidFill>
-                <a:srgbClr val="000000"/>
-              </a:solidFill>
-              <a:latin typeface="Courier"/>
-              <a:cs typeface="Courier"/>
-            </a:endParaRPr>
-          </a:p>
-        </p:txBody>
-      </p:sp>
-      <p:sp>
-        <p:nvSpPr>
-          <p:cNvPr id="25603" name="Rectangle 4"/>
-          <p:cNvSpPr>
-            <a:spLocks noChangeArrowheads="1"/>
-          </p:cNvSpPr>
-          <p:nvPr/>
-        </p:nvSpPr>
-        <p:spPr bwMode="auto">
-          <a:xfrm>
-            <a:off x="231775" y="332601"/>
-            <a:ext cx="8607425" cy="1127125"/>
-          </a:xfrm>
-          <a:prstGeom prst="rect">
-            <a:avLst/>
-          </a:prstGeom>
-          <a:noFill/>
-          <a:ln w="9525">
-            <a:noFill/>
-            <a:round/>
-            <a:headEnd/>
-            <a:tailEnd/>
-          </a:ln>
-        </p:spPr>
-        <p:txBody>
-          <a:bodyPr lIns="0" tIns="0" rIns="0" bIns="0" anchor="ctr"/>
-          <a:lstStyle/>
-          <a:p>
-            <a:pPr algn="ctr">
-              <a:buClr>
-                <a:srgbClr val="000000"/>
-              </a:buClr>
-              <a:buSzPct val="100000"/>
-              <a:buFont typeface="Times New Roman" pitchFamily="18" charset="0"/>
-              <a:buNone/>
-              <a:tabLst>
-                <a:tab pos="0" algn="l"/>
-                <a:tab pos="914400" algn="l"/>
-                <a:tab pos="1828800" algn="l"/>
-                <a:tab pos="2743200" algn="l"/>
-                <a:tab pos="3657600" algn="l"/>
-                <a:tab pos="4572000" algn="l"/>
-                <a:tab pos="5486400" algn="l"/>
-                <a:tab pos="6400800" algn="l"/>
-                <a:tab pos="7315200" algn="l"/>
-                <a:tab pos="8229600" algn="l"/>
-                <a:tab pos="9144000" algn="l"/>
-                <a:tab pos="10058400" algn="l"/>
-              </a:tabLst>
-            </a:pPr>
-            <a:r>
-              <a:rPr lang="en-GB" sz="4000" dirty="0">
-                <a:solidFill>
-                  <a:srgbClr val="000000"/>
-                </a:solidFill>
-                <a:latin typeface="Times New Roman" pitchFamily="18" charset="0"/>
-              </a:rPr>
-              <a:t>Slicing and Dicing a Spreadsheets</a:t>
-            </a:r>
-          </a:p>
-        </p:txBody>
-      </p:sp>
-      <p:pic>
-        <p:nvPicPr>
-          <p:cNvPr id="7" name="Picture 2"/>
-          <p:cNvPicPr>
-            <a:picLocks noChangeAspect="1" noChangeArrowheads="1"/>
-          </p:cNvPicPr>
-          <p:nvPr/>
-        </p:nvPicPr>
-        <p:blipFill>
-          <a:blip r:embed="rId2" cstate="print"/>
-          <a:srcRect/>
-          <a:stretch>
-            <a:fillRect/>
-          </a:stretch>
-        </p:blipFill>
-        <p:spPr bwMode="auto">
-          <a:xfrm>
-            <a:off x="484188" y="76200"/>
-            <a:ext cx="8202612" cy="239712"/>
-          </a:xfrm>
-          <a:prstGeom prst="rect">
-            <a:avLst/>
-          </a:prstGeom>
-          <a:noFill/>
-          <a:ln w="9525">
-            <a:noFill/>
-            <a:round/>
-            <a:headEnd/>
-            <a:tailEnd/>
-          </a:ln>
-        </p:spPr>
-      </p:pic>
-      <p:pic>
-        <p:nvPicPr>
-          <p:cNvPr id="5" name="Picture 4" descr="Rlogo.jpg">
-            <a:extLst>
-              <a:ext uri="{FF2B5EF4-FFF2-40B4-BE49-F238E27FC236}">
-                <a16:creationId xmlns:a16="http://schemas.microsoft.com/office/drawing/2014/main" id="{E5592301-E4E1-CC4C-AF73-505B80D970B3}"/>
-              </a:ext>
-            </a:extLst>
-          </p:cNvPr>
-          <p:cNvPicPr>
-            <a:picLocks noChangeAspect="1"/>
-          </p:cNvPicPr>
-          <p:nvPr/>
-        </p:nvPicPr>
-        <p:blipFill>
-          <a:blip r:embed="rId3"/>
-          <a:stretch>
-            <a:fillRect/>
-          </a:stretch>
-        </p:blipFill>
-        <p:spPr>
-          <a:xfrm>
-            <a:off x="1539771" y="2390529"/>
-            <a:ext cx="496392" cy="377259"/>
-          </a:xfrm>
-          <a:prstGeom prst="rect">
-            <a:avLst/>
-          </a:prstGeom>
-        </p:spPr>
-      </p:pic>
-    </p:spTree>
-    <p:extLst>
-      <p:ext uri="{BB962C8B-B14F-4D97-AF65-F5344CB8AC3E}">
-        <p14:creationId xmlns:p14="http://schemas.microsoft.com/office/powerpoint/2010/main" val="140624585"/>
-      </p:ext>
-    </p:extLst>
-  </p:cSld>
-  <p:clrMapOvr>
-    <a:masterClrMapping/>
-  </p:clrMapOvr>
-</p:sld>
-</file>
-
-<file path=ppt/slides/slide17.xml><?xml version="1.0" encoding="utf-8"?>
-<p:sld xmlns:a="http://schemas.openxmlformats.org/drawingml/2006/main" xmlns:r="http://schemas.openxmlformats.org/officeDocument/2006/relationships" xmlns:p="http://schemas.openxmlformats.org/presentationml/2006/main">
-  <p:cSld>
-    <p:spTree>
-      <p:nvGrpSpPr>
-        <p:cNvPr id="1" name=""/>
-        <p:cNvGrpSpPr/>
-        <p:nvPr/>
-      </p:nvGrpSpPr>
-      <p:grpSpPr>
-        <a:xfrm>
-          <a:off x="0" y="0"/>
-          <a:ext cx="0" cy="0"/>
-          <a:chOff x="0" y="0"/>
-          <a:chExt cx="0" cy="0"/>
-        </a:xfrm>
-      </p:grpSpPr>
-      <p:pic>
-        <p:nvPicPr>
-          <p:cNvPr id="3" name="Picture 2"/>
-          <p:cNvPicPr>
-            <a:picLocks noChangeAspect="1" noChangeArrowheads="1"/>
-          </p:cNvPicPr>
-          <p:nvPr/>
-        </p:nvPicPr>
-        <p:blipFill>
-          <a:blip r:embed="rId2" cstate="print"/>
-          <a:srcRect/>
-          <a:stretch>
-            <a:fillRect/>
-          </a:stretch>
-        </p:blipFill>
-        <p:spPr bwMode="auto">
-          <a:xfrm>
-            <a:off x="484188" y="76200"/>
-            <a:ext cx="8202612" cy="239712"/>
-          </a:xfrm>
-          <a:prstGeom prst="rect">
-            <a:avLst/>
-          </a:prstGeom>
-          <a:noFill/>
-          <a:ln w="9525">
-            <a:noFill/>
-            <a:round/>
-            <a:headEnd/>
-            <a:tailEnd/>
-          </a:ln>
-        </p:spPr>
-      </p:pic>
-      <p:sp>
-        <p:nvSpPr>
-          <p:cNvPr id="4" name="Rectangle 3"/>
-          <p:cNvSpPr/>
-          <p:nvPr/>
-        </p:nvSpPr>
-        <p:spPr>
-          <a:xfrm>
-            <a:off x="385017" y="1440889"/>
-            <a:ext cx="8454183" cy="4524316"/>
-          </a:xfrm>
-          <a:prstGeom prst="rect">
-            <a:avLst/>
-          </a:prstGeom>
-          <a:solidFill>
-            <a:srgbClr val="000C78"/>
-          </a:solidFill>
-        </p:spPr>
-        <p:txBody>
-          <a:bodyPr wrap="square">
-            <a:spAutoFit/>
-          </a:bodyPr>
-          <a:lstStyle/>
-          <a:p>
-            <a:r>
-              <a:rPr lang="en-US" dirty="0">
-                <a:solidFill>
-                  <a:srgbClr val="FFFF00"/>
-                </a:solidFill>
-                <a:latin typeface="Courier"/>
-                <a:cs typeface="Courier"/>
-              </a:rPr>
-              <a:t># Enter some data in a Matrix:</a:t>
-            </a:r>
-          </a:p>
-          <a:p>
-            <a:r>
-              <a:rPr lang="en-US" dirty="0">
-                <a:solidFill>
-                  <a:schemeClr val="bg1"/>
-                </a:solidFill>
-                <a:latin typeface="Courier"/>
-                <a:cs typeface="Courier"/>
-              </a:rPr>
-              <a:t>X &lt;- </a:t>
-            </a:r>
-            <a:r>
-              <a:rPr lang="en-US" dirty="0" err="1">
-                <a:solidFill>
-                  <a:schemeClr val="bg1"/>
-                </a:solidFill>
-                <a:latin typeface="Courier"/>
-                <a:cs typeface="Courier"/>
-              </a:rPr>
-              <a:t>rbind</a:t>
-            </a:r>
-            <a:r>
-              <a:rPr lang="en-US" dirty="0">
-                <a:solidFill>
-                  <a:schemeClr val="bg1"/>
-                </a:solidFill>
-                <a:latin typeface="Courier"/>
-                <a:cs typeface="Courier"/>
-              </a:rPr>
-              <a:t>(</a:t>
-            </a:r>
-          </a:p>
-          <a:p>
-            <a:r>
-              <a:rPr lang="en-US" dirty="0">
-                <a:solidFill>
-                  <a:schemeClr val="bg1"/>
-                </a:solidFill>
-                <a:latin typeface="Courier"/>
-                <a:cs typeface="Courier"/>
-              </a:rPr>
-              <a:t>  c(0.99, 0.92, 0.84, 0.39, 0.36),</a:t>
-            </a:r>
-          </a:p>
-          <a:p>
-            <a:r>
-              <a:rPr lang="en-US" dirty="0">
-                <a:solidFill>
-                  <a:schemeClr val="bg1"/>
-                </a:solidFill>
-                <a:latin typeface="Courier"/>
-                <a:cs typeface="Courier"/>
-              </a:rPr>
-              <a:t>  c(0.87, 0.73, 0.80, 0.76, 0.87),</a:t>
-            </a:r>
-          </a:p>
-          <a:p>
-            <a:r>
-              <a:rPr lang="en-US" dirty="0">
-                <a:solidFill>
-                  <a:schemeClr val="bg1"/>
-                </a:solidFill>
-                <a:latin typeface="Courier"/>
-                <a:cs typeface="Courier"/>
-              </a:rPr>
-              <a:t>  c(0.50, 0.11, 0.14, 0.43, 0.62),</a:t>
-            </a:r>
-          </a:p>
-          <a:p>
-            <a:r>
-              <a:rPr lang="en-US" dirty="0">
-                <a:solidFill>
-                  <a:schemeClr val="bg1"/>
-                </a:solidFill>
-                <a:latin typeface="Courier"/>
-                <a:cs typeface="Courier"/>
-              </a:rPr>
-              <a:t>  c(0.08, 0.41, 0.68, 0.49, 0.02)</a:t>
-            </a:r>
-          </a:p>
-          <a:p>
-            <a:r>
-              <a:rPr lang="en-US" dirty="0">
-                <a:solidFill>
-                  <a:schemeClr val="bg1"/>
-                </a:solidFill>
-                <a:latin typeface="Courier"/>
-                <a:cs typeface="Courier"/>
-              </a:rPr>
-              <a:t>)</a:t>
-            </a:r>
-          </a:p>
-          <a:p>
-            <a:endParaRPr lang="en-US" dirty="0">
-              <a:solidFill>
-                <a:schemeClr val="bg1"/>
-              </a:solidFill>
-              <a:latin typeface="Courier"/>
-              <a:cs typeface="Courier"/>
-            </a:endParaRPr>
-          </a:p>
-          <a:p>
-            <a:r>
-              <a:rPr lang="en-US" dirty="0">
-                <a:solidFill>
-                  <a:srgbClr val="FFFF00"/>
-                </a:solidFill>
-                <a:latin typeface="Courier"/>
-                <a:cs typeface="Courier"/>
-              </a:rPr>
-              <a:t># What happens when we execute each of these line?:</a:t>
-            </a:r>
-            <a:endParaRPr lang="en-US" dirty="0">
-              <a:solidFill>
-                <a:schemeClr val="bg1"/>
-              </a:solidFill>
-              <a:latin typeface="Courier"/>
-              <a:cs typeface="Courier"/>
-            </a:endParaRPr>
-          </a:p>
-          <a:p>
-            <a:r>
-              <a:rPr lang="en-US" dirty="0">
-                <a:solidFill>
-                  <a:schemeClr val="bg1"/>
-                </a:solidFill>
-                <a:latin typeface="Courier"/>
-                <a:cs typeface="Courier"/>
-              </a:rPr>
-              <a:t>X</a:t>
-            </a:r>
-          </a:p>
-          <a:p>
-            <a:r>
-              <a:rPr lang="en-US" dirty="0">
-                <a:solidFill>
-                  <a:schemeClr val="bg1"/>
-                </a:solidFill>
-                <a:latin typeface="Courier"/>
-                <a:cs typeface="Courier"/>
-              </a:rPr>
-              <a:t>X[1,3]</a:t>
-            </a:r>
-          </a:p>
-          <a:p>
-            <a:r>
-              <a:rPr lang="en-US" dirty="0">
-                <a:solidFill>
-                  <a:schemeClr val="bg1"/>
-                </a:solidFill>
-                <a:latin typeface="Courier"/>
-                <a:cs typeface="Courier"/>
-              </a:rPr>
-              <a:t>X[2,]</a:t>
-            </a:r>
-          </a:p>
-          <a:p>
-            <a:r>
-              <a:rPr lang="en-US" dirty="0">
-                <a:solidFill>
-                  <a:schemeClr val="bg1"/>
-                </a:solidFill>
-                <a:latin typeface="Courier"/>
-                <a:cs typeface="Courier"/>
-              </a:rPr>
-              <a:t>X[,1]</a:t>
-            </a:r>
-          </a:p>
-          <a:p>
-            <a:r>
-              <a:rPr lang="en-US" dirty="0">
-                <a:solidFill>
-                  <a:schemeClr val="bg1"/>
-                </a:solidFill>
-                <a:latin typeface="Courier"/>
-                <a:cs typeface="Courier"/>
-              </a:rPr>
-              <a:t>X[5,]</a:t>
-            </a:r>
-          </a:p>
-          <a:p>
-            <a:r>
-              <a:rPr lang="en-US" dirty="0">
-                <a:solidFill>
-                  <a:schemeClr val="bg1"/>
-                </a:solidFill>
-                <a:latin typeface="Courier"/>
-                <a:cs typeface="Courier"/>
-              </a:rPr>
-              <a:t>X[5]</a:t>
-            </a:r>
-          </a:p>
-          <a:p>
-            <a:endParaRPr lang="en-US" dirty="0">
-              <a:solidFill>
-                <a:schemeClr val="bg1"/>
-              </a:solidFill>
-              <a:latin typeface="Courier"/>
-              <a:cs typeface="Courier"/>
-            </a:endParaRPr>
-          </a:p>
-        </p:txBody>
-      </p:sp>
-      <p:sp>
-        <p:nvSpPr>
-          <p:cNvPr id="5" name="Rectangle 4">
-            <a:extLst>
-              <a:ext uri="{FF2B5EF4-FFF2-40B4-BE49-F238E27FC236}">
-                <a16:creationId xmlns:a16="http://schemas.microsoft.com/office/drawing/2014/main" id="{45D7E980-EE7B-F047-A1D7-2B9DA77449B1}"/>
-              </a:ext>
-            </a:extLst>
-          </p:cNvPr>
-          <p:cNvSpPr>
-            <a:spLocks noChangeArrowheads="1"/>
-          </p:cNvSpPr>
-          <p:nvPr/>
-        </p:nvSpPr>
-        <p:spPr bwMode="auto">
-          <a:xfrm>
-            <a:off x="231775" y="332601"/>
-            <a:ext cx="8607425" cy="1127125"/>
-          </a:xfrm>
-          <a:prstGeom prst="rect">
-            <a:avLst/>
-          </a:prstGeom>
-          <a:noFill/>
-          <a:ln w="9525">
-            <a:noFill/>
-            <a:round/>
-            <a:headEnd/>
-            <a:tailEnd/>
-          </a:ln>
-        </p:spPr>
-        <p:txBody>
-          <a:bodyPr lIns="0" tIns="0" rIns="0" bIns="0" anchor="ctr"/>
-          <a:lstStyle/>
-          <a:p>
-            <a:pPr algn="ctr">
-              <a:buClr>
-                <a:srgbClr val="000000"/>
-              </a:buClr>
-              <a:buSzPct val="100000"/>
-              <a:buFont typeface="Times New Roman" pitchFamily="18" charset="0"/>
-              <a:buNone/>
-              <a:tabLst>
-                <a:tab pos="0" algn="l"/>
-                <a:tab pos="914400" algn="l"/>
-                <a:tab pos="1828800" algn="l"/>
-                <a:tab pos="2743200" algn="l"/>
-                <a:tab pos="3657600" algn="l"/>
-                <a:tab pos="4572000" algn="l"/>
-                <a:tab pos="5486400" algn="l"/>
-                <a:tab pos="6400800" algn="l"/>
-                <a:tab pos="7315200" algn="l"/>
-                <a:tab pos="8229600" algn="l"/>
-                <a:tab pos="9144000" algn="l"/>
-                <a:tab pos="10058400" algn="l"/>
-              </a:tabLst>
-            </a:pPr>
-            <a:r>
-              <a:rPr lang="en-GB" sz="4000" dirty="0">
-                <a:solidFill>
-                  <a:srgbClr val="000000"/>
-                </a:solidFill>
-                <a:latin typeface="Times New Roman" pitchFamily="18" charset="0"/>
-              </a:rPr>
-              <a:t>Slicing and Dicing Spreadsheets</a:t>
-            </a:r>
-          </a:p>
-        </p:txBody>
-      </p:sp>
-    </p:spTree>
-    <p:extLst>
-      <p:ext uri="{BB962C8B-B14F-4D97-AF65-F5344CB8AC3E}">
-        <p14:creationId xmlns:p14="http://schemas.microsoft.com/office/powerpoint/2010/main" val="3261741665"/>
-      </p:ext>
-    </p:extLst>
-  </p:cSld>
-  <p:clrMapOvr>
-    <a:masterClrMapping/>
-  </p:clrMapOvr>
-</p:sld>
-</file>
-
-<file path=ppt/slides/slide18.xml><?xml version="1.0" encoding="utf-8"?>
-<p:sld xmlns:a="http://schemas.openxmlformats.org/drawingml/2006/main" xmlns:r="http://schemas.openxmlformats.org/officeDocument/2006/relationships" xmlns:p="http://schemas.openxmlformats.org/presentationml/2006/main">
-  <p:cSld>
-    <p:spTree>
-      <p:nvGrpSpPr>
-        <p:cNvPr id="1" name=""/>
-        <p:cNvGrpSpPr/>
-        <p:nvPr/>
-      </p:nvGrpSpPr>
-      <p:grpSpPr>
-        <a:xfrm>
-          <a:off x="0" y="0"/>
-          <a:ext cx="0" cy="0"/>
-          <a:chOff x="0" y="0"/>
-          <a:chExt cx="0" cy="0"/>
-        </a:xfrm>
-      </p:grpSpPr>
-      <p:pic>
-        <p:nvPicPr>
-          <p:cNvPr id="3" name="Picture 2"/>
-          <p:cNvPicPr>
-            <a:picLocks noChangeAspect="1" noChangeArrowheads="1"/>
-          </p:cNvPicPr>
-          <p:nvPr/>
-        </p:nvPicPr>
-        <p:blipFill>
-          <a:blip r:embed="rId2" cstate="print"/>
-          <a:srcRect/>
-          <a:stretch>
-            <a:fillRect/>
-          </a:stretch>
-        </p:blipFill>
-        <p:spPr bwMode="auto">
-          <a:xfrm>
-            <a:off x="484188" y="76200"/>
-            <a:ext cx="8202612" cy="239712"/>
-          </a:xfrm>
-          <a:prstGeom prst="rect">
-            <a:avLst/>
-          </a:prstGeom>
-          <a:noFill/>
-          <a:ln w="9525">
-            <a:noFill/>
-            <a:round/>
-            <a:headEnd/>
-            <a:tailEnd/>
-          </a:ln>
-        </p:spPr>
-      </p:pic>
-      <p:pic>
-        <p:nvPicPr>
-          <p:cNvPr id="5" name="Picture 4"/>
-          <p:cNvPicPr>
-            <a:picLocks noChangeAspect="1"/>
-          </p:cNvPicPr>
-          <p:nvPr/>
-        </p:nvPicPr>
-        <p:blipFill>
-          <a:blip r:embed="rId3"/>
-          <a:stretch>
-            <a:fillRect/>
-          </a:stretch>
-        </p:blipFill>
-        <p:spPr>
-          <a:xfrm>
-            <a:off x="2578100" y="1676400"/>
-            <a:ext cx="3987800" cy="3505200"/>
-          </a:xfrm>
-          <a:prstGeom prst="rect">
-            <a:avLst/>
-          </a:prstGeom>
-        </p:spPr>
-      </p:pic>
-      <p:sp>
-        <p:nvSpPr>
-          <p:cNvPr id="6" name="Rectangle 4">
-            <a:extLst>
-              <a:ext uri="{FF2B5EF4-FFF2-40B4-BE49-F238E27FC236}">
-                <a16:creationId xmlns:a16="http://schemas.microsoft.com/office/drawing/2014/main" id="{0CF9FAD9-C95C-AC4E-A9AB-7D93578F2CD2}"/>
-              </a:ext>
-            </a:extLst>
-          </p:cNvPr>
-          <p:cNvSpPr>
-            <a:spLocks noChangeArrowheads="1"/>
-          </p:cNvSpPr>
-          <p:nvPr/>
-        </p:nvSpPr>
-        <p:spPr bwMode="auto">
-          <a:xfrm>
-            <a:off x="231775" y="332601"/>
-            <a:ext cx="8607425" cy="1127125"/>
-          </a:xfrm>
-          <a:prstGeom prst="rect">
-            <a:avLst/>
-          </a:prstGeom>
-          <a:noFill/>
-          <a:ln w="9525">
-            <a:noFill/>
-            <a:round/>
-            <a:headEnd/>
-            <a:tailEnd/>
-          </a:ln>
-        </p:spPr>
-        <p:txBody>
-          <a:bodyPr lIns="0" tIns="0" rIns="0" bIns="0" anchor="ctr"/>
-          <a:lstStyle/>
-          <a:p>
-            <a:pPr algn="ctr">
-              <a:buClr>
-                <a:srgbClr val="000000"/>
-              </a:buClr>
-              <a:buSzPct val="100000"/>
-              <a:buFont typeface="Times New Roman" pitchFamily="18" charset="0"/>
-              <a:buNone/>
-              <a:tabLst>
-                <a:tab pos="0" algn="l"/>
-                <a:tab pos="914400" algn="l"/>
-                <a:tab pos="1828800" algn="l"/>
-                <a:tab pos="2743200" algn="l"/>
-                <a:tab pos="3657600" algn="l"/>
-                <a:tab pos="4572000" algn="l"/>
-                <a:tab pos="5486400" algn="l"/>
-                <a:tab pos="6400800" algn="l"/>
-                <a:tab pos="7315200" algn="l"/>
-                <a:tab pos="8229600" algn="l"/>
-                <a:tab pos="9144000" algn="l"/>
-                <a:tab pos="10058400" algn="l"/>
-              </a:tabLst>
-            </a:pPr>
-            <a:r>
-              <a:rPr lang="en-GB" sz="4000" dirty="0">
-                <a:solidFill>
-                  <a:srgbClr val="000000"/>
-                </a:solidFill>
-                <a:latin typeface="Times New Roman" pitchFamily="18" charset="0"/>
-              </a:rPr>
-              <a:t>Slicing and Dicing Spreadsheets</a:t>
-            </a:r>
-          </a:p>
-        </p:txBody>
-      </p:sp>
-    </p:spTree>
-    <p:extLst>
-      <p:ext uri="{BB962C8B-B14F-4D97-AF65-F5344CB8AC3E}">
-        <p14:creationId xmlns:p14="http://schemas.microsoft.com/office/powerpoint/2010/main" val="2644586837"/>
-      </p:ext>
-    </p:extLst>
-  </p:cSld>
-  <p:clrMapOvr>
-    <a:masterClrMapping/>
-  </p:clrMapOvr>
-</p:sld>
-</file>
-
-<file path=ppt/slides/slide19.xml><?xml version="1.0" encoding="utf-8"?>
-<p:sld xmlns:a="http://schemas.openxmlformats.org/drawingml/2006/main" xmlns:r="http://schemas.openxmlformats.org/officeDocument/2006/relationships" xmlns:p="http://schemas.openxmlformats.org/presentationml/2006/main">
-  <p:cSld>
-    <p:spTree>
-      <p:nvGrpSpPr>
-        <p:cNvPr id="1" name=""/>
-        <p:cNvGrpSpPr/>
-        <p:nvPr/>
-      </p:nvGrpSpPr>
-      <p:grpSpPr>
-        <a:xfrm>
-          <a:off x="0" y="0"/>
-          <a:ext cx="0" cy="0"/>
-          <a:chOff x="0" y="0"/>
-          <a:chExt cx="0" cy="0"/>
-        </a:xfrm>
-      </p:grpSpPr>
-      <p:sp>
-        <p:nvSpPr>
-          <p:cNvPr id="11266" name="Rectangle 5"/>
-          <p:cNvSpPr>
-            <a:spLocks noChangeArrowheads="1"/>
-          </p:cNvSpPr>
-          <p:nvPr/>
-        </p:nvSpPr>
-        <p:spPr bwMode="auto">
-          <a:xfrm>
             <a:off x="1932" y="884498"/>
             <a:ext cx="5426596" cy="2171218"/>
           </a:xfrm>
@@ -9572,534 +7417,7 @@
 </p:sld>
 </file>
 
-<file path=ppt/slides/slide2.xml><?xml version="1.0" encoding="utf-8"?>
-<p:sld xmlns:a="http://schemas.openxmlformats.org/drawingml/2006/main" xmlns:r="http://schemas.openxmlformats.org/officeDocument/2006/relationships" xmlns:p="http://schemas.openxmlformats.org/presentationml/2006/main">
-  <p:cSld>
-    <p:spTree>
-      <p:nvGrpSpPr>
-        <p:cNvPr id="1" name=""/>
-        <p:cNvGrpSpPr/>
-        <p:nvPr/>
-      </p:nvGrpSpPr>
-      <p:grpSpPr>
-        <a:xfrm>
-          <a:off x="0" y="0"/>
-          <a:ext cx="0" cy="0"/>
-          <a:chOff x="0" y="0"/>
-          <a:chExt cx="0" cy="0"/>
-        </a:xfrm>
-      </p:grpSpPr>
-      <p:sp>
-        <p:nvSpPr>
-          <p:cNvPr id="7171" name="Rectangle 4"/>
-          <p:cNvSpPr>
-            <a:spLocks noChangeArrowheads="1"/>
-          </p:cNvSpPr>
-          <p:nvPr/>
-        </p:nvSpPr>
-        <p:spPr bwMode="auto">
-          <a:xfrm>
-            <a:off x="231775" y="148284"/>
-            <a:ext cx="8607425" cy="1127125"/>
-          </a:xfrm>
-          <a:prstGeom prst="rect">
-            <a:avLst/>
-          </a:prstGeom>
-          <a:noFill/>
-          <a:ln w="9525">
-            <a:noFill/>
-            <a:round/>
-            <a:headEnd/>
-            <a:tailEnd/>
-          </a:ln>
-        </p:spPr>
-        <p:txBody>
-          <a:bodyPr lIns="0" tIns="0" rIns="0" bIns="0" anchor="ctr">
-            <a:prstTxWarp prst="textNoShape">
-              <a:avLst/>
-            </a:prstTxWarp>
-          </a:bodyPr>
-          <a:lstStyle/>
-          <a:p>
-            <a:pPr algn="ctr">
-              <a:lnSpc>
-                <a:spcPct val="100000"/>
-              </a:lnSpc>
-              <a:buFont typeface="Times New Roman" charset="0"/>
-              <a:buNone/>
-              <a:tabLst>
-                <a:tab pos="0" algn="l"/>
-                <a:tab pos="914400" algn="l"/>
-                <a:tab pos="1828800" algn="l"/>
-                <a:tab pos="2743200" algn="l"/>
-                <a:tab pos="3657600" algn="l"/>
-                <a:tab pos="4572000" algn="l"/>
-                <a:tab pos="5486400" algn="l"/>
-                <a:tab pos="6400800" algn="l"/>
-                <a:tab pos="7315200" algn="l"/>
-                <a:tab pos="8229600" algn="l"/>
-                <a:tab pos="9144000" algn="l"/>
-                <a:tab pos="10058400" algn="l"/>
-              </a:tabLst>
-            </a:pPr>
-            <a:r>
-              <a:rPr lang="en-GB" sz="4000" dirty="0">
-                <a:solidFill>
-                  <a:srgbClr val="000000"/>
-                </a:solidFill>
-                <a:latin typeface="Times New Roman" charset="0"/>
-              </a:rPr>
-              <a:t>Outline</a:t>
-            </a:r>
-          </a:p>
-        </p:txBody>
-      </p:sp>
-      <p:sp>
-        <p:nvSpPr>
-          <p:cNvPr id="7172" name="Rectangle 5"/>
-          <p:cNvSpPr>
-            <a:spLocks noChangeArrowheads="1"/>
-          </p:cNvSpPr>
-          <p:nvPr/>
-        </p:nvSpPr>
-        <p:spPr bwMode="auto">
-          <a:xfrm>
-            <a:off x="231775" y="1005837"/>
-            <a:ext cx="8607425" cy="5718088"/>
-          </a:xfrm>
-          <a:prstGeom prst="rect">
-            <a:avLst/>
-          </a:prstGeom>
-          <a:noFill/>
-          <a:ln w="9525">
-            <a:noFill/>
-            <a:round/>
-            <a:headEnd/>
-            <a:tailEnd/>
-          </a:ln>
-        </p:spPr>
-        <p:txBody>
-          <a:bodyPr lIns="0" tIns="0" rIns="0" bIns="0">
-            <a:prstTxWarp prst="textNoShape">
-              <a:avLst/>
-            </a:prstTxWarp>
-          </a:bodyPr>
-          <a:lstStyle/>
-          <a:p>
-            <a:pPr marL="430213" indent="-323850">
-              <a:lnSpc>
-                <a:spcPct val="100000"/>
-              </a:lnSpc>
-              <a:spcBef>
-                <a:spcPts val="800"/>
-              </a:spcBef>
-              <a:buFont typeface="Times New Roman" charset="0"/>
-              <a:buChar char="•"/>
-              <a:tabLst>
-                <a:tab pos="430213" algn="l"/>
-                <a:tab pos="1344613" algn="l"/>
-                <a:tab pos="2259013" algn="l"/>
-                <a:tab pos="3173413" algn="l"/>
-                <a:tab pos="4087813" algn="l"/>
-                <a:tab pos="5002213" algn="l"/>
-                <a:tab pos="5916613" algn="l"/>
-                <a:tab pos="6831013" algn="l"/>
-                <a:tab pos="7745413" algn="l"/>
-                <a:tab pos="8659813" algn="l"/>
-                <a:tab pos="9574213" algn="l"/>
-                <a:tab pos="10488613" algn="l"/>
-              </a:tabLst>
-            </a:pPr>
-            <a:r>
-              <a:rPr lang="en-GB" sz="3600" dirty="0">
-                <a:solidFill>
-                  <a:srgbClr val="000000"/>
-                </a:solidFill>
-                <a:latin typeface="Times New Roman" charset="0"/>
-              </a:rPr>
-              <a:t>R  : A powerful platform for scientific calculation and data analysis</a:t>
-            </a:r>
-          </a:p>
-          <a:p>
-            <a:pPr marL="887413" lvl="1" indent="-323850">
-              <a:spcBef>
-                <a:spcPts val="800"/>
-              </a:spcBef>
-              <a:buFont typeface="Times New Roman" charset="0"/>
-              <a:buChar char="•"/>
-              <a:tabLst>
-                <a:tab pos="430213" algn="l"/>
-                <a:tab pos="1344613" algn="l"/>
-                <a:tab pos="2259013" algn="l"/>
-                <a:tab pos="3173413" algn="l"/>
-                <a:tab pos="4087813" algn="l"/>
-                <a:tab pos="5002213" algn="l"/>
-                <a:tab pos="5916613" algn="l"/>
-                <a:tab pos="6831013" algn="l"/>
-                <a:tab pos="7745413" algn="l"/>
-                <a:tab pos="8659813" algn="l"/>
-                <a:tab pos="9574213" algn="l"/>
-                <a:tab pos="10488613" algn="l"/>
-              </a:tabLst>
-            </a:pPr>
-            <a:r>
-              <a:rPr lang="en-GB" sz="3200" dirty="0">
-                <a:solidFill>
-                  <a:srgbClr val="000000"/>
-                </a:solidFill>
-                <a:latin typeface="Times New Roman" charset="0"/>
-              </a:rPr>
-              <a:t>Why bother learning    R ? </a:t>
-            </a:r>
-          </a:p>
-          <a:p>
-            <a:pPr marL="887413" lvl="1" indent="-323850">
-              <a:spcBef>
-                <a:spcPts val="800"/>
-              </a:spcBef>
-              <a:buFont typeface="Times New Roman" charset="0"/>
-              <a:buChar char="•"/>
-              <a:tabLst>
-                <a:tab pos="430213" algn="l"/>
-                <a:tab pos="1344613" algn="l"/>
-                <a:tab pos="2259013" algn="l"/>
-                <a:tab pos="3173413" algn="l"/>
-                <a:tab pos="4087813" algn="l"/>
-                <a:tab pos="5002213" algn="l"/>
-                <a:tab pos="5916613" algn="l"/>
-                <a:tab pos="6831013" algn="l"/>
-                <a:tab pos="7745413" algn="l"/>
-                <a:tab pos="8659813" algn="l"/>
-                <a:tab pos="9574213" algn="l"/>
-                <a:tab pos="10488613" algn="l"/>
-              </a:tabLst>
-            </a:pPr>
-            <a:r>
-              <a:rPr lang="en-US" sz="3200" dirty="0">
-                <a:latin typeface="Times New Roman"/>
-                <a:cs typeface="Times New Roman"/>
-              </a:rPr>
-              <a:t>Data, data, data, I cannot make bricks without clay </a:t>
-            </a:r>
-            <a:r>
-              <a:rPr lang="en-US" sz="3200" baseline="30000" dirty="0">
-                <a:latin typeface="Times New Roman"/>
-                <a:cs typeface="Times New Roman"/>
-              </a:rPr>
-              <a:t>Copper Beeches</a:t>
-            </a:r>
-            <a:endParaRPr lang="en-GB" sz="3200" baseline="30000" dirty="0">
-              <a:solidFill>
-                <a:srgbClr val="000000"/>
-              </a:solidFill>
-              <a:latin typeface="Times New Roman"/>
-              <a:cs typeface="Times New Roman"/>
-            </a:endParaRPr>
-          </a:p>
-          <a:p>
-            <a:pPr marL="1344613" lvl="2" indent="-323850">
-              <a:spcBef>
-                <a:spcPts val="800"/>
-              </a:spcBef>
-              <a:buFont typeface="Times New Roman" charset="0"/>
-              <a:buChar char="•"/>
-              <a:tabLst>
-                <a:tab pos="430213" algn="l"/>
-                <a:tab pos="1344613" algn="l"/>
-                <a:tab pos="2259013" algn="l"/>
-                <a:tab pos="3173413" algn="l"/>
-                <a:tab pos="4087813" algn="l"/>
-                <a:tab pos="5002213" algn="l"/>
-                <a:tab pos="5916613" algn="l"/>
-                <a:tab pos="6831013" algn="l"/>
-                <a:tab pos="7745413" algn="l"/>
-                <a:tab pos="8659813" algn="l"/>
-                <a:tab pos="9574213" algn="l"/>
-                <a:tab pos="10488613" algn="l"/>
-              </a:tabLst>
-            </a:pPr>
-            <a:r>
-              <a:rPr lang="en-GB" sz="2800" dirty="0">
-                <a:solidFill>
-                  <a:srgbClr val="000000"/>
-                </a:solidFill>
-                <a:latin typeface="Times New Roman"/>
-                <a:cs typeface="Times New Roman"/>
-              </a:rPr>
-              <a:t>A tour of </a:t>
-            </a:r>
-            <a:r>
-              <a:rPr lang="en-GB" sz="2800" dirty="0" err="1">
-                <a:solidFill>
-                  <a:srgbClr val="000000"/>
-                </a:solidFill>
-                <a:latin typeface="Times New Roman"/>
-                <a:cs typeface="Times New Roman"/>
-              </a:rPr>
-              <a:t>RStudio</a:t>
-            </a:r>
-            <a:r>
-              <a:rPr lang="en-GB" sz="2800" dirty="0">
-                <a:solidFill>
-                  <a:srgbClr val="000000"/>
-                </a:solidFill>
-                <a:latin typeface="Times New Roman"/>
-                <a:cs typeface="Times New Roman"/>
-              </a:rPr>
-              <a:t>. Basic Input and Output</a:t>
-            </a:r>
-          </a:p>
-          <a:p>
-            <a:pPr marL="1344613" lvl="2" indent="-323850">
-              <a:spcBef>
-                <a:spcPts val="800"/>
-              </a:spcBef>
-              <a:buFont typeface="Times New Roman" charset="0"/>
-              <a:buChar char="•"/>
-              <a:tabLst>
-                <a:tab pos="430213" algn="l"/>
-                <a:tab pos="1344613" algn="l"/>
-                <a:tab pos="2259013" algn="l"/>
-                <a:tab pos="3173413" algn="l"/>
-                <a:tab pos="4087813" algn="l"/>
-                <a:tab pos="5002213" algn="l"/>
-                <a:tab pos="5916613" algn="l"/>
-                <a:tab pos="6831013" algn="l"/>
-                <a:tab pos="7745413" algn="l"/>
-                <a:tab pos="8659813" algn="l"/>
-                <a:tab pos="9574213" algn="l"/>
-                <a:tab pos="10488613" algn="l"/>
-              </a:tabLst>
-            </a:pPr>
-            <a:r>
-              <a:rPr lang="en-GB" sz="2800" dirty="0">
-                <a:solidFill>
-                  <a:srgbClr val="000000"/>
-                </a:solidFill>
-                <a:latin typeface="Times New Roman"/>
-                <a:cs typeface="Times New Roman"/>
-              </a:rPr>
-              <a:t>Getting Help</a:t>
-            </a:r>
-          </a:p>
-          <a:p>
-            <a:pPr marL="1344613" lvl="2" indent="-323850">
-              <a:spcBef>
-                <a:spcPts val="800"/>
-              </a:spcBef>
-              <a:buFont typeface="Times New Roman" charset="0"/>
-              <a:buChar char="•"/>
-              <a:tabLst>
-                <a:tab pos="430213" algn="l"/>
-                <a:tab pos="1344613" algn="l"/>
-                <a:tab pos="2259013" algn="l"/>
-                <a:tab pos="3173413" algn="l"/>
-                <a:tab pos="4087813" algn="l"/>
-                <a:tab pos="5002213" algn="l"/>
-                <a:tab pos="5916613" algn="l"/>
-                <a:tab pos="6831013" algn="l"/>
-                <a:tab pos="7745413" algn="l"/>
-                <a:tab pos="8659813" algn="l"/>
-                <a:tab pos="9574213" algn="l"/>
-                <a:tab pos="10488613" algn="l"/>
-              </a:tabLst>
-            </a:pPr>
-            <a:r>
-              <a:rPr lang="en-GB" sz="2800" dirty="0">
-                <a:solidFill>
-                  <a:srgbClr val="000000"/>
-                </a:solidFill>
-                <a:latin typeface="Times New Roman"/>
-                <a:cs typeface="Times New Roman"/>
-              </a:rPr>
-              <a:t>Visualizing with Plots</a:t>
-            </a:r>
-          </a:p>
-          <a:p>
-            <a:pPr marL="1344613" lvl="2" indent="-323850">
-              <a:spcBef>
-                <a:spcPts val="800"/>
-              </a:spcBef>
-              <a:buFont typeface="Times New Roman" charset="0"/>
-              <a:buChar char="•"/>
-              <a:tabLst>
-                <a:tab pos="430213" algn="l"/>
-                <a:tab pos="1344613" algn="l"/>
-                <a:tab pos="2259013" algn="l"/>
-                <a:tab pos="3173413" algn="l"/>
-                <a:tab pos="4087813" algn="l"/>
-                <a:tab pos="5002213" algn="l"/>
-                <a:tab pos="5916613" algn="l"/>
-                <a:tab pos="6831013" algn="l"/>
-                <a:tab pos="7745413" algn="l"/>
-                <a:tab pos="8659813" algn="l"/>
-                <a:tab pos="9574213" algn="l"/>
-                <a:tab pos="10488613" algn="l"/>
-              </a:tabLst>
-            </a:pPr>
-            <a:r>
-              <a:rPr lang="en-GB" sz="2800" dirty="0">
-                <a:solidFill>
-                  <a:srgbClr val="000000"/>
-                </a:solidFill>
-                <a:latin typeface="Times New Roman"/>
-                <a:cs typeface="Times New Roman"/>
-              </a:rPr>
-              <a:t>Loading your data from Excel spreadsheets</a:t>
-            </a:r>
-          </a:p>
-          <a:p>
-            <a:pPr marL="1344613" lvl="2" indent="-323850">
-              <a:spcBef>
-                <a:spcPts val="800"/>
-              </a:spcBef>
-              <a:buFont typeface="Times New Roman" charset="0"/>
-              <a:buChar char="•"/>
-              <a:tabLst>
-                <a:tab pos="430213" algn="l"/>
-                <a:tab pos="1344613" algn="l"/>
-                <a:tab pos="2259013" algn="l"/>
-                <a:tab pos="3173413" algn="l"/>
-                <a:tab pos="4087813" algn="l"/>
-                <a:tab pos="5002213" algn="l"/>
-                <a:tab pos="5916613" algn="l"/>
-                <a:tab pos="6831013" algn="l"/>
-                <a:tab pos="7745413" algn="l"/>
-                <a:tab pos="8659813" algn="l"/>
-                <a:tab pos="9574213" algn="l"/>
-                <a:tab pos="10488613" algn="l"/>
-              </a:tabLst>
-            </a:pPr>
-            <a:r>
-              <a:rPr lang="en-GB" sz="2800" dirty="0">
-                <a:solidFill>
-                  <a:srgbClr val="000000"/>
-                </a:solidFill>
-                <a:latin typeface="Times New Roman"/>
-                <a:cs typeface="Times New Roman"/>
-              </a:rPr>
-              <a:t>Basic Plotting</a:t>
-            </a:r>
-          </a:p>
-        </p:txBody>
-      </p:sp>
-      <p:pic>
-        <p:nvPicPr>
-          <p:cNvPr id="6" name="Picture 2"/>
-          <p:cNvPicPr>
-            <a:picLocks noChangeAspect="1" noChangeArrowheads="1"/>
-          </p:cNvPicPr>
-          <p:nvPr/>
-        </p:nvPicPr>
-        <p:blipFill>
-          <a:blip r:embed="rId3" cstate="print"/>
-          <a:srcRect/>
-          <a:stretch>
-            <a:fillRect/>
-          </a:stretch>
-        </p:blipFill>
-        <p:spPr bwMode="auto">
-          <a:xfrm>
-            <a:off x="484188" y="76200"/>
-            <a:ext cx="8202612" cy="239712"/>
-          </a:xfrm>
-          <a:prstGeom prst="rect">
-            <a:avLst/>
-          </a:prstGeom>
-          <a:noFill/>
-          <a:ln w="9525">
-            <a:noFill/>
-            <a:round/>
-            <a:headEnd/>
-            <a:tailEnd/>
-          </a:ln>
-        </p:spPr>
-      </p:pic>
-      <p:pic>
-        <p:nvPicPr>
-          <p:cNvPr id="7" name="Picture 6" descr="Rlogo.jpg"/>
-          <p:cNvPicPr>
-            <a:picLocks noChangeAspect="1"/>
-          </p:cNvPicPr>
-          <p:nvPr/>
-        </p:nvPicPr>
-        <p:blipFill>
-          <a:blip r:embed="rId4"/>
-          <a:stretch>
-            <a:fillRect/>
-          </a:stretch>
-        </p:blipFill>
-        <p:spPr>
-          <a:xfrm>
-            <a:off x="557031" y="1107912"/>
-            <a:ext cx="620039" cy="471232"/>
-          </a:xfrm>
-          <a:prstGeom prst="rect">
-            <a:avLst/>
-          </a:prstGeom>
-        </p:spPr>
-      </p:pic>
-      <p:pic>
-        <p:nvPicPr>
-          <p:cNvPr id="8" name="Picture 7" descr="Rlogo.jpg"/>
-          <p:cNvPicPr>
-            <a:picLocks noChangeAspect="1"/>
-          </p:cNvPicPr>
-          <p:nvPr/>
-        </p:nvPicPr>
-        <p:blipFill>
-          <a:blip r:embed="rId4"/>
-          <a:stretch>
-            <a:fillRect/>
-          </a:stretch>
-        </p:blipFill>
-        <p:spPr>
-          <a:xfrm>
-            <a:off x="4563130" y="2234195"/>
-            <a:ext cx="678018" cy="515296"/>
-          </a:xfrm>
-          <a:prstGeom prst="rect">
-            <a:avLst/>
-          </a:prstGeom>
-        </p:spPr>
-      </p:pic>
-    </p:spTree>
-  </p:cSld>
-  <p:clrMapOvr>
-    <a:masterClrMapping/>
-  </p:clrMapOvr>
-  <p:transition spd="med"/>
-  <p:timing>
-    <p:tnLst>
-      <p:par>
-        <p:cTn id="1" dur="indefinite" restart="never" nodeType="tmRoot">
-          <p:childTnLst>
-            <p:seq concurrent="1" nextAc="seek">
-              <p:cTn id="2" dur="0" nodeType="mainSeq"/>
-              <p:prevCondLst>
-                <p:cond evt="onPrev" delay="0">
-                  <p:tgtEl>
-                    <p:sldTgt/>
-                  </p:tgtEl>
-                </p:cond>
-              </p:prevCondLst>
-              <p:nextCondLst>
-                <p:cond evt="onNext" delay="0">
-                  <p:tgtEl>
-                    <p:sldTgt/>
-                  </p:tgtEl>
-                </p:cond>
-              </p:nextCondLst>
-            </p:seq>
-          </p:childTnLst>
-        </p:cTn>
-      </p:par>
-    </p:tnLst>
-  </p:timing>
-</p:sld>
-</file>
-
-<file path=ppt/slides/slide20.xml><?xml version="1.0" encoding="utf-8"?>
+<file path=ppt/slides/slide17.xml><?xml version="1.0" encoding="utf-8"?>
 <p:sld xmlns:a="http://schemas.openxmlformats.org/drawingml/2006/main" xmlns:r="http://schemas.openxmlformats.org/officeDocument/2006/relationships" xmlns:p="http://schemas.openxmlformats.org/presentationml/2006/main">
   <p:cSld>
     <p:spTree>
@@ -12064,7 +9382,7 @@
 </p:sld>
 </file>
 
-<file path=ppt/slides/slide21.xml><?xml version="1.0" encoding="utf-8"?>
+<file path=ppt/slides/slide18.xml><?xml version="1.0" encoding="utf-8"?>
 <p:sld xmlns:a="http://schemas.openxmlformats.org/drawingml/2006/main" xmlns:r="http://schemas.openxmlformats.org/officeDocument/2006/relationships" xmlns:p="http://schemas.openxmlformats.org/presentationml/2006/main">
   <p:cSld>
     <p:spTree>
@@ -12184,7 +9502,7 @@
         <p:spPr>
           <a:xfrm>
             <a:off x="115747" y="1440889"/>
-            <a:ext cx="8924081" cy="4247317"/>
+            <a:ext cx="8924081" cy="4524315"/>
           </a:xfrm>
           <a:prstGeom prst="rect">
             <a:avLst/>
@@ -12447,6 +9765,15 @@
             </a:endParaRPr>
           </a:p>
           <a:p>
+            <a:endParaRPr lang="en-US" dirty="0">
+              <a:solidFill>
+                <a:schemeClr val="bg1"/>
+              </a:solidFill>
+              <a:latin typeface="Courier"/>
+              <a:cs typeface="Courier"/>
+            </a:endParaRPr>
+          </a:p>
+          <a:p>
             <a:r>
               <a:rPr lang="en-US" dirty="0">
                 <a:solidFill>
@@ -12564,6 +9891,533 @@
   <p:clrMapOvr>
     <a:masterClrMapping/>
   </p:clrMapOvr>
+</p:sld>
+</file>
+
+<file path=ppt/slides/slide2.xml><?xml version="1.0" encoding="utf-8"?>
+<p:sld xmlns:a="http://schemas.openxmlformats.org/drawingml/2006/main" xmlns:r="http://schemas.openxmlformats.org/officeDocument/2006/relationships" xmlns:p="http://schemas.openxmlformats.org/presentationml/2006/main">
+  <p:cSld>
+    <p:spTree>
+      <p:nvGrpSpPr>
+        <p:cNvPr id="1" name=""/>
+        <p:cNvGrpSpPr/>
+        <p:nvPr/>
+      </p:nvGrpSpPr>
+      <p:grpSpPr>
+        <a:xfrm>
+          <a:off x="0" y="0"/>
+          <a:ext cx="0" cy="0"/>
+          <a:chOff x="0" y="0"/>
+          <a:chExt cx="0" cy="0"/>
+        </a:xfrm>
+      </p:grpSpPr>
+      <p:sp>
+        <p:nvSpPr>
+          <p:cNvPr id="7171" name="Rectangle 4"/>
+          <p:cNvSpPr>
+            <a:spLocks noChangeArrowheads="1"/>
+          </p:cNvSpPr>
+          <p:nvPr/>
+        </p:nvSpPr>
+        <p:spPr bwMode="auto">
+          <a:xfrm>
+            <a:off x="231775" y="148284"/>
+            <a:ext cx="8607425" cy="1127125"/>
+          </a:xfrm>
+          <a:prstGeom prst="rect">
+            <a:avLst/>
+          </a:prstGeom>
+          <a:noFill/>
+          <a:ln w="9525">
+            <a:noFill/>
+            <a:round/>
+            <a:headEnd/>
+            <a:tailEnd/>
+          </a:ln>
+        </p:spPr>
+        <p:txBody>
+          <a:bodyPr lIns="0" tIns="0" rIns="0" bIns="0" anchor="ctr">
+            <a:prstTxWarp prst="textNoShape">
+              <a:avLst/>
+            </a:prstTxWarp>
+          </a:bodyPr>
+          <a:lstStyle/>
+          <a:p>
+            <a:pPr algn="ctr">
+              <a:lnSpc>
+                <a:spcPct val="100000"/>
+              </a:lnSpc>
+              <a:buFont typeface="Times New Roman" charset="0"/>
+              <a:buNone/>
+              <a:tabLst>
+                <a:tab pos="0" algn="l"/>
+                <a:tab pos="914400" algn="l"/>
+                <a:tab pos="1828800" algn="l"/>
+                <a:tab pos="2743200" algn="l"/>
+                <a:tab pos="3657600" algn="l"/>
+                <a:tab pos="4572000" algn="l"/>
+                <a:tab pos="5486400" algn="l"/>
+                <a:tab pos="6400800" algn="l"/>
+                <a:tab pos="7315200" algn="l"/>
+                <a:tab pos="8229600" algn="l"/>
+                <a:tab pos="9144000" algn="l"/>
+                <a:tab pos="10058400" algn="l"/>
+              </a:tabLst>
+            </a:pPr>
+            <a:r>
+              <a:rPr lang="en-GB" sz="4000" dirty="0">
+                <a:solidFill>
+                  <a:srgbClr val="000000"/>
+                </a:solidFill>
+                <a:latin typeface="Times New Roman" charset="0"/>
+              </a:rPr>
+              <a:t>Outline</a:t>
+            </a:r>
+          </a:p>
+        </p:txBody>
+      </p:sp>
+      <p:sp>
+        <p:nvSpPr>
+          <p:cNvPr id="7172" name="Rectangle 5"/>
+          <p:cNvSpPr>
+            <a:spLocks noChangeArrowheads="1"/>
+          </p:cNvSpPr>
+          <p:nvPr/>
+        </p:nvSpPr>
+        <p:spPr bwMode="auto">
+          <a:xfrm>
+            <a:off x="231775" y="1005837"/>
+            <a:ext cx="8607425" cy="5718088"/>
+          </a:xfrm>
+          <a:prstGeom prst="rect">
+            <a:avLst/>
+          </a:prstGeom>
+          <a:noFill/>
+          <a:ln w="9525">
+            <a:noFill/>
+            <a:round/>
+            <a:headEnd/>
+            <a:tailEnd/>
+          </a:ln>
+        </p:spPr>
+        <p:txBody>
+          <a:bodyPr lIns="0" tIns="0" rIns="0" bIns="0">
+            <a:prstTxWarp prst="textNoShape">
+              <a:avLst/>
+            </a:prstTxWarp>
+          </a:bodyPr>
+          <a:lstStyle/>
+          <a:p>
+            <a:pPr marL="430213" indent="-323850">
+              <a:lnSpc>
+                <a:spcPct val="100000"/>
+              </a:lnSpc>
+              <a:spcBef>
+                <a:spcPts val="800"/>
+              </a:spcBef>
+              <a:buFont typeface="Times New Roman" charset="0"/>
+              <a:buChar char="•"/>
+              <a:tabLst>
+                <a:tab pos="430213" algn="l"/>
+                <a:tab pos="1344613" algn="l"/>
+                <a:tab pos="2259013" algn="l"/>
+                <a:tab pos="3173413" algn="l"/>
+                <a:tab pos="4087813" algn="l"/>
+                <a:tab pos="5002213" algn="l"/>
+                <a:tab pos="5916613" algn="l"/>
+                <a:tab pos="6831013" algn="l"/>
+                <a:tab pos="7745413" algn="l"/>
+                <a:tab pos="8659813" algn="l"/>
+                <a:tab pos="9574213" algn="l"/>
+                <a:tab pos="10488613" algn="l"/>
+              </a:tabLst>
+            </a:pPr>
+            <a:r>
+              <a:rPr lang="en-GB" sz="3600" dirty="0">
+                <a:solidFill>
+                  <a:srgbClr val="000000"/>
+                </a:solidFill>
+                <a:latin typeface="Times New Roman" charset="0"/>
+              </a:rPr>
+              <a:t>R  : A powerful platform for scientific calculation and data analysis</a:t>
+            </a:r>
+          </a:p>
+          <a:p>
+            <a:pPr marL="887413" lvl="1" indent="-323850">
+              <a:spcBef>
+                <a:spcPts val="800"/>
+              </a:spcBef>
+              <a:buFont typeface="Times New Roman" charset="0"/>
+              <a:buChar char="•"/>
+              <a:tabLst>
+                <a:tab pos="430213" algn="l"/>
+                <a:tab pos="1344613" algn="l"/>
+                <a:tab pos="2259013" algn="l"/>
+                <a:tab pos="3173413" algn="l"/>
+                <a:tab pos="4087813" algn="l"/>
+                <a:tab pos="5002213" algn="l"/>
+                <a:tab pos="5916613" algn="l"/>
+                <a:tab pos="6831013" algn="l"/>
+                <a:tab pos="7745413" algn="l"/>
+                <a:tab pos="8659813" algn="l"/>
+                <a:tab pos="9574213" algn="l"/>
+                <a:tab pos="10488613" algn="l"/>
+              </a:tabLst>
+            </a:pPr>
+            <a:r>
+              <a:rPr lang="en-GB" sz="3200" dirty="0">
+                <a:solidFill>
+                  <a:srgbClr val="000000"/>
+                </a:solidFill>
+                <a:latin typeface="Times New Roman" charset="0"/>
+              </a:rPr>
+              <a:t>Why bother learning    R ? </a:t>
+            </a:r>
+          </a:p>
+          <a:p>
+            <a:pPr marL="887413" lvl="1" indent="-323850">
+              <a:spcBef>
+                <a:spcPts val="800"/>
+              </a:spcBef>
+              <a:buFont typeface="Times New Roman" charset="0"/>
+              <a:buChar char="•"/>
+              <a:tabLst>
+                <a:tab pos="430213" algn="l"/>
+                <a:tab pos="1344613" algn="l"/>
+                <a:tab pos="2259013" algn="l"/>
+                <a:tab pos="3173413" algn="l"/>
+                <a:tab pos="4087813" algn="l"/>
+                <a:tab pos="5002213" algn="l"/>
+                <a:tab pos="5916613" algn="l"/>
+                <a:tab pos="6831013" algn="l"/>
+                <a:tab pos="7745413" algn="l"/>
+                <a:tab pos="8659813" algn="l"/>
+                <a:tab pos="9574213" algn="l"/>
+                <a:tab pos="10488613" algn="l"/>
+              </a:tabLst>
+            </a:pPr>
+            <a:r>
+              <a:rPr lang="en-US" sz="3200" dirty="0">
+                <a:latin typeface="Times New Roman"/>
+                <a:cs typeface="Times New Roman"/>
+              </a:rPr>
+              <a:t>Data, data, data, I cannot make bricks without clay </a:t>
+            </a:r>
+            <a:r>
+              <a:rPr lang="en-US" sz="3200" baseline="30000" dirty="0">
+                <a:latin typeface="Times New Roman"/>
+                <a:cs typeface="Times New Roman"/>
+              </a:rPr>
+              <a:t>Copper Beeches</a:t>
+            </a:r>
+            <a:endParaRPr lang="en-GB" sz="3200" baseline="30000" dirty="0">
+              <a:solidFill>
+                <a:srgbClr val="000000"/>
+              </a:solidFill>
+              <a:latin typeface="Times New Roman"/>
+              <a:cs typeface="Times New Roman"/>
+            </a:endParaRPr>
+          </a:p>
+          <a:p>
+            <a:pPr marL="1344613" lvl="2" indent="-323850">
+              <a:spcBef>
+                <a:spcPts val="800"/>
+              </a:spcBef>
+              <a:buFont typeface="Times New Roman" charset="0"/>
+              <a:buChar char="•"/>
+              <a:tabLst>
+                <a:tab pos="430213" algn="l"/>
+                <a:tab pos="1344613" algn="l"/>
+                <a:tab pos="2259013" algn="l"/>
+                <a:tab pos="3173413" algn="l"/>
+                <a:tab pos="4087813" algn="l"/>
+                <a:tab pos="5002213" algn="l"/>
+                <a:tab pos="5916613" algn="l"/>
+                <a:tab pos="6831013" algn="l"/>
+                <a:tab pos="7745413" algn="l"/>
+                <a:tab pos="8659813" algn="l"/>
+                <a:tab pos="9574213" algn="l"/>
+                <a:tab pos="10488613" algn="l"/>
+              </a:tabLst>
+            </a:pPr>
+            <a:r>
+              <a:rPr lang="en-GB" sz="2800" dirty="0">
+                <a:solidFill>
+                  <a:srgbClr val="000000"/>
+                </a:solidFill>
+                <a:latin typeface="Times New Roman"/>
+                <a:cs typeface="Times New Roman"/>
+              </a:rPr>
+              <a:t>A tour of </a:t>
+            </a:r>
+            <a:r>
+              <a:rPr lang="en-GB" sz="2800" dirty="0" err="1">
+                <a:solidFill>
+                  <a:srgbClr val="000000"/>
+                </a:solidFill>
+                <a:latin typeface="Times New Roman"/>
+                <a:cs typeface="Times New Roman"/>
+              </a:rPr>
+              <a:t>RStudio</a:t>
+            </a:r>
+            <a:r>
+              <a:rPr lang="en-GB" sz="2800" dirty="0">
+                <a:solidFill>
+                  <a:srgbClr val="000000"/>
+                </a:solidFill>
+                <a:latin typeface="Times New Roman"/>
+                <a:cs typeface="Times New Roman"/>
+              </a:rPr>
+              <a:t>. Basic Input and Output</a:t>
+            </a:r>
+          </a:p>
+          <a:p>
+            <a:pPr marL="1344613" lvl="2" indent="-323850">
+              <a:spcBef>
+                <a:spcPts val="800"/>
+              </a:spcBef>
+              <a:buFont typeface="Times New Roman" charset="0"/>
+              <a:buChar char="•"/>
+              <a:tabLst>
+                <a:tab pos="430213" algn="l"/>
+                <a:tab pos="1344613" algn="l"/>
+                <a:tab pos="2259013" algn="l"/>
+                <a:tab pos="3173413" algn="l"/>
+                <a:tab pos="4087813" algn="l"/>
+                <a:tab pos="5002213" algn="l"/>
+                <a:tab pos="5916613" algn="l"/>
+                <a:tab pos="6831013" algn="l"/>
+                <a:tab pos="7745413" algn="l"/>
+                <a:tab pos="8659813" algn="l"/>
+                <a:tab pos="9574213" algn="l"/>
+                <a:tab pos="10488613" algn="l"/>
+              </a:tabLst>
+            </a:pPr>
+            <a:r>
+              <a:rPr lang="en-GB" sz="2800" dirty="0">
+                <a:solidFill>
+                  <a:srgbClr val="000000"/>
+                </a:solidFill>
+                <a:latin typeface="Times New Roman"/>
+                <a:cs typeface="Times New Roman"/>
+              </a:rPr>
+              <a:t>Getting Help</a:t>
+            </a:r>
+          </a:p>
+          <a:p>
+            <a:pPr marL="1344613" lvl="2" indent="-323850">
+              <a:spcBef>
+                <a:spcPts val="800"/>
+              </a:spcBef>
+              <a:buFont typeface="Times New Roman" charset="0"/>
+              <a:buChar char="•"/>
+              <a:tabLst>
+                <a:tab pos="430213" algn="l"/>
+                <a:tab pos="1344613" algn="l"/>
+                <a:tab pos="2259013" algn="l"/>
+                <a:tab pos="3173413" algn="l"/>
+                <a:tab pos="4087813" algn="l"/>
+                <a:tab pos="5002213" algn="l"/>
+                <a:tab pos="5916613" algn="l"/>
+                <a:tab pos="6831013" algn="l"/>
+                <a:tab pos="7745413" algn="l"/>
+                <a:tab pos="8659813" algn="l"/>
+                <a:tab pos="9574213" algn="l"/>
+                <a:tab pos="10488613" algn="l"/>
+              </a:tabLst>
+            </a:pPr>
+            <a:r>
+              <a:rPr lang="en-GB" sz="2800" dirty="0">
+                <a:solidFill>
+                  <a:srgbClr val="000000"/>
+                </a:solidFill>
+                <a:latin typeface="Times New Roman"/>
+                <a:cs typeface="Times New Roman"/>
+              </a:rPr>
+              <a:t>Visualizing with Plots</a:t>
+            </a:r>
+          </a:p>
+          <a:p>
+            <a:pPr marL="1344613" lvl="2" indent="-323850">
+              <a:spcBef>
+                <a:spcPts val="800"/>
+              </a:spcBef>
+              <a:buFont typeface="Times New Roman" charset="0"/>
+              <a:buChar char="•"/>
+              <a:tabLst>
+                <a:tab pos="430213" algn="l"/>
+                <a:tab pos="1344613" algn="l"/>
+                <a:tab pos="2259013" algn="l"/>
+                <a:tab pos="3173413" algn="l"/>
+                <a:tab pos="4087813" algn="l"/>
+                <a:tab pos="5002213" algn="l"/>
+                <a:tab pos="5916613" algn="l"/>
+                <a:tab pos="6831013" algn="l"/>
+                <a:tab pos="7745413" algn="l"/>
+                <a:tab pos="8659813" algn="l"/>
+                <a:tab pos="9574213" algn="l"/>
+                <a:tab pos="10488613" algn="l"/>
+              </a:tabLst>
+            </a:pPr>
+            <a:r>
+              <a:rPr lang="en-GB" sz="2800" dirty="0">
+                <a:solidFill>
+                  <a:srgbClr val="000000"/>
+                </a:solidFill>
+                <a:latin typeface="Times New Roman"/>
+                <a:cs typeface="Times New Roman"/>
+              </a:rPr>
+              <a:t>Loading your data from Excel spreadsheets</a:t>
+            </a:r>
+          </a:p>
+          <a:p>
+            <a:pPr marL="1344613" lvl="2" indent="-323850">
+              <a:spcBef>
+                <a:spcPts val="800"/>
+              </a:spcBef>
+              <a:buFont typeface="Times New Roman" charset="0"/>
+              <a:buChar char="•"/>
+              <a:tabLst>
+                <a:tab pos="430213" algn="l"/>
+                <a:tab pos="1344613" algn="l"/>
+                <a:tab pos="2259013" algn="l"/>
+                <a:tab pos="3173413" algn="l"/>
+                <a:tab pos="4087813" algn="l"/>
+                <a:tab pos="5002213" algn="l"/>
+                <a:tab pos="5916613" algn="l"/>
+                <a:tab pos="6831013" algn="l"/>
+                <a:tab pos="7745413" algn="l"/>
+                <a:tab pos="8659813" algn="l"/>
+                <a:tab pos="9574213" algn="l"/>
+                <a:tab pos="10488613" algn="l"/>
+              </a:tabLst>
+            </a:pPr>
+            <a:r>
+              <a:rPr lang="en-GB" sz="2800" dirty="0">
+                <a:solidFill>
+                  <a:srgbClr val="000000"/>
+                </a:solidFill>
+                <a:latin typeface="Times New Roman"/>
+                <a:cs typeface="Times New Roman"/>
+              </a:rPr>
+              <a:t>Basic Plotting</a:t>
+            </a:r>
+          </a:p>
+        </p:txBody>
+      </p:sp>
+      <p:pic>
+        <p:nvPicPr>
+          <p:cNvPr id="6" name="Picture 2"/>
+          <p:cNvPicPr>
+            <a:picLocks noChangeAspect="1" noChangeArrowheads="1"/>
+          </p:cNvPicPr>
+          <p:nvPr/>
+        </p:nvPicPr>
+        <p:blipFill>
+          <a:blip r:embed="rId3" cstate="print"/>
+          <a:srcRect/>
+          <a:stretch>
+            <a:fillRect/>
+          </a:stretch>
+        </p:blipFill>
+        <p:spPr bwMode="auto">
+          <a:xfrm>
+            <a:off x="484188" y="76200"/>
+            <a:ext cx="8202612" cy="239712"/>
+          </a:xfrm>
+          <a:prstGeom prst="rect">
+            <a:avLst/>
+          </a:prstGeom>
+          <a:noFill/>
+          <a:ln w="9525">
+            <a:noFill/>
+            <a:round/>
+            <a:headEnd/>
+            <a:tailEnd/>
+          </a:ln>
+        </p:spPr>
+      </p:pic>
+      <p:pic>
+        <p:nvPicPr>
+          <p:cNvPr id="7" name="Picture 6" descr="Rlogo.jpg"/>
+          <p:cNvPicPr>
+            <a:picLocks noChangeAspect="1"/>
+          </p:cNvPicPr>
+          <p:nvPr/>
+        </p:nvPicPr>
+        <p:blipFill>
+          <a:blip r:embed="rId4"/>
+          <a:stretch>
+            <a:fillRect/>
+          </a:stretch>
+        </p:blipFill>
+        <p:spPr>
+          <a:xfrm>
+            <a:off x="557031" y="1107912"/>
+            <a:ext cx="620039" cy="471232"/>
+          </a:xfrm>
+          <a:prstGeom prst="rect">
+            <a:avLst/>
+          </a:prstGeom>
+        </p:spPr>
+      </p:pic>
+      <p:pic>
+        <p:nvPicPr>
+          <p:cNvPr id="8" name="Picture 7" descr="Rlogo.jpg"/>
+          <p:cNvPicPr>
+            <a:picLocks noChangeAspect="1"/>
+          </p:cNvPicPr>
+          <p:nvPr/>
+        </p:nvPicPr>
+        <p:blipFill>
+          <a:blip r:embed="rId4"/>
+          <a:stretch>
+            <a:fillRect/>
+          </a:stretch>
+        </p:blipFill>
+        <p:spPr>
+          <a:xfrm>
+            <a:off x="4563130" y="2234195"/>
+            <a:ext cx="678018" cy="515296"/>
+          </a:xfrm>
+          <a:prstGeom prst="rect">
+            <a:avLst/>
+          </a:prstGeom>
+        </p:spPr>
+      </p:pic>
+    </p:spTree>
+  </p:cSld>
+  <p:clrMapOvr>
+    <a:masterClrMapping/>
+  </p:clrMapOvr>
+  <p:transition spd="med"/>
+  <p:timing>
+    <p:tnLst>
+      <p:par>
+        <p:cTn id="1" dur="indefinite" restart="never" nodeType="tmRoot">
+          <p:childTnLst>
+            <p:seq concurrent="1" nextAc="seek">
+              <p:cTn id="2" dur="0" nodeType="mainSeq"/>
+              <p:prevCondLst>
+                <p:cond evt="onPrev" delay="0">
+                  <p:tgtEl>
+                    <p:sldTgt/>
+                  </p:tgtEl>
+                </p:cond>
+              </p:prevCondLst>
+              <p:nextCondLst>
+                <p:cond evt="onNext" delay="0">
+                  <p:tgtEl>
+                    <p:sldTgt/>
+                  </p:tgtEl>
+                </p:cond>
+              </p:nextCondLst>
+            </p:seq>
+          </p:childTnLst>
+        </p:cTn>
+      </p:par>
+    </p:tnLst>
+  </p:timing>
 </p:sld>
 </file>
 

--- a/notes/day_1.pptx
+++ b/notes/day_1.pptx
@@ -226,7 +226,7 @@
             <a:fld id="{E5C71FD9-B322-2549-9400-AF0C57474107}" type="datetimeFigureOut">
               <a:rPr lang="en-US" smtClean="0"/>
               <a:pPr/>
-              <a:t>6/21/21</a:t>
+              <a:t>6/22/21</a:t>
             </a:fld>
             <a:endParaRPr lang="en-US"/>
           </a:p>
@@ -933,7 +933,7 @@
             <a:fld id="{A3417F39-3343-D34D-887C-91D887A1DE4F}" type="datetimeFigureOut">
               <a:rPr lang="en-US" smtClean="0"/>
               <a:pPr/>
-              <a:t>6/21/21</a:t>
+              <a:t>6/22/21</a:t>
             </a:fld>
             <a:endParaRPr lang="en-US"/>
           </a:p>
@@ -1098,7 +1098,7 @@
             <a:fld id="{A3417F39-3343-D34D-887C-91D887A1DE4F}" type="datetimeFigureOut">
               <a:rPr lang="en-US" smtClean="0"/>
               <a:pPr/>
-              <a:t>6/21/21</a:t>
+              <a:t>6/22/21</a:t>
             </a:fld>
             <a:endParaRPr lang="en-US"/>
           </a:p>
@@ -1273,7 +1273,7 @@
             <a:fld id="{A3417F39-3343-D34D-887C-91D887A1DE4F}" type="datetimeFigureOut">
               <a:rPr lang="en-US" smtClean="0"/>
               <a:pPr/>
-              <a:t>6/21/21</a:t>
+              <a:t>6/22/21</a:t>
             </a:fld>
             <a:endParaRPr lang="en-US"/>
           </a:p>
@@ -1438,7 +1438,7 @@
             <a:fld id="{A3417F39-3343-D34D-887C-91D887A1DE4F}" type="datetimeFigureOut">
               <a:rPr lang="en-US" smtClean="0"/>
               <a:pPr/>
-              <a:t>6/21/21</a:t>
+              <a:t>6/22/21</a:t>
             </a:fld>
             <a:endParaRPr lang="en-US"/>
           </a:p>
@@ -1680,7 +1680,7 @@
             <a:fld id="{A3417F39-3343-D34D-887C-91D887A1DE4F}" type="datetimeFigureOut">
               <a:rPr lang="en-US" smtClean="0"/>
               <a:pPr/>
-              <a:t>6/21/21</a:t>
+              <a:t>6/22/21</a:t>
             </a:fld>
             <a:endParaRPr lang="en-US"/>
           </a:p>
@@ -1962,7 +1962,7 @@
             <a:fld id="{A3417F39-3343-D34D-887C-91D887A1DE4F}" type="datetimeFigureOut">
               <a:rPr lang="en-US" smtClean="0"/>
               <a:pPr/>
-              <a:t>6/21/21</a:t>
+              <a:t>6/22/21</a:t>
             </a:fld>
             <a:endParaRPr lang="en-US"/>
           </a:p>
@@ -2378,7 +2378,7 @@
             <a:fld id="{A3417F39-3343-D34D-887C-91D887A1DE4F}" type="datetimeFigureOut">
               <a:rPr lang="en-US" smtClean="0"/>
               <a:pPr/>
-              <a:t>6/21/21</a:t>
+              <a:t>6/22/21</a:t>
             </a:fld>
             <a:endParaRPr lang="en-US"/>
           </a:p>
@@ -2492,7 +2492,7 @@
             <a:fld id="{A3417F39-3343-D34D-887C-91D887A1DE4F}" type="datetimeFigureOut">
               <a:rPr lang="en-US" smtClean="0"/>
               <a:pPr/>
-              <a:t>6/21/21</a:t>
+              <a:t>6/22/21</a:t>
             </a:fld>
             <a:endParaRPr lang="en-US"/>
           </a:p>
@@ -2584,7 +2584,7 @@
             <a:fld id="{A3417F39-3343-D34D-887C-91D887A1DE4F}" type="datetimeFigureOut">
               <a:rPr lang="en-US" smtClean="0"/>
               <a:pPr/>
-              <a:t>6/21/21</a:t>
+              <a:t>6/22/21</a:t>
             </a:fld>
             <a:endParaRPr lang="en-US"/>
           </a:p>
@@ -2856,7 +2856,7 @@
             <a:fld id="{A3417F39-3343-D34D-887C-91D887A1DE4F}" type="datetimeFigureOut">
               <a:rPr lang="en-US" smtClean="0"/>
               <a:pPr/>
-              <a:t>6/21/21</a:t>
+              <a:t>6/22/21</a:t>
             </a:fld>
             <a:endParaRPr lang="en-US"/>
           </a:p>
@@ -3105,7 +3105,7 @@
             <a:fld id="{A3417F39-3343-D34D-887C-91D887A1DE4F}" type="datetimeFigureOut">
               <a:rPr lang="en-US" smtClean="0"/>
               <a:pPr/>
-              <a:t>6/21/21</a:t>
+              <a:t>6/22/21</a:t>
             </a:fld>
             <a:endParaRPr lang="en-US"/>
           </a:p>
@@ -3313,7 +3313,7 @@
             <a:fld id="{A3417F39-3343-D34D-887C-91D887A1DE4F}" type="datetimeFigureOut">
               <a:rPr lang="en-US" smtClean="0"/>
               <a:pPr/>
-              <a:t>6/21/21</a:t>
+              <a:t>6/22/21</a:t>
             </a:fld>
             <a:endParaRPr lang="en-US"/>
           </a:p>
@@ -5648,14 +5648,24 @@
           </a:p>
           <a:p>
             <a:r>
-              <a:rPr lang="en-US" sz="1600" dirty="0">
+              <a:rPr lang="en-US" sz="1600" dirty="0" err="1">
                 <a:solidFill>
                   <a:schemeClr val="bg1"/>
                 </a:solidFill>
                 <a:latin typeface="Courier"/>
                 <a:cs typeface="Courier"/>
               </a:rPr>
-              <a:t>dat3 &lt;- </a:t>
+              <a:t>dat</a:t>
+            </a:r>
+            <a:r>
+              <a:rPr lang="en-US" sz="1600" dirty="0">
+                <a:solidFill>
+                  <a:schemeClr val="bg1"/>
+                </a:solidFill>
+                <a:latin typeface="Courier"/>
+                <a:cs typeface="Courier"/>
+              </a:rPr>
+              <a:t> &lt;- </a:t>
             </a:r>
             <a:r>
               <a:rPr lang="en-US" sz="1600" dirty="0" err="1">
